--- a/assets/Planning/1_strada_coffee.pptx
+++ b/assets/Planning/1_strada_coffee.pptx
@@ -5,7 +5,7 @@
     <p:sldMasterId id="2147483648" r:id="rId1"/>
   </p:sldMasterIdLst>
   <p:notesMasterIdLst>
-    <p:notesMasterId r:id="rId28"/>
+    <p:notesMasterId r:id="rId30"/>
   </p:notesMasterIdLst>
   <p:sldIdLst>
     <p:sldId id="256" r:id="rId2"/>
@@ -22,18 +22,20 @@
     <p:sldId id="259" r:id="rId13"/>
     <p:sldId id="260" r:id="rId14"/>
     <p:sldId id="261" r:id="rId15"/>
-    <p:sldId id="278" r:id="rId16"/>
-    <p:sldId id="267" r:id="rId17"/>
-    <p:sldId id="291" r:id="rId18"/>
-    <p:sldId id="279" r:id="rId19"/>
-    <p:sldId id="284" r:id="rId20"/>
-    <p:sldId id="280" r:id="rId21"/>
-    <p:sldId id="264" r:id="rId22"/>
-    <p:sldId id="292" r:id="rId23"/>
-    <p:sldId id="282" r:id="rId24"/>
-    <p:sldId id="286" r:id="rId25"/>
-    <p:sldId id="287" r:id="rId26"/>
-    <p:sldId id="288" r:id="rId27"/>
+    <p:sldId id="301" r:id="rId16"/>
+    <p:sldId id="278" r:id="rId17"/>
+    <p:sldId id="267" r:id="rId18"/>
+    <p:sldId id="291" r:id="rId19"/>
+    <p:sldId id="279" r:id="rId20"/>
+    <p:sldId id="284" r:id="rId21"/>
+    <p:sldId id="280" r:id="rId22"/>
+    <p:sldId id="264" r:id="rId23"/>
+    <p:sldId id="300" r:id="rId24"/>
+    <p:sldId id="292" r:id="rId25"/>
+    <p:sldId id="282" r:id="rId26"/>
+    <p:sldId id="286" r:id="rId27"/>
+    <p:sldId id="287" r:id="rId28"/>
+    <p:sldId id="288" r:id="rId29"/>
   </p:sldIdLst>
   <p:sldSz cx="12192000" cy="6858000"/>
   <p:notesSz cx="6858000" cy="9144000"/>
@@ -151,6 +153,7 @@
             <p14:sldId id="259"/>
             <p14:sldId id="260"/>
             <p14:sldId id="261"/>
+            <p14:sldId id="301"/>
             <p14:sldId id="278"/>
             <p14:sldId id="267"/>
             <p14:sldId id="291"/>
@@ -158,6 +161,7 @@
             <p14:sldId id="284"/>
             <p14:sldId id="280"/>
             <p14:sldId id="264"/>
+            <p14:sldId id="300"/>
             <p14:sldId id="292"/>
             <p14:sldId id="282"/>
             <p14:sldId id="286"/>
@@ -267,7 +271,7 @@
           <a:p>
             <a:fld id="{FD0BE87A-025A-45D7-8E71-37F4340729C0}" type="datetimeFigureOut">
               <a:rPr lang="ko-KR" altLang="en-US" smtClean="0"/>
-              <a:t>2020-10-29</a:t>
+              <a:t>2020-11-06</a:t>
             </a:fld>
             <a:endParaRPr lang="ko-KR" altLang="en-US"/>
           </a:p>
@@ -683,7 +687,7 @@
           <a:p>
             <a:fld id="{67A156C7-0639-4275-896E-94D74AE62061}" type="slidenum">
               <a:rPr lang="ko-KR" altLang="en-US" smtClean="0"/>
-              <a:t>15</a:t>
+              <a:t>16</a:t>
             </a:fld>
             <a:endParaRPr lang="ko-KR" altLang="en-US"/>
           </a:p>
@@ -767,7 +771,7 @@
           <a:p>
             <a:fld id="{67A156C7-0639-4275-896E-94D74AE62061}" type="slidenum">
               <a:rPr lang="ko-KR" altLang="en-US" smtClean="0"/>
-              <a:t>16</a:t>
+              <a:t>17</a:t>
             </a:fld>
             <a:endParaRPr lang="ko-KR" altLang="en-US"/>
           </a:p>
@@ -851,7 +855,7 @@
           <a:p>
             <a:fld id="{67A156C7-0639-4275-896E-94D74AE62061}" type="slidenum">
               <a:rPr lang="ko-KR" altLang="en-US" smtClean="0"/>
-              <a:t>17</a:t>
+              <a:t>18</a:t>
             </a:fld>
             <a:endParaRPr lang="ko-KR" altLang="en-US"/>
           </a:p>
@@ -1040,7 +1044,7 @@
           <a:p>
             <a:fld id="{67A156C7-0639-4275-896E-94D74AE62061}" type="slidenum">
               <a:rPr lang="ko-KR" altLang="en-US" smtClean="0"/>
-              <a:t>18</a:t>
+              <a:t>19</a:t>
             </a:fld>
             <a:endParaRPr lang="ko-KR" altLang="en-US"/>
           </a:p>
@@ -1128,7 +1132,7 @@
           <a:p>
             <a:fld id="{67A156C7-0639-4275-896E-94D74AE62061}" type="slidenum">
               <a:rPr lang="ko-KR" altLang="en-US" smtClean="0"/>
-              <a:t>19</a:t>
+              <a:t>20</a:t>
             </a:fld>
             <a:endParaRPr lang="ko-KR" altLang="en-US"/>
           </a:p>
@@ -1492,7 +1496,7 @@
           <a:p>
             <a:fld id="{67A156C7-0639-4275-896E-94D74AE62061}" type="slidenum">
               <a:rPr lang="ko-KR" altLang="en-US" smtClean="0"/>
-              <a:t>20</a:t>
+              <a:t>21</a:t>
             </a:fld>
             <a:endParaRPr lang="ko-KR" altLang="en-US"/>
           </a:p>
@@ -1576,7 +1580,7 @@
           <a:p>
             <a:fld id="{67A156C7-0639-4275-896E-94D74AE62061}" type="slidenum">
               <a:rPr lang="ko-KR" altLang="en-US" smtClean="0"/>
-              <a:t>21</a:t>
+              <a:t>22</a:t>
             </a:fld>
             <a:endParaRPr lang="ko-KR" altLang="en-US"/>
           </a:p>
@@ -1660,7 +1664,7 @@
           <a:p>
             <a:fld id="{67A156C7-0639-4275-896E-94D74AE62061}" type="slidenum">
               <a:rPr lang="ko-KR" altLang="en-US" smtClean="0"/>
-              <a:t>22</a:t>
+              <a:t>23</a:t>
             </a:fld>
             <a:endParaRPr lang="ko-KR" altLang="en-US"/>
           </a:p>
@@ -1669,7 +1673,7 @@
     </p:spTree>
     <p:extLst>
       <p:ext uri="{BB962C8B-B14F-4D97-AF65-F5344CB8AC3E}">
-        <p14:creationId xmlns:p14="http://schemas.microsoft.com/office/powerpoint/2010/main" val="2449747247"/>
+        <p14:creationId xmlns:p14="http://schemas.microsoft.com/office/powerpoint/2010/main" val="1354765048"/>
       </p:ext>
     </p:extLst>
   </p:cSld>
@@ -1723,286 +1727,6 @@
           <a:bodyPr/>
           <a:lstStyle/>
           <a:p>
-            <a:pPr marL="228600" indent="-228600">
-              <a:buAutoNum type="arabicPeriod"/>
-            </a:pPr>
-            <a:r>
-              <a:rPr lang="ko-KR" altLang="en-US" dirty="0" err="1"/>
-              <a:t>피드</a:t>
-            </a:r>
-            <a:r>
-              <a:rPr lang="ko-KR" altLang="en-US" dirty="0"/>
-              <a:t> 형식 유지</a:t>
-            </a:r>
-            <a:endParaRPr lang="en-US" altLang="ko-KR" dirty="0"/>
-          </a:p>
-          <a:p>
-            <a:pPr marL="228600" indent="-228600">
-              <a:buAutoNum type="arabicPeriod" startAt="2"/>
-            </a:pPr>
-            <a:r>
-              <a:rPr lang="ko-KR" altLang="en-US" dirty="0"/>
-              <a:t>하단 </a:t>
-            </a:r>
-            <a:r>
-              <a:rPr lang="ko-KR" altLang="en-US" dirty="0" err="1"/>
-              <a:t>네비게이션바</a:t>
-            </a:r>
-            <a:r>
-              <a:rPr lang="en-US" altLang="ko-KR" dirty="0"/>
-              <a:t>(</a:t>
-            </a:r>
-            <a:r>
-              <a:rPr lang="ko-KR" altLang="en-US" dirty="0"/>
-              <a:t>인터넷과 같이 위로 </a:t>
-            </a:r>
-            <a:r>
-              <a:rPr lang="ko-KR" altLang="en-US" dirty="0" err="1"/>
-              <a:t>스와이프하면</a:t>
-            </a:r>
-            <a:r>
-              <a:rPr lang="ko-KR" altLang="en-US" dirty="0"/>
-              <a:t> 등장</a:t>
-            </a:r>
-            <a:r>
-              <a:rPr lang="en-US" altLang="ko-KR" dirty="0"/>
-              <a:t>. </a:t>
-            </a:r>
-            <a:r>
-              <a:rPr lang="ko-KR" altLang="en-US" dirty="0"/>
-              <a:t>아래로 </a:t>
-            </a:r>
-            <a:r>
-              <a:rPr lang="ko-KR" altLang="en-US" dirty="0" err="1"/>
-              <a:t>스와이프하면</a:t>
-            </a:r>
-            <a:r>
-              <a:rPr lang="ko-KR" altLang="en-US" dirty="0"/>
-              <a:t> 내려가도록</a:t>
-            </a:r>
-            <a:r>
-              <a:rPr lang="en-US" altLang="ko-KR" dirty="0"/>
-              <a:t>.)- </a:t>
-            </a:r>
-            <a:r>
-              <a:rPr lang="ko-KR" altLang="en-US" dirty="0"/>
-              <a:t>홈</a:t>
-            </a:r>
-            <a:r>
-              <a:rPr lang="en-US" altLang="ko-KR" dirty="0"/>
-              <a:t>/</a:t>
-            </a:r>
-            <a:r>
-              <a:rPr lang="ko-KR" altLang="en-US" dirty="0"/>
-              <a:t>장바구니</a:t>
-            </a:r>
-            <a:r>
-              <a:rPr lang="en-US" altLang="ko-KR" dirty="0"/>
-              <a:t>/</a:t>
-            </a:r>
-            <a:r>
-              <a:rPr lang="ko-KR" altLang="en-US" dirty="0"/>
-              <a:t>주문내역</a:t>
-            </a:r>
-            <a:r>
-              <a:rPr lang="en-US" altLang="ko-KR" dirty="0"/>
-              <a:t> or</a:t>
-            </a:r>
-            <a:r>
-              <a:rPr lang="ko-KR" altLang="en-US" dirty="0"/>
-              <a:t> 마이페이지</a:t>
-            </a:r>
-            <a:r>
-              <a:rPr lang="en-US" altLang="ko-KR" dirty="0"/>
-              <a:t>(</a:t>
-            </a:r>
-            <a:r>
-              <a:rPr lang="ko-KR" altLang="en-US" dirty="0"/>
-              <a:t>마이페이지 </a:t>
-            </a:r>
-            <a:r>
-              <a:rPr lang="en-US" altLang="ko-KR" dirty="0"/>
-              <a:t>: </a:t>
-            </a:r>
-            <a:r>
-              <a:rPr lang="ko-KR" altLang="en-US" dirty="0"/>
-              <a:t>포인트 적립 및 사용내역</a:t>
-            </a:r>
-            <a:r>
-              <a:rPr lang="en-US" altLang="ko-KR" dirty="0"/>
-              <a:t>, </a:t>
-            </a:r>
-            <a:r>
-              <a:rPr lang="ko-KR" altLang="en-US" dirty="0"/>
-              <a:t>나만의 메뉴</a:t>
-            </a:r>
-            <a:r>
-              <a:rPr lang="en-US" altLang="ko-KR" dirty="0"/>
-              <a:t>, </a:t>
-            </a:r>
-            <a:r>
-              <a:rPr lang="ko-KR" altLang="en-US" dirty="0"/>
-              <a:t>주문내역 등 확인할 수 있는 공간</a:t>
-            </a:r>
-            <a:r>
-              <a:rPr lang="en-US" altLang="ko-KR" dirty="0"/>
-              <a:t>)/ </a:t>
-            </a:r>
-            <a:r>
-              <a:rPr lang="ko-KR" altLang="en-US" dirty="0"/>
-              <a:t>고객의 소리</a:t>
-            </a:r>
-            <a:r>
-              <a:rPr lang="en-US" altLang="ko-KR" dirty="0"/>
-              <a:t>/</a:t>
-            </a:r>
-            <a:r>
-              <a:rPr lang="ko-KR" altLang="en-US" dirty="0"/>
-              <a:t>햄버거바</a:t>
-            </a:r>
-            <a:endParaRPr lang="en-US" altLang="ko-KR" dirty="0"/>
-          </a:p>
-          <a:p>
-            <a:pPr marL="228600" indent="-228600">
-              <a:buAutoNum type="arabicPeriod" startAt="2"/>
-            </a:pPr>
-            <a:r>
-              <a:rPr lang="ko-KR" altLang="en-US" dirty="0"/>
-              <a:t>우측 상단 아이콘 검색과 알림 </a:t>
-            </a:r>
-            <a:r>
-              <a:rPr lang="ko-KR" altLang="en-US" dirty="0" err="1"/>
-              <a:t>굳</a:t>
-            </a:r>
-            <a:endParaRPr lang="en-US" altLang="ko-KR" dirty="0"/>
-          </a:p>
-          <a:p>
-            <a:pPr marL="228600" indent="-228600">
-              <a:buAutoNum type="arabicPeriod" startAt="2"/>
-            </a:pPr>
-            <a:r>
-              <a:rPr lang="ko-KR" altLang="en-US" dirty="0"/>
-              <a:t>공지사항과 이벤트 아이콘 필요</a:t>
-            </a:r>
-            <a:r>
-              <a:rPr lang="en-US" altLang="ko-KR" dirty="0"/>
-              <a:t>? </a:t>
-            </a:r>
-            <a:r>
-              <a:rPr lang="ko-KR" altLang="en-US" dirty="0" err="1"/>
-              <a:t>알림센터에</a:t>
-            </a:r>
-            <a:r>
-              <a:rPr lang="ko-KR" altLang="en-US" dirty="0"/>
-              <a:t> 고정되어 있다면</a:t>
-            </a:r>
-            <a:r>
-              <a:rPr lang="en-US" altLang="ko-KR" dirty="0"/>
-              <a:t>?</a:t>
-            </a:r>
-            <a:r>
-              <a:rPr lang="ko-KR" altLang="en-US" dirty="0"/>
-              <a:t>만들어도 햄버거바</a:t>
-            </a:r>
-            <a:r>
-              <a:rPr lang="en-US" altLang="ko-KR" dirty="0"/>
-              <a:t>(</a:t>
-            </a:r>
-            <a:r>
-              <a:rPr lang="ko-KR" altLang="en-US" dirty="0"/>
-              <a:t>전체메뉴</a:t>
-            </a:r>
-            <a:r>
-              <a:rPr lang="en-US" altLang="ko-KR" dirty="0"/>
-              <a:t>)</a:t>
-            </a:r>
-            <a:r>
-              <a:rPr lang="ko-KR" altLang="en-US" dirty="0"/>
-              <a:t>에서 한 카테고리정도</a:t>
-            </a:r>
-            <a:endParaRPr lang="en-US" altLang="ko-KR" dirty="0"/>
-          </a:p>
-          <a:p>
-            <a:pPr marL="228600" indent="-228600">
-              <a:buAutoNum type="arabicPeriod" startAt="2"/>
-            </a:pPr>
-            <a:r>
-              <a:rPr lang="ko-KR" altLang="en-US" dirty="0"/>
-              <a:t>자주 찾는 메뉴</a:t>
-            </a:r>
-            <a:r>
-              <a:rPr lang="en-US" altLang="ko-KR" dirty="0"/>
-              <a:t>, </a:t>
-            </a:r>
-            <a:r>
-              <a:rPr lang="ko-KR" altLang="en-US" dirty="0"/>
-              <a:t>최근 주문한 메뉴</a:t>
-            </a:r>
-            <a:r>
-              <a:rPr lang="en-US" altLang="ko-KR" dirty="0"/>
-              <a:t> </a:t>
-            </a:r>
-            <a:r>
-              <a:rPr lang="ko-KR" altLang="en-US" dirty="0"/>
-              <a:t>또는 마이 레시피 </a:t>
-            </a:r>
-            <a:r>
-              <a:rPr lang="ko-KR" altLang="en-US" dirty="0" err="1"/>
-              <a:t>피드</a:t>
-            </a:r>
-            <a:r>
-              <a:rPr lang="ko-KR" altLang="en-US" dirty="0"/>
-              <a:t> 상단 표시</a:t>
-            </a:r>
-            <a:r>
-              <a:rPr lang="en-US" altLang="ko-KR" dirty="0"/>
-              <a:t>.</a:t>
-            </a:r>
-          </a:p>
-          <a:p>
-            <a:pPr marL="228600" indent="-228600">
-              <a:buAutoNum type="arabicPeriod" startAt="2"/>
-            </a:pPr>
-            <a:r>
-              <a:rPr lang="ko-KR" altLang="en-US" dirty="0"/>
-              <a:t>실물사진과의 배치</a:t>
-            </a:r>
-            <a:r>
-              <a:rPr lang="en-US" altLang="ko-KR" dirty="0"/>
-              <a:t>. </a:t>
-            </a:r>
-            <a:r>
-              <a:rPr lang="ko-KR" altLang="en-US" dirty="0"/>
-              <a:t>메뉴사진 오른쪽 하단에 </a:t>
-            </a:r>
-            <a:r>
-              <a:rPr lang="en-US" altLang="ko-KR" dirty="0"/>
-              <a:t>‘</a:t>
-            </a:r>
-            <a:r>
-              <a:rPr lang="ko-KR" altLang="en-US" dirty="0"/>
-              <a:t>스타벅스</a:t>
-            </a:r>
-            <a:r>
-              <a:rPr lang="en-US" altLang="ko-KR" dirty="0"/>
-              <a:t>’</a:t>
-            </a:r>
-            <a:r>
-              <a:rPr lang="ko-KR" altLang="en-US" dirty="0"/>
-              <a:t>와 같이 확대 버튼 추가</a:t>
-            </a:r>
-            <a:r>
-              <a:rPr lang="en-US" altLang="ko-KR" dirty="0"/>
-              <a:t>.(</a:t>
-            </a:r>
-            <a:r>
-              <a:rPr lang="ko-KR" altLang="en-US" dirty="0"/>
-              <a:t>이미지 및 해당 제품소개</a:t>
-            </a:r>
-            <a:r>
-              <a:rPr lang="en-US" altLang="ko-KR" dirty="0"/>
-              <a:t>)  </a:t>
-            </a:r>
             <a:endParaRPr lang="ko-KR" altLang="en-US" dirty="0"/>
           </a:p>
         </p:txBody>
@@ -2024,7 +1748,7 @@
           <a:p>
             <a:fld id="{67A156C7-0639-4275-896E-94D74AE62061}" type="slidenum">
               <a:rPr lang="ko-KR" altLang="en-US" smtClean="0"/>
-              <a:t>23</a:t>
+              <a:t>24</a:t>
             </a:fld>
             <a:endParaRPr lang="ko-KR" altLang="en-US"/>
           </a:p>
@@ -2033,7 +1757,7 @@
     </p:spTree>
     <p:extLst>
       <p:ext uri="{BB962C8B-B14F-4D97-AF65-F5344CB8AC3E}">
-        <p14:creationId xmlns:p14="http://schemas.microsoft.com/office/powerpoint/2010/main" val="3861064648"/>
+        <p14:creationId xmlns:p14="http://schemas.microsoft.com/office/powerpoint/2010/main" val="2449747247"/>
       </p:ext>
     </p:extLst>
   </p:cSld>
@@ -2388,7 +2112,7 @@
           <a:p>
             <a:fld id="{67A156C7-0639-4275-896E-94D74AE62061}" type="slidenum">
               <a:rPr lang="ko-KR" altLang="en-US" smtClean="0"/>
-              <a:t>24</a:t>
+              <a:t>25</a:t>
             </a:fld>
             <a:endParaRPr lang="ko-KR" altLang="en-US"/>
           </a:p>
@@ -2397,7 +2121,7 @@
     </p:spTree>
     <p:extLst>
       <p:ext uri="{BB962C8B-B14F-4D97-AF65-F5344CB8AC3E}">
-        <p14:creationId xmlns:p14="http://schemas.microsoft.com/office/powerpoint/2010/main" val="3099254232"/>
+        <p14:creationId xmlns:p14="http://schemas.microsoft.com/office/powerpoint/2010/main" val="3861064648"/>
       </p:ext>
     </p:extLst>
   </p:cSld>
@@ -2836,7 +2560,7 @@
           <a:p>
             <a:fld id="{67A156C7-0639-4275-896E-94D74AE62061}" type="slidenum">
               <a:rPr lang="ko-KR" altLang="en-US" smtClean="0"/>
-              <a:t>25</a:t>
+              <a:t>26</a:t>
             </a:fld>
             <a:endParaRPr lang="ko-KR" altLang="en-US"/>
           </a:p>
@@ -2845,7 +2569,7 @@
     </p:spTree>
     <p:extLst>
       <p:ext uri="{BB962C8B-B14F-4D97-AF65-F5344CB8AC3E}">
-        <p14:creationId xmlns:p14="http://schemas.microsoft.com/office/powerpoint/2010/main" val="3748325928"/>
+        <p14:creationId xmlns:p14="http://schemas.microsoft.com/office/powerpoint/2010/main" val="3099254232"/>
       </p:ext>
     </p:extLst>
   </p:cSld>
@@ -3200,7 +2924,371 @@
           <a:p>
             <a:fld id="{67A156C7-0639-4275-896E-94D74AE62061}" type="slidenum">
               <a:rPr lang="ko-KR" altLang="en-US" smtClean="0"/>
-              <a:t>26</a:t>
+              <a:t>27</a:t>
+            </a:fld>
+            <a:endParaRPr lang="ko-KR" altLang="en-US"/>
+          </a:p>
+        </p:txBody>
+      </p:sp>
+    </p:spTree>
+    <p:extLst>
+      <p:ext uri="{BB962C8B-B14F-4D97-AF65-F5344CB8AC3E}">
+        <p14:creationId xmlns:p14="http://schemas.microsoft.com/office/powerpoint/2010/main" val="3748325928"/>
+      </p:ext>
+    </p:extLst>
+  </p:cSld>
+  <p:clrMapOvr>
+    <a:masterClrMapping/>
+  </p:clrMapOvr>
+</p:notes>
+</file>
+
+<file path=ppt/notesSlides/notesSlide22.xml><?xml version="1.0" encoding="utf-8"?>
+<p:notes xmlns:a="http://schemas.openxmlformats.org/drawingml/2006/main" xmlns:r="http://schemas.openxmlformats.org/officeDocument/2006/relationships" xmlns:p="http://schemas.openxmlformats.org/presentationml/2006/main">
+  <p:cSld>
+    <p:spTree>
+      <p:nvGrpSpPr>
+        <p:cNvPr id="1" name=""/>
+        <p:cNvGrpSpPr/>
+        <p:nvPr/>
+      </p:nvGrpSpPr>
+      <p:grpSpPr>
+        <a:xfrm>
+          <a:off x="0" y="0"/>
+          <a:ext cx="0" cy="0"/>
+          <a:chOff x="0" y="0"/>
+          <a:chExt cx="0" cy="0"/>
+        </a:xfrm>
+      </p:grpSpPr>
+      <p:sp>
+        <p:nvSpPr>
+          <p:cNvPr id="2" name="슬라이드 이미지 개체 틀 1"/>
+          <p:cNvSpPr>
+            <a:spLocks noGrp="1" noRot="1" noChangeAspect="1"/>
+          </p:cNvSpPr>
+          <p:nvPr>
+            <p:ph type="sldImg"/>
+          </p:nvPr>
+        </p:nvSpPr>
+        <p:spPr/>
+      </p:sp>
+      <p:sp>
+        <p:nvSpPr>
+          <p:cNvPr id="3" name="슬라이드 노트 개체 틀 2"/>
+          <p:cNvSpPr>
+            <a:spLocks noGrp="1"/>
+          </p:cNvSpPr>
+          <p:nvPr>
+            <p:ph type="body" idx="1"/>
+          </p:nvPr>
+        </p:nvSpPr>
+        <p:spPr/>
+        <p:txBody>
+          <a:bodyPr/>
+          <a:lstStyle/>
+          <a:p>
+            <a:pPr marL="228600" indent="-228600">
+              <a:buAutoNum type="arabicPeriod"/>
+            </a:pPr>
+            <a:r>
+              <a:rPr lang="ko-KR" altLang="en-US" dirty="0" err="1"/>
+              <a:t>피드</a:t>
+            </a:r>
+            <a:r>
+              <a:rPr lang="ko-KR" altLang="en-US" dirty="0"/>
+              <a:t> 형식 유지</a:t>
+            </a:r>
+            <a:endParaRPr lang="en-US" altLang="ko-KR" dirty="0"/>
+          </a:p>
+          <a:p>
+            <a:pPr marL="228600" indent="-228600">
+              <a:buAutoNum type="arabicPeriod" startAt="2"/>
+            </a:pPr>
+            <a:r>
+              <a:rPr lang="ko-KR" altLang="en-US" dirty="0"/>
+              <a:t>하단 </a:t>
+            </a:r>
+            <a:r>
+              <a:rPr lang="ko-KR" altLang="en-US" dirty="0" err="1"/>
+              <a:t>네비게이션바</a:t>
+            </a:r>
+            <a:r>
+              <a:rPr lang="en-US" altLang="ko-KR" dirty="0"/>
+              <a:t>(</a:t>
+            </a:r>
+            <a:r>
+              <a:rPr lang="ko-KR" altLang="en-US" dirty="0"/>
+              <a:t>인터넷과 같이 위로 </a:t>
+            </a:r>
+            <a:r>
+              <a:rPr lang="ko-KR" altLang="en-US" dirty="0" err="1"/>
+              <a:t>스와이프하면</a:t>
+            </a:r>
+            <a:r>
+              <a:rPr lang="ko-KR" altLang="en-US" dirty="0"/>
+              <a:t> 등장</a:t>
+            </a:r>
+            <a:r>
+              <a:rPr lang="en-US" altLang="ko-KR" dirty="0"/>
+              <a:t>. </a:t>
+            </a:r>
+            <a:r>
+              <a:rPr lang="ko-KR" altLang="en-US" dirty="0"/>
+              <a:t>아래로 </a:t>
+            </a:r>
+            <a:r>
+              <a:rPr lang="ko-KR" altLang="en-US" dirty="0" err="1"/>
+              <a:t>스와이프하면</a:t>
+            </a:r>
+            <a:r>
+              <a:rPr lang="ko-KR" altLang="en-US" dirty="0"/>
+              <a:t> 내려가도록</a:t>
+            </a:r>
+            <a:r>
+              <a:rPr lang="en-US" altLang="ko-KR" dirty="0"/>
+              <a:t>.)- </a:t>
+            </a:r>
+            <a:r>
+              <a:rPr lang="ko-KR" altLang="en-US" dirty="0"/>
+              <a:t>홈</a:t>
+            </a:r>
+            <a:r>
+              <a:rPr lang="en-US" altLang="ko-KR" dirty="0"/>
+              <a:t>/</a:t>
+            </a:r>
+            <a:r>
+              <a:rPr lang="ko-KR" altLang="en-US" dirty="0"/>
+              <a:t>장바구니</a:t>
+            </a:r>
+            <a:r>
+              <a:rPr lang="en-US" altLang="ko-KR" dirty="0"/>
+              <a:t>/</a:t>
+            </a:r>
+            <a:r>
+              <a:rPr lang="ko-KR" altLang="en-US" dirty="0"/>
+              <a:t>주문내역</a:t>
+            </a:r>
+            <a:r>
+              <a:rPr lang="en-US" altLang="ko-KR" dirty="0"/>
+              <a:t> or</a:t>
+            </a:r>
+            <a:r>
+              <a:rPr lang="ko-KR" altLang="en-US" dirty="0"/>
+              <a:t> 마이페이지</a:t>
+            </a:r>
+            <a:r>
+              <a:rPr lang="en-US" altLang="ko-KR" dirty="0"/>
+              <a:t>(</a:t>
+            </a:r>
+            <a:r>
+              <a:rPr lang="ko-KR" altLang="en-US" dirty="0"/>
+              <a:t>마이페이지 </a:t>
+            </a:r>
+            <a:r>
+              <a:rPr lang="en-US" altLang="ko-KR" dirty="0"/>
+              <a:t>: </a:t>
+            </a:r>
+            <a:r>
+              <a:rPr lang="ko-KR" altLang="en-US" dirty="0"/>
+              <a:t>포인트 적립 및 사용내역</a:t>
+            </a:r>
+            <a:r>
+              <a:rPr lang="en-US" altLang="ko-KR" dirty="0"/>
+              <a:t>, </a:t>
+            </a:r>
+            <a:r>
+              <a:rPr lang="ko-KR" altLang="en-US" dirty="0"/>
+              <a:t>나만의 메뉴</a:t>
+            </a:r>
+            <a:r>
+              <a:rPr lang="en-US" altLang="ko-KR" dirty="0"/>
+              <a:t>, </a:t>
+            </a:r>
+            <a:r>
+              <a:rPr lang="ko-KR" altLang="en-US" dirty="0"/>
+              <a:t>주문내역 등 확인할 수 있는 공간</a:t>
+            </a:r>
+            <a:r>
+              <a:rPr lang="en-US" altLang="ko-KR" dirty="0"/>
+              <a:t>)/ </a:t>
+            </a:r>
+            <a:r>
+              <a:rPr lang="ko-KR" altLang="en-US" dirty="0"/>
+              <a:t>고객의 소리</a:t>
+            </a:r>
+            <a:r>
+              <a:rPr lang="en-US" altLang="ko-KR" dirty="0"/>
+              <a:t>/</a:t>
+            </a:r>
+            <a:r>
+              <a:rPr lang="ko-KR" altLang="en-US" dirty="0"/>
+              <a:t>햄버거바</a:t>
+            </a:r>
+            <a:endParaRPr lang="en-US" altLang="ko-KR" dirty="0"/>
+          </a:p>
+          <a:p>
+            <a:pPr marL="228600" indent="-228600">
+              <a:buAutoNum type="arabicPeriod" startAt="2"/>
+            </a:pPr>
+            <a:r>
+              <a:rPr lang="ko-KR" altLang="en-US" dirty="0"/>
+              <a:t>우측 상단 아이콘 검색과 알림 </a:t>
+            </a:r>
+            <a:r>
+              <a:rPr lang="ko-KR" altLang="en-US" dirty="0" err="1"/>
+              <a:t>굳</a:t>
+            </a:r>
+            <a:endParaRPr lang="en-US" altLang="ko-KR" dirty="0"/>
+          </a:p>
+          <a:p>
+            <a:pPr marL="228600" indent="-228600">
+              <a:buAutoNum type="arabicPeriod" startAt="2"/>
+            </a:pPr>
+            <a:r>
+              <a:rPr lang="ko-KR" altLang="en-US" dirty="0"/>
+              <a:t>공지사항과 이벤트 아이콘 필요</a:t>
+            </a:r>
+            <a:r>
+              <a:rPr lang="en-US" altLang="ko-KR" dirty="0"/>
+              <a:t>? </a:t>
+            </a:r>
+            <a:r>
+              <a:rPr lang="ko-KR" altLang="en-US" dirty="0" err="1"/>
+              <a:t>알림센터에</a:t>
+            </a:r>
+            <a:r>
+              <a:rPr lang="ko-KR" altLang="en-US" dirty="0"/>
+              <a:t> 고정되어 있다면</a:t>
+            </a:r>
+            <a:r>
+              <a:rPr lang="en-US" altLang="ko-KR" dirty="0"/>
+              <a:t>?</a:t>
+            </a:r>
+            <a:r>
+              <a:rPr lang="ko-KR" altLang="en-US" dirty="0"/>
+              <a:t>만들어도 햄버거바</a:t>
+            </a:r>
+            <a:r>
+              <a:rPr lang="en-US" altLang="ko-KR" dirty="0"/>
+              <a:t>(</a:t>
+            </a:r>
+            <a:r>
+              <a:rPr lang="ko-KR" altLang="en-US" dirty="0"/>
+              <a:t>전체메뉴</a:t>
+            </a:r>
+            <a:r>
+              <a:rPr lang="en-US" altLang="ko-KR" dirty="0"/>
+              <a:t>)</a:t>
+            </a:r>
+            <a:r>
+              <a:rPr lang="ko-KR" altLang="en-US" dirty="0"/>
+              <a:t>에서 한 카테고리정도</a:t>
+            </a:r>
+            <a:endParaRPr lang="en-US" altLang="ko-KR" dirty="0"/>
+          </a:p>
+          <a:p>
+            <a:pPr marL="228600" indent="-228600">
+              <a:buAutoNum type="arabicPeriod" startAt="2"/>
+            </a:pPr>
+            <a:r>
+              <a:rPr lang="ko-KR" altLang="en-US" dirty="0"/>
+              <a:t>자주 찾는 메뉴</a:t>
+            </a:r>
+            <a:r>
+              <a:rPr lang="en-US" altLang="ko-KR" dirty="0"/>
+              <a:t>, </a:t>
+            </a:r>
+            <a:r>
+              <a:rPr lang="ko-KR" altLang="en-US" dirty="0"/>
+              <a:t>최근 주문한 메뉴</a:t>
+            </a:r>
+            <a:r>
+              <a:rPr lang="en-US" altLang="ko-KR" dirty="0"/>
+              <a:t> </a:t>
+            </a:r>
+            <a:r>
+              <a:rPr lang="ko-KR" altLang="en-US" dirty="0"/>
+              <a:t>또는 마이 레시피 </a:t>
+            </a:r>
+            <a:r>
+              <a:rPr lang="ko-KR" altLang="en-US" dirty="0" err="1"/>
+              <a:t>피드</a:t>
+            </a:r>
+            <a:r>
+              <a:rPr lang="ko-KR" altLang="en-US" dirty="0"/>
+              <a:t> 상단 표시</a:t>
+            </a:r>
+            <a:r>
+              <a:rPr lang="en-US" altLang="ko-KR" dirty="0"/>
+              <a:t>.</a:t>
+            </a:r>
+          </a:p>
+          <a:p>
+            <a:pPr marL="228600" indent="-228600">
+              <a:buAutoNum type="arabicPeriod" startAt="2"/>
+            </a:pPr>
+            <a:r>
+              <a:rPr lang="ko-KR" altLang="en-US" dirty="0"/>
+              <a:t>실물사진과의 배치</a:t>
+            </a:r>
+            <a:r>
+              <a:rPr lang="en-US" altLang="ko-KR" dirty="0"/>
+              <a:t>. </a:t>
+            </a:r>
+            <a:r>
+              <a:rPr lang="ko-KR" altLang="en-US" dirty="0"/>
+              <a:t>메뉴사진 오른쪽 하단에 </a:t>
+            </a:r>
+            <a:r>
+              <a:rPr lang="en-US" altLang="ko-KR" dirty="0"/>
+              <a:t>‘</a:t>
+            </a:r>
+            <a:r>
+              <a:rPr lang="ko-KR" altLang="en-US" dirty="0"/>
+              <a:t>스타벅스</a:t>
+            </a:r>
+            <a:r>
+              <a:rPr lang="en-US" altLang="ko-KR" dirty="0"/>
+              <a:t>’</a:t>
+            </a:r>
+            <a:r>
+              <a:rPr lang="ko-KR" altLang="en-US" dirty="0"/>
+              <a:t>와 같이 확대 버튼 추가</a:t>
+            </a:r>
+            <a:r>
+              <a:rPr lang="en-US" altLang="ko-KR" dirty="0"/>
+              <a:t>.(</a:t>
+            </a:r>
+            <a:r>
+              <a:rPr lang="ko-KR" altLang="en-US" dirty="0"/>
+              <a:t>이미지 및 해당 제품소개</a:t>
+            </a:r>
+            <a:r>
+              <a:rPr lang="en-US" altLang="ko-KR" dirty="0"/>
+              <a:t>)  </a:t>
+            </a:r>
+            <a:endParaRPr lang="ko-KR" altLang="en-US" dirty="0"/>
+          </a:p>
+        </p:txBody>
+      </p:sp>
+      <p:sp>
+        <p:nvSpPr>
+          <p:cNvPr id="4" name="슬라이드 번호 개체 틀 3"/>
+          <p:cNvSpPr>
+            <a:spLocks noGrp="1"/>
+          </p:cNvSpPr>
+          <p:nvPr>
+            <p:ph type="sldNum" sz="quarter" idx="5"/>
+          </p:nvPr>
+        </p:nvSpPr>
+        <p:spPr/>
+        <p:txBody>
+          <a:bodyPr/>
+          <a:lstStyle/>
+          <a:p>
+            <a:fld id="{67A156C7-0639-4275-896E-94D74AE62061}" type="slidenum">
+              <a:rPr lang="ko-KR" altLang="en-US" smtClean="0"/>
+              <a:t>28</a:t>
             </a:fld>
             <a:endParaRPr lang="ko-KR" altLang="en-US"/>
           </a:p>
@@ -4273,7 +4361,7 @@
           <a:p>
             <a:fld id="{5CE0D25B-CDBD-4949-AF90-4326CAB36ABE}" type="datetimeFigureOut">
               <a:rPr lang="ko-KR" altLang="en-US" smtClean="0"/>
-              <a:t>2020-10-29</a:t>
+              <a:t>2020-11-06</a:t>
             </a:fld>
             <a:endParaRPr lang="ko-KR" altLang="en-US"/>
           </a:p>
@@ -4471,7 +4559,7 @@
           <a:p>
             <a:fld id="{5CE0D25B-CDBD-4949-AF90-4326CAB36ABE}" type="datetimeFigureOut">
               <a:rPr lang="ko-KR" altLang="en-US" smtClean="0"/>
-              <a:t>2020-10-29</a:t>
+              <a:t>2020-11-06</a:t>
             </a:fld>
             <a:endParaRPr lang="ko-KR" altLang="en-US"/>
           </a:p>
@@ -4679,7 +4767,7 @@
           <a:p>
             <a:fld id="{5CE0D25B-CDBD-4949-AF90-4326CAB36ABE}" type="datetimeFigureOut">
               <a:rPr lang="ko-KR" altLang="en-US" smtClean="0"/>
-              <a:t>2020-10-29</a:t>
+              <a:t>2020-11-06</a:t>
             </a:fld>
             <a:endParaRPr lang="ko-KR" altLang="en-US"/>
           </a:p>
@@ -4877,7 +4965,7 @@
           <a:p>
             <a:fld id="{5CE0D25B-CDBD-4949-AF90-4326CAB36ABE}" type="datetimeFigureOut">
               <a:rPr lang="ko-KR" altLang="en-US" smtClean="0"/>
-              <a:t>2020-10-29</a:t>
+              <a:t>2020-11-06</a:t>
             </a:fld>
             <a:endParaRPr lang="ko-KR" altLang="en-US"/>
           </a:p>
@@ -5152,7 +5240,7 @@
           <a:p>
             <a:fld id="{5CE0D25B-CDBD-4949-AF90-4326CAB36ABE}" type="datetimeFigureOut">
               <a:rPr lang="ko-KR" altLang="en-US" smtClean="0"/>
-              <a:t>2020-10-29</a:t>
+              <a:t>2020-11-06</a:t>
             </a:fld>
             <a:endParaRPr lang="ko-KR" altLang="en-US"/>
           </a:p>
@@ -5417,7 +5505,7 @@
           <a:p>
             <a:fld id="{5CE0D25B-CDBD-4949-AF90-4326CAB36ABE}" type="datetimeFigureOut">
               <a:rPr lang="ko-KR" altLang="en-US" smtClean="0"/>
-              <a:t>2020-10-29</a:t>
+              <a:t>2020-11-06</a:t>
             </a:fld>
             <a:endParaRPr lang="ko-KR" altLang="en-US"/>
           </a:p>
@@ -5829,7 +5917,7 @@
           <a:p>
             <a:fld id="{5CE0D25B-CDBD-4949-AF90-4326CAB36ABE}" type="datetimeFigureOut">
               <a:rPr lang="ko-KR" altLang="en-US" smtClean="0"/>
-              <a:t>2020-10-29</a:t>
+              <a:t>2020-11-06</a:t>
             </a:fld>
             <a:endParaRPr lang="ko-KR" altLang="en-US"/>
           </a:p>
@@ -5970,7 +6058,7 @@
           <a:p>
             <a:fld id="{5CE0D25B-CDBD-4949-AF90-4326CAB36ABE}" type="datetimeFigureOut">
               <a:rPr lang="ko-KR" altLang="en-US" smtClean="0"/>
-              <a:t>2020-10-29</a:t>
+              <a:t>2020-11-06</a:t>
             </a:fld>
             <a:endParaRPr lang="ko-KR" altLang="en-US"/>
           </a:p>
@@ -6083,7 +6171,7 @@
           <a:p>
             <a:fld id="{5CE0D25B-CDBD-4949-AF90-4326CAB36ABE}" type="datetimeFigureOut">
               <a:rPr lang="ko-KR" altLang="en-US" smtClean="0"/>
-              <a:t>2020-10-29</a:t>
+              <a:t>2020-11-06</a:t>
             </a:fld>
             <a:endParaRPr lang="ko-KR" altLang="en-US"/>
           </a:p>
@@ -6394,7 +6482,7 @@
           <a:p>
             <a:fld id="{5CE0D25B-CDBD-4949-AF90-4326CAB36ABE}" type="datetimeFigureOut">
               <a:rPr lang="ko-KR" altLang="en-US" smtClean="0"/>
-              <a:t>2020-10-29</a:t>
+              <a:t>2020-11-06</a:t>
             </a:fld>
             <a:endParaRPr lang="ko-KR" altLang="en-US"/>
           </a:p>
@@ -6682,7 +6770,7 @@
           <a:p>
             <a:fld id="{5CE0D25B-CDBD-4949-AF90-4326CAB36ABE}" type="datetimeFigureOut">
               <a:rPr lang="ko-KR" altLang="en-US" smtClean="0"/>
-              <a:t>2020-10-29</a:t>
+              <a:t>2020-11-06</a:t>
             </a:fld>
             <a:endParaRPr lang="ko-KR" altLang="en-US"/>
           </a:p>
@@ -6923,7 +7011,7 @@
           <a:p>
             <a:fld id="{5CE0D25B-CDBD-4949-AF90-4326CAB36ABE}" type="datetimeFigureOut">
               <a:rPr lang="ko-KR" altLang="en-US" smtClean="0"/>
-              <a:t>2020-10-29</a:t>
+              <a:t>2020-11-06</a:t>
             </a:fld>
             <a:endParaRPr lang="ko-KR" altLang="en-US"/>
           </a:p>
@@ -9218,84 +9306,6 @@
           <a:chExt cx="0" cy="0"/>
         </a:xfrm>
       </p:grpSpPr>
-      <p:pic>
-        <p:nvPicPr>
-          <p:cNvPr id="49" name="그래픽 48">
-            <a:extLst>
-              <a:ext uri="{FF2B5EF4-FFF2-40B4-BE49-F238E27FC236}">
-                <a16:creationId xmlns:a16="http://schemas.microsoft.com/office/drawing/2014/main" id="{553486C7-597C-4FBC-BB06-DD485398C739}"/>
-              </a:ext>
-            </a:extLst>
-          </p:cNvPr>
-          <p:cNvPicPr>
-            <a:picLocks noChangeAspect="1"/>
-          </p:cNvPicPr>
-          <p:nvPr/>
-        </p:nvPicPr>
-        <p:blipFill>
-          <a:blip r:embed="rId3">
-            <a:extLst>
-              <a:ext uri="{96DAC541-7B7A-43D3-8B79-37D633B846F1}">
-                <asvg:svgBlip xmlns:asvg="http://schemas.microsoft.com/office/drawing/2016/SVG/main" r:embed="rId4"/>
-              </a:ext>
-            </a:extLst>
-          </a:blip>
-          <a:stretch>
-            <a:fillRect/>
-          </a:stretch>
-        </p:blipFill>
-        <p:spPr>
-          <a:xfrm>
-            <a:off x="4801978" y="1117347"/>
-            <a:ext cx="2418111" cy="5236016"/>
-          </a:xfrm>
-          <a:prstGeom prst="rect">
-            <a:avLst/>
-          </a:prstGeom>
-          <a:effectLst>
-            <a:softEdge rad="12700"/>
-          </a:effectLst>
-        </p:spPr>
-      </p:pic>
-      <p:pic>
-        <p:nvPicPr>
-          <p:cNvPr id="47" name="그래픽 46">
-            <a:extLst>
-              <a:ext uri="{FF2B5EF4-FFF2-40B4-BE49-F238E27FC236}">
-                <a16:creationId xmlns:a16="http://schemas.microsoft.com/office/drawing/2014/main" id="{08674CAC-8307-458B-9291-D27C8A73B37F}"/>
-              </a:ext>
-            </a:extLst>
-          </p:cNvPr>
-          <p:cNvPicPr>
-            <a:picLocks noChangeAspect="1"/>
-          </p:cNvPicPr>
-          <p:nvPr/>
-        </p:nvPicPr>
-        <p:blipFill>
-          <a:blip r:embed="rId3">
-            <a:extLst>
-              <a:ext uri="{96DAC541-7B7A-43D3-8B79-37D633B846F1}">
-                <asvg:svgBlip xmlns:asvg="http://schemas.microsoft.com/office/drawing/2016/SVG/main" r:embed="rId4"/>
-              </a:ext>
-            </a:extLst>
-          </a:blip>
-          <a:stretch>
-            <a:fillRect/>
-          </a:stretch>
-        </p:blipFill>
-        <p:spPr>
-          <a:xfrm>
-            <a:off x="8911438" y="1127394"/>
-            <a:ext cx="2418111" cy="5236016"/>
-          </a:xfrm>
-          <a:prstGeom prst="rect">
-            <a:avLst/>
-          </a:prstGeom>
-          <a:effectLst>
-            <a:softEdge rad="12700"/>
-          </a:effectLst>
-        </p:spPr>
-      </p:pic>
       <p:cxnSp>
         <p:nvCxnSpPr>
           <p:cNvPr id="19" name="직선 연결선 18">
@@ -9407,223 +9417,1003 @@
           <a:lstStyle/>
           <a:p>
             <a:r>
-              <a:rPr lang="ko-KR" altLang="en-US" dirty="0" err="1"/>
-              <a:t>스플래쉬</a:t>
-            </a:r>
-            <a:r>
-              <a:rPr lang="ko-KR" altLang="en-US" dirty="0"/>
-              <a:t> 화면</a:t>
+              <a:rPr lang="ko-KR" altLang="en-US" dirty="0"/>
+              <a:t>도메인 </a:t>
+            </a:r>
+            <a:r>
+              <a:rPr lang="en-US" altLang="ko-KR" dirty="0"/>
+              <a:t>name </a:t>
+            </a:r>
+            <a:r>
+              <a:rPr lang="ko-KR" altLang="en-US" dirty="0"/>
+              <a:t>정리</a:t>
             </a:r>
           </a:p>
         </p:txBody>
       </p:sp>
-      <p:pic>
-        <p:nvPicPr>
-          <p:cNvPr id="3" name="그래픽 2">
-            <a:extLst>
-              <a:ext uri="{FF2B5EF4-FFF2-40B4-BE49-F238E27FC236}">
-                <a16:creationId xmlns:a16="http://schemas.microsoft.com/office/drawing/2014/main" id="{26BD723E-29D9-4ACA-BBC7-D4C1CA280AE0}"/>
-              </a:ext>
-            </a:extLst>
-          </p:cNvPr>
-          <p:cNvPicPr>
-            <a:picLocks noChangeAspect="1"/>
-          </p:cNvPicPr>
-          <p:nvPr/>
-        </p:nvPicPr>
-        <p:blipFill>
-          <a:blip r:embed="rId5">
-            <a:extLst>
-              <a:ext uri="{96DAC541-7B7A-43D3-8B79-37D633B846F1}">
-                <asvg:svgBlip xmlns:asvg="http://schemas.microsoft.com/office/drawing/2016/SVG/main" r:embed="rId6"/>
-              </a:ext>
-            </a:extLst>
-          </a:blip>
-          <a:stretch>
-            <a:fillRect/>
-          </a:stretch>
-        </p:blipFill>
-        <p:spPr>
-          <a:xfrm>
-            <a:off x="712602" y="1147482"/>
-            <a:ext cx="2418115" cy="5236025"/>
-          </a:xfrm>
-          <a:prstGeom prst="rect">
-            <a:avLst/>
-          </a:prstGeom>
-          <a:effectLst>
-            <a:outerShdw blurRad="50800" dist="38100" dir="2700000" algn="tl" rotWithShape="0">
-              <a:schemeClr val="tx1">
-                <a:alpha val="40000"/>
-              </a:schemeClr>
-            </a:outerShdw>
-            <a:softEdge rad="0"/>
-          </a:effectLst>
-        </p:spPr>
-      </p:pic>
-      <p:pic>
-        <p:nvPicPr>
-          <p:cNvPr id="7" name="그래픽 6">
-            <a:extLst>
-              <a:ext uri="{FF2B5EF4-FFF2-40B4-BE49-F238E27FC236}">
-                <a16:creationId xmlns:a16="http://schemas.microsoft.com/office/drawing/2014/main" id="{D8747E2A-9D22-4C6C-A6E9-E52532DC7F86}"/>
-              </a:ext>
-            </a:extLst>
-          </p:cNvPr>
-          <p:cNvPicPr>
-            <a:picLocks noChangeAspect="1"/>
-          </p:cNvPicPr>
-          <p:nvPr/>
-        </p:nvPicPr>
-        <p:blipFill>
-          <a:blip r:embed="rId7">
-            <a:extLst>
-              <a:ext uri="{96DAC541-7B7A-43D3-8B79-37D633B846F1}">
-                <asvg:svgBlip xmlns:asvg="http://schemas.microsoft.com/office/drawing/2016/SVG/main" r:embed="rId8"/>
-              </a:ext>
-            </a:extLst>
-          </a:blip>
-          <a:stretch>
-            <a:fillRect/>
-          </a:stretch>
-        </p:blipFill>
-        <p:spPr>
-          <a:xfrm>
-            <a:off x="4822068" y="1147482"/>
-            <a:ext cx="2418115" cy="5236025"/>
-          </a:xfrm>
-          <a:prstGeom prst="rect">
-            <a:avLst/>
-          </a:prstGeom>
-          <a:effectLst>
-            <a:outerShdw blurRad="50800" dist="38100" dir="2700000" algn="tl" rotWithShape="0">
-              <a:schemeClr val="tx1">
-                <a:alpha val="40000"/>
-              </a:schemeClr>
-            </a:outerShdw>
-          </a:effectLst>
-        </p:spPr>
-      </p:pic>
-      <p:pic>
-        <p:nvPicPr>
-          <p:cNvPr id="8" name="그래픽 7">
-            <a:extLst>
-              <a:ext uri="{FF2B5EF4-FFF2-40B4-BE49-F238E27FC236}">
-                <a16:creationId xmlns:a16="http://schemas.microsoft.com/office/drawing/2014/main" id="{95792445-2CD2-4822-8300-49ADE08D352B}"/>
-              </a:ext>
-            </a:extLst>
-          </p:cNvPr>
-          <p:cNvPicPr>
-            <a:picLocks noChangeAspect="1"/>
-          </p:cNvPicPr>
-          <p:nvPr/>
-        </p:nvPicPr>
-        <p:blipFill>
-          <a:blip r:embed="rId9">
-            <a:extLst>
-              <a:ext uri="{96DAC541-7B7A-43D3-8B79-37D633B846F1}">
-                <asvg:svgBlip xmlns:asvg="http://schemas.microsoft.com/office/drawing/2016/SVG/main" r:embed="rId10"/>
-              </a:ext>
-            </a:extLst>
-          </a:blip>
-          <a:stretch>
-            <a:fillRect/>
-          </a:stretch>
-        </p:blipFill>
-        <p:spPr>
-          <a:xfrm>
-            <a:off x="8931534" y="1147482"/>
-            <a:ext cx="2418115" cy="5236025"/>
-          </a:xfrm>
-          <a:prstGeom prst="rect">
-            <a:avLst/>
-          </a:prstGeom>
-          <a:effectLst>
-            <a:outerShdw blurRad="50800" dist="38100" dir="2700000" algn="tl" rotWithShape="0">
-              <a:schemeClr val="tx1">
-                <a:alpha val="40000"/>
-              </a:schemeClr>
-            </a:outerShdw>
-            <a:softEdge rad="12700"/>
-          </a:effectLst>
-        </p:spPr>
-      </p:pic>
-      <p:pic>
-        <p:nvPicPr>
-          <p:cNvPr id="51" name="그림 50">
-            <a:extLst>
-              <a:ext uri="{FF2B5EF4-FFF2-40B4-BE49-F238E27FC236}">
-                <a16:creationId xmlns:a16="http://schemas.microsoft.com/office/drawing/2014/main" id="{07197D7B-F676-4656-AB26-A8DD19E0E916}"/>
-              </a:ext>
-            </a:extLst>
-          </p:cNvPr>
-          <p:cNvPicPr>
-            <a:picLocks noChangeAspect="1"/>
-          </p:cNvPicPr>
-          <p:nvPr/>
-        </p:nvPicPr>
-        <p:blipFill>
-          <a:blip r:embed="rId11">
-            <a:extLst>
-              <a:ext uri="{28A0092B-C50C-407E-A947-70E740481C1C}">
-                <a14:useLocalDpi xmlns:a14="http://schemas.microsoft.com/office/drawing/2010/main" val="0"/>
-              </a:ext>
-            </a:extLst>
-          </a:blip>
-          <a:stretch>
-            <a:fillRect/>
-          </a:stretch>
-        </p:blipFill>
-        <p:spPr>
-          <a:xfrm>
-            <a:off x="3660020" y="3152845"/>
-            <a:ext cx="612649" cy="612649"/>
-          </a:xfrm>
-          <a:prstGeom prst="rect">
-            <a:avLst/>
-          </a:prstGeom>
-        </p:spPr>
-      </p:pic>
-      <p:pic>
-        <p:nvPicPr>
-          <p:cNvPr id="53" name="그림 52">
-            <a:extLst>
-              <a:ext uri="{FF2B5EF4-FFF2-40B4-BE49-F238E27FC236}">
-                <a16:creationId xmlns:a16="http://schemas.microsoft.com/office/drawing/2014/main" id="{3CF0D695-2B62-4E4A-88C4-8820DB082A1E}"/>
-              </a:ext>
-            </a:extLst>
-          </p:cNvPr>
-          <p:cNvPicPr>
-            <a:picLocks noChangeAspect="1"/>
-          </p:cNvPicPr>
-          <p:nvPr/>
-        </p:nvPicPr>
-        <p:blipFill>
-          <a:blip r:embed="rId11">
-            <a:extLst>
-              <a:ext uri="{28A0092B-C50C-407E-A947-70E740481C1C}">
-                <a14:useLocalDpi xmlns:a14="http://schemas.microsoft.com/office/drawing/2010/main" val="0"/>
-              </a:ext>
-            </a:extLst>
-          </a:blip>
-          <a:stretch>
-            <a:fillRect/>
-          </a:stretch>
-        </p:blipFill>
-        <p:spPr>
-          <a:xfrm>
-            <a:off x="7759438" y="3152845"/>
-            <a:ext cx="612649" cy="612649"/>
-          </a:xfrm>
-          <a:prstGeom prst="rect">
-            <a:avLst/>
-          </a:prstGeom>
-        </p:spPr>
-      </p:pic>
+      <p:graphicFrame>
+        <p:nvGraphicFramePr>
+          <p:cNvPr id="5" name="표 4">
+            <a:extLst>
+              <a:ext uri="{FF2B5EF4-FFF2-40B4-BE49-F238E27FC236}">
+                <a16:creationId xmlns:a16="http://schemas.microsoft.com/office/drawing/2014/main" id="{D693CD24-538F-4413-BE7B-F92C2FA66A54}"/>
+              </a:ext>
+            </a:extLst>
+          </p:cNvPr>
+          <p:cNvGraphicFramePr>
+            <a:graphicFrameLocks noGrp="1"/>
+          </p:cNvGraphicFramePr>
+          <p:nvPr>
+            <p:extLst>
+              <p:ext uri="{D42A27DB-BD31-4B8C-83A1-F6EECF244321}">
+                <p14:modId xmlns:p14="http://schemas.microsoft.com/office/powerpoint/2010/main" val="528344770"/>
+              </p:ext>
+            </p:extLst>
+          </p:nvPr>
+        </p:nvGraphicFramePr>
+        <p:xfrm>
+          <a:off x="631116" y="1273878"/>
+          <a:ext cx="10929768" cy="4753599"/>
+        </p:xfrm>
+        <a:graphic>
+          <a:graphicData uri="http://schemas.openxmlformats.org/drawingml/2006/table">
+            <a:tbl>
+              <a:tblPr firstRow="1" bandRow="1">
+                <a:tableStyleId>{5C22544A-7EE6-4342-B048-85BDC9FD1C3A}</a:tableStyleId>
+              </a:tblPr>
+              <a:tblGrid>
+                <a:gridCol w="1486391">
+                  <a:extLst>
+                    <a:ext uri="{9D8B030D-6E8A-4147-A177-3AD203B41FA5}">
+                      <a16:colId xmlns:a16="http://schemas.microsoft.com/office/drawing/2014/main" val="1556919891"/>
+                    </a:ext>
+                  </a:extLst>
+                </a:gridCol>
+                <a:gridCol w="4008973">
+                  <a:extLst>
+                    <a:ext uri="{9D8B030D-6E8A-4147-A177-3AD203B41FA5}">
+                      <a16:colId xmlns:a16="http://schemas.microsoft.com/office/drawing/2014/main" val="3135800119"/>
+                    </a:ext>
+                  </a:extLst>
+                </a:gridCol>
+                <a:gridCol w="1715846">
+                  <a:extLst>
+                    <a:ext uri="{9D8B030D-6E8A-4147-A177-3AD203B41FA5}">
+                      <a16:colId xmlns:a16="http://schemas.microsoft.com/office/drawing/2014/main" val="3160746464"/>
+                    </a:ext>
+                  </a:extLst>
+                </a:gridCol>
+                <a:gridCol w="3718558">
+                  <a:extLst>
+                    <a:ext uri="{9D8B030D-6E8A-4147-A177-3AD203B41FA5}">
+                      <a16:colId xmlns:a16="http://schemas.microsoft.com/office/drawing/2014/main" val="2887258922"/>
+                    </a:ext>
+                  </a:extLst>
+                </a:gridCol>
+              </a:tblGrid>
+              <a:tr h="379217">
+                <a:tc>
+                  <a:txBody>
+                    <a:bodyPr/>
+                    <a:lstStyle/>
+                    <a:p>
+                      <a:pPr algn="ctr" latinLnBrk="1"/>
+                      <a:r>
+                        <a:rPr lang="en-US" altLang="ko-KR" dirty="0"/>
+                        <a:t>Name</a:t>
+                      </a:r>
+                      <a:endParaRPr lang="ko-KR" altLang="en-US" dirty="0"/>
+                    </a:p>
+                  </a:txBody>
+                  <a:tcPr>
+                    <a:solidFill>
+                      <a:srgbClr val="0047BB"/>
+                    </a:solidFill>
+                  </a:tcPr>
+                </a:tc>
+                <a:tc>
+                  <a:txBody>
+                    <a:bodyPr/>
+                    <a:lstStyle/>
+                    <a:p>
+                      <a:pPr algn="ctr" latinLnBrk="1"/>
+                      <a:r>
+                        <a:rPr lang="en-US" altLang="ko-KR" dirty="0"/>
+                        <a:t>Contents</a:t>
+                      </a:r>
+                      <a:endParaRPr lang="ko-KR" altLang="en-US" dirty="0"/>
+                    </a:p>
+                  </a:txBody>
+                  <a:tcPr>
+                    <a:solidFill>
+                      <a:srgbClr val="0047BB"/>
+                    </a:solidFill>
+                  </a:tcPr>
+                </a:tc>
+                <a:tc>
+                  <a:txBody>
+                    <a:bodyPr/>
+                    <a:lstStyle/>
+                    <a:p>
+                      <a:pPr algn="ctr" latinLnBrk="1"/>
+                      <a:r>
+                        <a:rPr lang="en-US" altLang="ko-KR" dirty="0"/>
+                        <a:t>Name</a:t>
+                      </a:r>
+                      <a:endParaRPr lang="ko-KR" altLang="en-US" dirty="0"/>
+                    </a:p>
+                  </a:txBody>
+                  <a:tcPr>
+                    <a:solidFill>
+                      <a:srgbClr val="0047BB"/>
+                    </a:solidFill>
+                  </a:tcPr>
+                </a:tc>
+                <a:tc>
+                  <a:txBody>
+                    <a:bodyPr/>
+                    <a:lstStyle/>
+                    <a:p>
+                      <a:pPr algn="ctr" latinLnBrk="1"/>
+                      <a:r>
+                        <a:rPr lang="en-US" altLang="ko-KR" dirty="0"/>
+                        <a:t>Contents</a:t>
+                      </a:r>
+                      <a:endParaRPr lang="ko-KR" altLang="en-US" dirty="0"/>
+                    </a:p>
+                  </a:txBody>
+                  <a:tcPr>
+                    <a:solidFill>
+                      <a:srgbClr val="0047BB"/>
+                    </a:solidFill>
+                  </a:tcPr>
+                </a:tc>
+                <a:extLst>
+                  <a:ext uri="{0D108BD9-81ED-4DB2-BD59-A6C34878D82A}">
+                    <a16:rowId xmlns:a16="http://schemas.microsoft.com/office/drawing/2014/main" val="3083048193"/>
+                  </a:ext>
+                </a:extLst>
+              </a:tr>
+              <a:tr h="411982">
+                <a:tc>
+                  <a:txBody>
+                    <a:bodyPr/>
+                    <a:lstStyle/>
+                    <a:p>
+                      <a:pPr algn="ctr" latinLnBrk="1"/>
+                      <a:r>
+                        <a:rPr lang="en-US" altLang="ko-KR" sz="1400" dirty="0" err="1"/>
+                        <a:t>user_id</a:t>
+                      </a:r>
+                      <a:endParaRPr lang="ko-KR" altLang="en-US" sz="1400" dirty="0"/>
+                    </a:p>
+                  </a:txBody>
+                  <a:tcPr marT="46800" anchor="ctr">
+                    <a:solidFill>
+                      <a:srgbClr val="CFCFCF"/>
+                    </a:solidFill>
+                  </a:tcPr>
+                </a:tc>
+                <a:tc>
+                  <a:txBody>
+                    <a:bodyPr/>
+                    <a:lstStyle/>
+                    <a:p>
+                      <a:pPr algn="ctr" latinLnBrk="1"/>
+                      <a:r>
+                        <a:rPr lang="ko-KR" altLang="en-US" sz="1400" dirty="0"/>
+                        <a:t>개인 전화번호</a:t>
+                      </a:r>
+                      <a:endParaRPr lang="en-US" altLang="ko-KR" sz="1400" dirty="0"/>
+                    </a:p>
+                  </a:txBody>
+                  <a:tcPr anchor="ctr">
+                    <a:solidFill>
+                      <a:srgbClr val="EEEEEE"/>
+                    </a:solidFill>
+                  </a:tcPr>
+                </a:tc>
+                <a:tc>
+                  <a:txBody>
+                    <a:bodyPr/>
+                    <a:lstStyle/>
+                    <a:p>
+                      <a:pPr algn="l" latinLnBrk="1"/>
+                      <a:endParaRPr lang="en-US" altLang="ko-KR" sz="1400" dirty="0"/>
+                    </a:p>
+                  </a:txBody>
+                  <a:tcPr anchor="ctr">
+                    <a:solidFill>
+                      <a:srgbClr val="CFCFCF"/>
+                    </a:solidFill>
+                  </a:tcPr>
+                </a:tc>
+                <a:tc>
+                  <a:txBody>
+                    <a:bodyPr/>
+                    <a:lstStyle/>
+                    <a:p>
+                      <a:pPr algn="l" latinLnBrk="1"/>
+                      <a:endParaRPr lang="en-US" altLang="ko-KR" sz="1400" dirty="0"/>
+                    </a:p>
+                  </a:txBody>
+                  <a:tcPr anchor="ctr">
+                    <a:solidFill>
+                      <a:srgbClr val="EEEEEE"/>
+                    </a:solidFill>
+                  </a:tcPr>
+                </a:tc>
+                <a:extLst>
+                  <a:ext uri="{0D108BD9-81ED-4DB2-BD59-A6C34878D82A}">
+                    <a16:rowId xmlns:a16="http://schemas.microsoft.com/office/drawing/2014/main" val="3124064899"/>
+                  </a:ext>
+                </a:extLst>
+              </a:tr>
+              <a:tr h="396240">
+                <a:tc>
+                  <a:txBody>
+                    <a:bodyPr/>
+                    <a:lstStyle/>
+                    <a:p>
+                      <a:pPr algn="ctr" latinLnBrk="1"/>
+                      <a:r>
+                        <a:rPr lang="en-US" altLang="ko-KR" sz="1400" dirty="0" err="1"/>
+                        <a:t>voc</a:t>
+                      </a:r>
+                      <a:endParaRPr lang="ko-KR" altLang="en-US" sz="1400" dirty="0"/>
+                    </a:p>
+                  </a:txBody>
+                  <a:tcPr anchor="ctr">
+                    <a:solidFill>
+                      <a:srgbClr val="CFCFCF"/>
+                    </a:solidFill>
+                  </a:tcPr>
+                </a:tc>
+                <a:tc>
+                  <a:txBody>
+                    <a:bodyPr/>
+                    <a:lstStyle/>
+                    <a:p>
+                      <a:pPr algn="ctr" latinLnBrk="1"/>
+                      <a:r>
+                        <a:rPr lang="ko-KR" altLang="en-US" sz="1400" dirty="0"/>
+                        <a:t>고객의 소리</a:t>
+                      </a:r>
+                      <a:endParaRPr lang="en-US" altLang="ko-KR" sz="1400" dirty="0"/>
+                    </a:p>
+                  </a:txBody>
+                  <a:tcPr anchor="ctr">
+                    <a:solidFill>
+                      <a:srgbClr val="EEEEEE"/>
+                    </a:solidFill>
+                  </a:tcPr>
+                </a:tc>
+                <a:tc>
+                  <a:txBody>
+                    <a:bodyPr/>
+                    <a:lstStyle/>
+                    <a:p>
+                      <a:pPr algn="l" latinLnBrk="1"/>
+                      <a:endParaRPr lang="en-US" altLang="ko-KR" sz="1400" dirty="0"/>
+                    </a:p>
+                  </a:txBody>
+                  <a:tcPr anchor="ctr">
+                    <a:solidFill>
+                      <a:srgbClr val="CFCFCF"/>
+                    </a:solidFill>
+                  </a:tcPr>
+                </a:tc>
+                <a:tc>
+                  <a:txBody>
+                    <a:bodyPr/>
+                    <a:lstStyle/>
+                    <a:p>
+                      <a:pPr algn="l" latinLnBrk="1"/>
+                      <a:endParaRPr lang="en-US" altLang="ko-KR" sz="1400" dirty="0"/>
+                    </a:p>
+                  </a:txBody>
+                  <a:tcPr anchor="ctr">
+                    <a:solidFill>
+                      <a:srgbClr val="EEEEEE"/>
+                    </a:solidFill>
+                  </a:tcPr>
+                </a:tc>
+                <a:extLst>
+                  <a:ext uri="{0D108BD9-81ED-4DB2-BD59-A6C34878D82A}">
+                    <a16:rowId xmlns:a16="http://schemas.microsoft.com/office/drawing/2014/main" val="2904857723"/>
+                  </a:ext>
+                </a:extLst>
+              </a:tr>
+              <a:tr h="396240">
+                <a:tc>
+                  <a:txBody>
+                    <a:bodyPr/>
+                    <a:lstStyle/>
+                    <a:p>
+                      <a:pPr algn="ctr" latinLnBrk="1"/>
+                      <a:r>
+                        <a:rPr lang="en-US" altLang="ko-KR" sz="1400" dirty="0" err="1"/>
+                        <a:t>norification</a:t>
+                      </a:r>
+                      <a:endParaRPr lang="ko-KR" altLang="en-US" sz="1400" dirty="0"/>
+                    </a:p>
+                  </a:txBody>
+                  <a:tcPr anchor="ctr">
+                    <a:solidFill>
+                      <a:srgbClr val="CFCFCF"/>
+                    </a:solidFill>
+                  </a:tcPr>
+                </a:tc>
+                <a:tc>
+                  <a:txBody>
+                    <a:bodyPr/>
+                    <a:lstStyle/>
+                    <a:p>
+                      <a:pPr algn="ctr" latinLnBrk="1"/>
+                      <a:r>
+                        <a:rPr lang="ko-KR" altLang="en-US" sz="1400" dirty="0"/>
+                        <a:t>알림 센터</a:t>
+                      </a:r>
+                      <a:endParaRPr lang="en-US" altLang="ko-KR" sz="1400" dirty="0"/>
+                    </a:p>
+                  </a:txBody>
+                  <a:tcPr anchor="ctr">
+                    <a:solidFill>
+                      <a:srgbClr val="EEEEEE"/>
+                    </a:solidFill>
+                  </a:tcPr>
+                </a:tc>
+                <a:tc>
+                  <a:txBody>
+                    <a:bodyPr/>
+                    <a:lstStyle/>
+                    <a:p>
+                      <a:pPr algn="l" latinLnBrk="1"/>
+                      <a:endParaRPr lang="en-US" altLang="ko-KR" sz="1400" dirty="0"/>
+                    </a:p>
+                  </a:txBody>
+                  <a:tcPr anchor="ctr">
+                    <a:solidFill>
+                      <a:srgbClr val="CFCFCF"/>
+                    </a:solidFill>
+                  </a:tcPr>
+                </a:tc>
+                <a:tc>
+                  <a:txBody>
+                    <a:bodyPr/>
+                    <a:lstStyle/>
+                    <a:p>
+                      <a:pPr algn="l" latinLnBrk="1"/>
+                      <a:endParaRPr lang="en-US" altLang="ko-KR" sz="1400" dirty="0"/>
+                    </a:p>
+                  </a:txBody>
+                  <a:tcPr anchor="ctr">
+                    <a:solidFill>
+                      <a:srgbClr val="EEEEEE"/>
+                    </a:solidFill>
+                  </a:tcPr>
+                </a:tc>
+                <a:extLst>
+                  <a:ext uri="{0D108BD9-81ED-4DB2-BD59-A6C34878D82A}">
+                    <a16:rowId xmlns:a16="http://schemas.microsoft.com/office/drawing/2014/main" val="4051483873"/>
+                  </a:ext>
+                </a:extLst>
+              </a:tr>
+              <a:tr h="396240">
+                <a:tc>
+                  <a:txBody>
+                    <a:bodyPr/>
+                    <a:lstStyle/>
+                    <a:p>
+                      <a:pPr algn="ctr" latinLnBrk="1"/>
+                      <a:r>
+                        <a:rPr lang="en-US" altLang="ko-KR" sz="1400" dirty="0"/>
+                        <a:t>notice</a:t>
+                      </a:r>
+                      <a:endParaRPr lang="ko-KR" altLang="en-US" sz="1400" dirty="0"/>
+                    </a:p>
+                  </a:txBody>
+                  <a:tcPr anchor="ctr">
+                    <a:solidFill>
+                      <a:srgbClr val="CFCFCF"/>
+                    </a:solidFill>
+                  </a:tcPr>
+                </a:tc>
+                <a:tc>
+                  <a:txBody>
+                    <a:bodyPr/>
+                    <a:lstStyle/>
+                    <a:p>
+                      <a:pPr algn="ctr" latinLnBrk="1"/>
+                      <a:r>
+                        <a:rPr lang="ko-KR" altLang="en-US" sz="1400" dirty="0"/>
+                        <a:t>알림</a:t>
+                      </a:r>
+                      <a:endParaRPr lang="en-US" altLang="ko-KR" sz="1400" dirty="0"/>
+                    </a:p>
+                  </a:txBody>
+                  <a:tcPr anchor="ctr">
+                    <a:solidFill>
+                      <a:srgbClr val="EEEEEE"/>
+                    </a:solidFill>
+                  </a:tcPr>
+                </a:tc>
+                <a:tc>
+                  <a:txBody>
+                    <a:bodyPr/>
+                    <a:lstStyle/>
+                    <a:p>
+                      <a:pPr algn="l" latinLnBrk="1"/>
+                      <a:endParaRPr lang="en-US" altLang="ko-KR" sz="1400" dirty="0"/>
+                    </a:p>
+                  </a:txBody>
+                  <a:tcPr anchor="ctr">
+                    <a:solidFill>
+                      <a:srgbClr val="CFCFCF"/>
+                    </a:solidFill>
+                  </a:tcPr>
+                </a:tc>
+                <a:tc>
+                  <a:txBody>
+                    <a:bodyPr/>
+                    <a:lstStyle/>
+                    <a:p>
+                      <a:pPr algn="l" latinLnBrk="1"/>
+                      <a:endParaRPr lang="en-US" altLang="ko-KR" sz="1400" dirty="0"/>
+                    </a:p>
+                  </a:txBody>
+                  <a:tcPr anchor="ctr">
+                    <a:solidFill>
+                      <a:srgbClr val="EEEEEE"/>
+                    </a:solidFill>
+                  </a:tcPr>
+                </a:tc>
+                <a:extLst>
+                  <a:ext uri="{0D108BD9-81ED-4DB2-BD59-A6C34878D82A}">
+                    <a16:rowId xmlns:a16="http://schemas.microsoft.com/office/drawing/2014/main" val="1814038123"/>
+                  </a:ext>
+                </a:extLst>
+              </a:tr>
+              <a:tr h="396240">
+                <a:tc>
+                  <a:txBody>
+                    <a:bodyPr/>
+                    <a:lstStyle/>
+                    <a:p>
+                      <a:pPr algn="ctr" latinLnBrk="1"/>
+                      <a:r>
+                        <a:rPr lang="en-US" altLang="ko-KR" sz="1400" dirty="0"/>
+                        <a:t>point</a:t>
+                      </a:r>
+                      <a:endParaRPr lang="ko-KR" altLang="en-US" sz="1400" dirty="0"/>
+                    </a:p>
+                  </a:txBody>
+                  <a:tcPr anchor="ctr">
+                    <a:solidFill>
+                      <a:srgbClr val="CFCFCF"/>
+                    </a:solidFill>
+                  </a:tcPr>
+                </a:tc>
+                <a:tc>
+                  <a:txBody>
+                    <a:bodyPr/>
+                    <a:lstStyle/>
+                    <a:p>
+                      <a:pPr algn="ctr" latinLnBrk="1"/>
+                      <a:r>
+                        <a:rPr lang="ko-KR" altLang="en-US" sz="1400" dirty="0"/>
+                        <a:t>개인 보유 포인트</a:t>
+                      </a:r>
+                      <a:endParaRPr lang="en-US" altLang="ko-KR" sz="1400" dirty="0"/>
+                    </a:p>
+                  </a:txBody>
+                  <a:tcPr anchor="ctr">
+                    <a:solidFill>
+                      <a:srgbClr val="EEEEEE"/>
+                    </a:solidFill>
+                  </a:tcPr>
+                </a:tc>
+                <a:tc>
+                  <a:txBody>
+                    <a:bodyPr/>
+                    <a:lstStyle/>
+                    <a:p>
+                      <a:pPr algn="l" latinLnBrk="1"/>
+                      <a:endParaRPr lang="en-US" altLang="ko-KR" sz="1400" dirty="0"/>
+                    </a:p>
+                  </a:txBody>
+                  <a:tcPr anchor="ctr">
+                    <a:solidFill>
+                      <a:srgbClr val="CFCFCF"/>
+                    </a:solidFill>
+                  </a:tcPr>
+                </a:tc>
+                <a:tc>
+                  <a:txBody>
+                    <a:bodyPr/>
+                    <a:lstStyle/>
+                    <a:p>
+                      <a:pPr algn="l" latinLnBrk="1"/>
+                      <a:endParaRPr lang="en-US" altLang="ko-KR" sz="1400" dirty="0"/>
+                    </a:p>
+                  </a:txBody>
+                  <a:tcPr anchor="ctr">
+                    <a:solidFill>
+                      <a:srgbClr val="EEEEEE"/>
+                    </a:solidFill>
+                  </a:tcPr>
+                </a:tc>
+                <a:extLst>
+                  <a:ext uri="{0D108BD9-81ED-4DB2-BD59-A6C34878D82A}">
+                    <a16:rowId xmlns:a16="http://schemas.microsoft.com/office/drawing/2014/main" val="3602666601"/>
+                  </a:ext>
+                </a:extLst>
+              </a:tr>
+              <a:tr h="396240">
+                <a:tc>
+                  <a:txBody>
+                    <a:bodyPr/>
+                    <a:lstStyle/>
+                    <a:p>
+                      <a:pPr algn="ctr" latinLnBrk="1"/>
+                      <a:r>
+                        <a:rPr lang="en-US" altLang="ko-KR" sz="1400" dirty="0"/>
+                        <a:t>banner</a:t>
+                      </a:r>
+                      <a:endParaRPr lang="ko-KR" altLang="en-US" sz="1400" dirty="0"/>
+                    </a:p>
+                  </a:txBody>
+                  <a:tcPr anchor="ctr">
+                    <a:solidFill>
+                      <a:srgbClr val="CFCFCF"/>
+                    </a:solidFill>
+                  </a:tcPr>
+                </a:tc>
+                <a:tc>
+                  <a:txBody>
+                    <a:bodyPr/>
+                    <a:lstStyle/>
+                    <a:p>
+                      <a:pPr algn="ctr" latinLnBrk="1"/>
+                      <a:r>
+                        <a:rPr lang="ko-KR" altLang="en-US" sz="1400" dirty="0"/>
+                        <a:t>배너</a:t>
+                      </a:r>
+                      <a:endParaRPr lang="en-US" altLang="ko-KR" sz="1400" dirty="0"/>
+                    </a:p>
+                  </a:txBody>
+                  <a:tcPr anchor="ctr">
+                    <a:solidFill>
+                      <a:srgbClr val="EEEEEE"/>
+                    </a:solidFill>
+                  </a:tcPr>
+                </a:tc>
+                <a:tc>
+                  <a:txBody>
+                    <a:bodyPr/>
+                    <a:lstStyle/>
+                    <a:p>
+                      <a:pPr algn="l" latinLnBrk="1"/>
+                      <a:endParaRPr lang="en-US" altLang="ko-KR" sz="1400" dirty="0"/>
+                    </a:p>
+                  </a:txBody>
+                  <a:tcPr anchor="ctr">
+                    <a:solidFill>
+                      <a:srgbClr val="CFCFCF"/>
+                    </a:solidFill>
+                  </a:tcPr>
+                </a:tc>
+                <a:tc>
+                  <a:txBody>
+                    <a:bodyPr/>
+                    <a:lstStyle/>
+                    <a:p>
+                      <a:pPr algn="l" latinLnBrk="1"/>
+                      <a:endParaRPr lang="en-US" altLang="ko-KR" sz="1400" dirty="0"/>
+                    </a:p>
+                  </a:txBody>
+                  <a:tcPr anchor="ctr">
+                    <a:solidFill>
+                      <a:srgbClr val="EEEEEE"/>
+                    </a:solidFill>
+                  </a:tcPr>
+                </a:tc>
+                <a:extLst>
+                  <a:ext uri="{0D108BD9-81ED-4DB2-BD59-A6C34878D82A}">
+                    <a16:rowId xmlns:a16="http://schemas.microsoft.com/office/drawing/2014/main" val="1917928171"/>
+                  </a:ext>
+                </a:extLst>
+              </a:tr>
+              <a:tr h="396240">
+                <a:tc>
+                  <a:txBody>
+                    <a:bodyPr/>
+                    <a:lstStyle/>
+                    <a:p>
+                      <a:pPr algn="ctr" latinLnBrk="1"/>
+                      <a:endParaRPr lang="ko-KR" altLang="en-US" sz="1400" dirty="0"/>
+                    </a:p>
+                  </a:txBody>
+                  <a:tcPr anchor="ctr">
+                    <a:solidFill>
+                      <a:srgbClr val="CFCFCF"/>
+                    </a:solidFill>
+                  </a:tcPr>
+                </a:tc>
+                <a:tc>
+                  <a:txBody>
+                    <a:bodyPr/>
+                    <a:lstStyle/>
+                    <a:p>
+                      <a:pPr algn="ctr" latinLnBrk="1"/>
+                      <a:r>
+                        <a:rPr lang="ko-KR" altLang="en-US" sz="1400" dirty="0"/>
+                        <a:t>장바구니</a:t>
+                      </a:r>
+                      <a:endParaRPr lang="en-US" altLang="ko-KR" sz="1400" dirty="0"/>
+                    </a:p>
+                  </a:txBody>
+                  <a:tcPr anchor="ctr">
+                    <a:solidFill>
+                      <a:srgbClr val="EEEEEE"/>
+                    </a:solidFill>
+                  </a:tcPr>
+                </a:tc>
+                <a:tc>
+                  <a:txBody>
+                    <a:bodyPr/>
+                    <a:lstStyle/>
+                    <a:p>
+                      <a:pPr algn="l" latinLnBrk="1"/>
+                      <a:endParaRPr lang="en-US" altLang="ko-KR" sz="1400" dirty="0"/>
+                    </a:p>
+                  </a:txBody>
+                  <a:tcPr anchor="ctr">
+                    <a:solidFill>
+                      <a:srgbClr val="CFCFCF"/>
+                    </a:solidFill>
+                  </a:tcPr>
+                </a:tc>
+                <a:tc>
+                  <a:txBody>
+                    <a:bodyPr/>
+                    <a:lstStyle/>
+                    <a:p>
+                      <a:pPr algn="l" latinLnBrk="1"/>
+                      <a:endParaRPr lang="en-US" altLang="ko-KR" sz="1400" dirty="0"/>
+                    </a:p>
+                  </a:txBody>
+                  <a:tcPr anchor="ctr">
+                    <a:solidFill>
+                      <a:srgbClr val="EEEEEE"/>
+                    </a:solidFill>
+                  </a:tcPr>
+                </a:tc>
+                <a:extLst>
+                  <a:ext uri="{0D108BD9-81ED-4DB2-BD59-A6C34878D82A}">
+                    <a16:rowId xmlns:a16="http://schemas.microsoft.com/office/drawing/2014/main" val="2220470424"/>
+                  </a:ext>
+                </a:extLst>
+              </a:tr>
+              <a:tr h="396240">
+                <a:tc>
+                  <a:txBody>
+                    <a:bodyPr/>
+                    <a:lstStyle/>
+                    <a:p>
+                      <a:pPr algn="ctr" latinLnBrk="1"/>
+                      <a:r>
+                        <a:rPr lang="en-US" altLang="ko-KR" sz="1400" dirty="0" err="1"/>
+                        <a:t>my_receipt</a:t>
+                      </a:r>
+                      <a:endParaRPr lang="ko-KR" altLang="en-US" sz="1400" dirty="0"/>
+                    </a:p>
+                  </a:txBody>
+                  <a:tcPr anchor="ctr">
+                    <a:solidFill>
+                      <a:srgbClr val="CFCFCF"/>
+                    </a:solidFill>
+                  </a:tcPr>
+                </a:tc>
+                <a:tc>
+                  <a:txBody>
+                    <a:bodyPr/>
+                    <a:lstStyle/>
+                    <a:p>
+                      <a:pPr algn="ctr" latinLnBrk="1"/>
+                      <a:r>
+                        <a:rPr lang="ko-KR" altLang="en-US" sz="1400" dirty="0"/>
+                        <a:t>하트</a:t>
+                      </a:r>
+                      <a:r>
+                        <a:rPr lang="en-US" altLang="ko-KR" sz="1400" dirty="0"/>
+                        <a:t>,  </a:t>
+                      </a:r>
+                      <a:r>
+                        <a:rPr lang="ko-KR" altLang="en-US" sz="1400" dirty="0" err="1"/>
+                        <a:t>즐겨찾는</a:t>
+                      </a:r>
+                      <a:r>
+                        <a:rPr lang="ko-KR" altLang="en-US" sz="1400" dirty="0"/>
+                        <a:t> 메뉴</a:t>
+                      </a:r>
+                      <a:endParaRPr lang="en-US" altLang="ko-KR" sz="1400" dirty="0"/>
+                    </a:p>
+                  </a:txBody>
+                  <a:tcPr anchor="ctr">
+                    <a:solidFill>
+                      <a:srgbClr val="EEEEEE"/>
+                    </a:solidFill>
+                  </a:tcPr>
+                </a:tc>
+                <a:tc>
+                  <a:txBody>
+                    <a:bodyPr/>
+                    <a:lstStyle/>
+                    <a:p>
+                      <a:pPr algn="l" latinLnBrk="1"/>
+                      <a:endParaRPr lang="en-US" altLang="ko-KR" sz="1400" dirty="0"/>
+                    </a:p>
+                  </a:txBody>
+                  <a:tcPr anchor="ctr">
+                    <a:solidFill>
+                      <a:srgbClr val="CFCFCF"/>
+                    </a:solidFill>
+                  </a:tcPr>
+                </a:tc>
+                <a:tc>
+                  <a:txBody>
+                    <a:bodyPr/>
+                    <a:lstStyle/>
+                    <a:p>
+                      <a:pPr algn="l" latinLnBrk="1"/>
+                      <a:endParaRPr lang="en-US" altLang="ko-KR" sz="1400" dirty="0"/>
+                    </a:p>
+                  </a:txBody>
+                  <a:tcPr anchor="ctr">
+                    <a:solidFill>
+                      <a:srgbClr val="EEEEEE"/>
+                    </a:solidFill>
+                  </a:tcPr>
+                </a:tc>
+                <a:extLst>
+                  <a:ext uri="{0D108BD9-81ED-4DB2-BD59-A6C34878D82A}">
+                    <a16:rowId xmlns:a16="http://schemas.microsoft.com/office/drawing/2014/main" val="3762570411"/>
+                  </a:ext>
+                </a:extLst>
+              </a:tr>
+              <a:tr h="396240">
+                <a:tc>
+                  <a:txBody>
+                    <a:bodyPr/>
+                    <a:lstStyle/>
+                    <a:p>
+                      <a:pPr algn="ctr" latinLnBrk="1"/>
+                      <a:endParaRPr lang="ko-KR" altLang="en-US" sz="1400" dirty="0"/>
+                    </a:p>
+                  </a:txBody>
+                  <a:tcPr anchor="ctr">
+                    <a:solidFill>
+                      <a:srgbClr val="CFCFCF"/>
+                    </a:solidFill>
+                  </a:tcPr>
+                </a:tc>
+                <a:tc>
+                  <a:txBody>
+                    <a:bodyPr/>
+                    <a:lstStyle/>
+                    <a:p>
+                      <a:pPr algn="ctr" latinLnBrk="1"/>
+                      <a:r>
+                        <a:rPr lang="ko-KR" altLang="en-US" sz="1400" dirty="0"/>
+                        <a:t>주문화면</a:t>
+                      </a:r>
+                      <a:r>
+                        <a:rPr lang="en-US" altLang="ko-KR" sz="1400" dirty="0"/>
+                        <a:t>(</a:t>
+                      </a:r>
+                      <a:r>
+                        <a:rPr lang="ko-KR" altLang="en-US" sz="1400" dirty="0"/>
+                        <a:t>메뉴의 옵션을 설정하는 화면</a:t>
+                      </a:r>
+                      <a:r>
+                        <a:rPr lang="en-US" altLang="ko-KR" sz="1400" dirty="0"/>
+                        <a:t>)</a:t>
+                      </a:r>
+                    </a:p>
+                  </a:txBody>
+                  <a:tcPr anchor="ctr">
+                    <a:solidFill>
+                      <a:srgbClr val="EEEEEE"/>
+                    </a:solidFill>
+                  </a:tcPr>
+                </a:tc>
+                <a:tc>
+                  <a:txBody>
+                    <a:bodyPr/>
+                    <a:lstStyle/>
+                    <a:p>
+                      <a:pPr algn="l" latinLnBrk="1"/>
+                      <a:endParaRPr lang="en-US" altLang="ko-KR" sz="1400" dirty="0"/>
+                    </a:p>
+                  </a:txBody>
+                  <a:tcPr anchor="ctr">
+                    <a:solidFill>
+                      <a:srgbClr val="CFCFCF"/>
+                    </a:solidFill>
+                  </a:tcPr>
+                </a:tc>
+                <a:tc>
+                  <a:txBody>
+                    <a:bodyPr/>
+                    <a:lstStyle/>
+                    <a:p>
+                      <a:pPr algn="l" latinLnBrk="1"/>
+                      <a:endParaRPr lang="en-US" altLang="ko-KR" sz="1400" dirty="0"/>
+                    </a:p>
+                  </a:txBody>
+                  <a:tcPr anchor="ctr">
+                    <a:solidFill>
+                      <a:srgbClr val="EEEEEE"/>
+                    </a:solidFill>
+                  </a:tcPr>
+                </a:tc>
+                <a:extLst>
+                  <a:ext uri="{0D108BD9-81ED-4DB2-BD59-A6C34878D82A}">
+                    <a16:rowId xmlns:a16="http://schemas.microsoft.com/office/drawing/2014/main" val="4097315765"/>
+                  </a:ext>
+                </a:extLst>
+              </a:tr>
+              <a:tr h="396240">
+                <a:tc>
+                  <a:txBody>
+                    <a:bodyPr/>
+                    <a:lstStyle/>
+                    <a:p>
+                      <a:pPr algn="ctr" latinLnBrk="1"/>
+                      <a:r>
+                        <a:rPr lang="en-US" altLang="ko-KR" sz="1400" dirty="0"/>
+                        <a:t>Item</a:t>
+                      </a:r>
+                      <a:endParaRPr lang="ko-KR" altLang="en-US" sz="1400" dirty="0"/>
+                    </a:p>
+                  </a:txBody>
+                  <a:tcPr anchor="ctr">
+                    <a:solidFill>
+                      <a:srgbClr val="CFCFCF"/>
+                    </a:solidFill>
+                  </a:tcPr>
+                </a:tc>
+                <a:tc>
+                  <a:txBody>
+                    <a:bodyPr/>
+                    <a:lstStyle/>
+                    <a:p>
+                      <a:pPr algn="ctr" latinLnBrk="1"/>
+                      <a:r>
+                        <a:rPr lang="ko-KR" altLang="en-US" sz="1400" dirty="0"/>
+                        <a:t>메뉴</a:t>
+                      </a:r>
+                      <a:endParaRPr lang="en-US" altLang="ko-KR" sz="1400" dirty="0"/>
+                    </a:p>
+                  </a:txBody>
+                  <a:tcPr anchor="ctr">
+                    <a:solidFill>
+                      <a:srgbClr val="EEEEEE"/>
+                    </a:solidFill>
+                  </a:tcPr>
+                </a:tc>
+                <a:tc>
+                  <a:txBody>
+                    <a:bodyPr/>
+                    <a:lstStyle/>
+                    <a:p>
+                      <a:pPr algn="l" latinLnBrk="1"/>
+                      <a:endParaRPr lang="en-US" altLang="ko-KR" sz="1400" dirty="0"/>
+                    </a:p>
+                  </a:txBody>
+                  <a:tcPr anchor="ctr">
+                    <a:solidFill>
+                      <a:srgbClr val="CFCFCF"/>
+                    </a:solidFill>
+                  </a:tcPr>
+                </a:tc>
+                <a:tc>
+                  <a:txBody>
+                    <a:bodyPr/>
+                    <a:lstStyle/>
+                    <a:p>
+                      <a:pPr algn="l" latinLnBrk="1"/>
+                      <a:endParaRPr lang="en-US" altLang="ko-KR" sz="1400" dirty="0"/>
+                    </a:p>
+                  </a:txBody>
+                  <a:tcPr anchor="ctr">
+                    <a:solidFill>
+                      <a:srgbClr val="EEEEEE"/>
+                    </a:solidFill>
+                  </a:tcPr>
+                </a:tc>
+                <a:extLst>
+                  <a:ext uri="{0D108BD9-81ED-4DB2-BD59-A6C34878D82A}">
+                    <a16:rowId xmlns:a16="http://schemas.microsoft.com/office/drawing/2014/main" val="3465190524"/>
+                  </a:ext>
+                </a:extLst>
+              </a:tr>
+              <a:tr h="396240">
+                <a:tc>
+                  <a:txBody>
+                    <a:bodyPr/>
+                    <a:lstStyle/>
+                    <a:p>
+                      <a:pPr algn="ctr" latinLnBrk="1"/>
+                      <a:endParaRPr lang="ko-KR" altLang="en-US" sz="1400" dirty="0"/>
+                    </a:p>
+                  </a:txBody>
+                  <a:tcPr anchor="ctr">
+                    <a:solidFill>
+                      <a:srgbClr val="CFCFCF"/>
+                    </a:solidFill>
+                  </a:tcPr>
+                </a:tc>
+                <a:tc>
+                  <a:txBody>
+                    <a:bodyPr/>
+                    <a:lstStyle/>
+                    <a:p>
+                      <a:pPr algn="ctr" latinLnBrk="1"/>
+                      <a:endParaRPr lang="en-US" altLang="ko-KR" sz="1400" dirty="0"/>
+                    </a:p>
+                  </a:txBody>
+                  <a:tcPr anchor="ctr">
+                    <a:solidFill>
+                      <a:srgbClr val="EEEEEE"/>
+                    </a:solidFill>
+                  </a:tcPr>
+                </a:tc>
+                <a:tc>
+                  <a:txBody>
+                    <a:bodyPr/>
+                    <a:lstStyle/>
+                    <a:p>
+                      <a:pPr algn="l" latinLnBrk="1"/>
+                      <a:endParaRPr lang="en-US" altLang="ko-KR" sz="1400" dirty="0"/>
+                    </a:p>
+                  </a:txBody>
+                  <a:tcPr anchor="ctr">
+                    <a:solidFill>
+                      <a:srgbClr val="CFCFCF"/>
+                    </a:solidFill>
+                  </a:tcPr>
+                </a:tc>
+                <a:tc>
+                  <a:txBody>
+                    <a:bodyPr/>
+                    <a:lstStyle/>
+                    <a:p>
+                      <a:pPr algn="l" latinLnBrk="1"/>
+                      <a:endParaRPr lang="en-US" altLang="ko-KR" sz="1400" dirty="0"/>
+                    </a:p>
+                  </a:txBody>
+                  <a:tcPr anchor="ctr">
+                    <a:solidFill>
+                      <a:srgbClr val="EEEEEE"/>
+                    </a:solidFill>
+                  </a:tcPr>
+                </a:tc>
+                <a:extLst>
+                  <a:ext uri="{0D108BD9-81ED-4DB2-BD59-A6C34878D82A}">
+                    <a16:rowId xmlns:a16="http://schemas.microsoft.com/office/drawing/2014/main" val="2708825767"/>
+                  </a:ext>
+                </a:extLst>
+              </a:tr>
+            </a:tbl>
+          </a:graphicData>
+        </a:graphic>
+      </p:graphicFrame>
     </p:spTree>
     <p:extLst>
       <p:ext uri="{BB962C8B-B14F-4D97-AF65-F5344CB8AC3E}">
-        <p14:creationId xmlns:p14="http://schemas.microsoft.com/office/powerpoint/2010/main" val="348004749"/>
+        <p14:creationId xmlns:p14="http://schemas.microsoft.com/office/powerpoint/2010/main" val="61804042"/>
       </p:ext>
     </p:extLst>
   </p:cSld>
@@ -9650,6 +10440,84 @@
           <a:chExt cx="0" cy="0"/>
         </a:xfrm>
       </p:grpSpPr>
+      <p:pic>
+        <p:nvPicPr>
+          <p:cNvPr id="49" name="그래픽 48">
+            <a:extLst>
+              <a:ext uri="{FF2B5EF4-FFF2-40B4-BE49-F238E27FC236}">
+                <a16:creationId xmlns:a16="http://schemas.microsoft.com/office/drawing/2014/main" id="{553486C7-597C-4FBC-BB06-DD485398C739}"/>
+              </a:ext>
+            </a:extLst>
+          </p:cNvPr>
+          <p:cNvPicPr>
+            <a:picLocks noChangeAspect="1"/>
+          </p:cNvPicPr>
+          <p:nvPr/>
+        </p:nvPicPr>
+        <p:blipFill>
+          <a:blip r:embed="rId3">
+            <a:extLst>
+              <a:ext uri="{96DAC541-7B7A-43D3-8B79-37D633B846F1}">
+                <asvg:svgBlip xmlns:asvg="http://schemas.microsoft.com/office/drawing/2016/SVG/main" r:embed="rId4"/>
+              </a:ext>
+            </a:extLst>
+          </a:blip>
+          <a:stretch>
+            <a:fillRect/>
+          </a:stretch>
+        </p:blipFill>
+        <p:spPr>
+          <a:xfrm>
+            <a:off x="4801978" y="1117347"/>
+            <a:ext cx="2418111" cy="5236016"/>
+          </a:xfrm>
+          <a:prstGeom prst="rect">
+            <a:avLst/>
+          </a:prstGeom>
+          <a:effectLst>
+            <a:softEdge rad="12700"/>
+          </a:effectLst>
+        </p:spPr>
+      </p:pic>
+      <p:pic>
+        <p:nvPicPr>
+          <p:cNvPr id="47" name="그래픽 46">
+            <a:extLst>
+              <a:ext uri="{FF2B5EF4-FFF2-40B4-BE49-F238E27FC236}">
+                <a16:creationId xmlns:a16="http://schemas.microsoft.com/office/drawing/2014/main" id="{08674CAC-8307-458B-9291-D27C8A73B37F}"/>
+              </a:ext>
+            </a:extLst>
+          </p:cNvPr>
+          <p:cNvPicPr>
+            <a:picLocks noChangeAspect="1"/>
+          </p:cNvPicPr>
+          <p:nvPr/>
+        </p:nvPicPr>
+        <p:blipFill>
+          <a:blip r:embed="rId3">
+            <a:extLst>
+              <a:ext uri="{96DAC541-7B7A-43D3-8B79-37D633B846F1}">
+                <asvg:svgBlip xmlns:asvg="http://schemas.microsoft.com/office/drawing/2016/SVG/main" r:embed="rId4"/>
+              </a:ext>
+            </a:extLst>
+          </a:blip>
+          <a:stretch>
+            <a:fillRect/>
+          </a:stretch>
+        </p:blipFill>
+        <p:spPr>
+          <a:xfrm>
+            <a:off x="8911438" y="1127394"/>
+            <a:ext cx="2418111" cy="5236016"/>
+          </a:xfrm>
+          <a:prstGeom prst="rect">
+            <a:avLst/>
+          </a:prstGeom>
+          <a:effectLst>
+            <a:softEdge rad="12700"/>
+          </a:effectLst>
+        </p:spPr>
+      </p:pic>
       <p:cxnSp>
         <p:nvCxnSpPr>
           <p:cNvPr id="19" name="직선 연결선 18">
@@ -9761,18 +10629,22 @@
           <a:lstStyle/>
           <a:p>
             <a:r>
-              <a:rPr lang="ko-KR" altLang="en-US" dirty="0"/>
-              <a:t>로그인 기능</a:t>
+              <a:rPr lang="ko-KR" altLang="en-US" dirty="0" err="1"/>
+              <a:t>스플래쉬</a:t>
+            </a:r>
+            <a:r>
+              <a:rPr lang="ko-KR" altLang="en-US" dirty="0"/>
+              <a:t> 화면</a:t>
             </a:r>
           </a:p>
         </p:txBody>
       </p:sp>
       <p:pic>
         <p:nvPicPr>
-          <p:cNvPr id="8" name="그림 7">
-            <a:extLst>
-              <a:ext uri="{FF2B5EF4-FFF2-40B4-BE49-F238E27FC236}">
-                <a16:creationId xmlns:a16="http://schemas.microsoft.com/office/drawing/2014/main" id="{58BCA10F-4E30-4C1B-AA0B-AF8FEDAC9592}"/>
+          <p:cNvPr id="3" name="그래픽 2">
+            <a:extLst>
+              <a:ext uri="{FF2B5EF4-FFF2-40B4-BE49-F238E27FC236}">
+                <a16:creationId xmlns:a16="http://schemas.microsoft.com/office/drawing/2014/main" id="{26BD723E-29D9-4ACA-BBC7-D4C1CA280AE0}"/>
               </a:ext>
             </a:extLst>
           </p:cNvPr>
@@ -9782,10 +10654,10 @@
           <p:nvPr/>
         </p:nvPicPr>
         <p:blipFill>
-          <a:blip r:embed="rId3">
-            <a:extLst>
-              <a:ext uri="{28A0092B-C50C-407E-A947-70E740481C1C}">
-                <a14:useLocalDpi xmlns:a14="http://schemas.microsoft.com/office/drawing/2010/main" val="0"/>
+          <a:blip r:embed="rId5">
+            <a:extLst>
+              <a:ext uri="{96DAC541-7B7A-43D3-8B79-37D633B846F1}">
+                <asvg:svgBlip xmlns:asvg="http://schemas.microsoft.com/office/drawing/2016/SVG/main" r:embed="rId6"/>
               </a:ext>
             </a:extLst>
           </a:blip>
@@ -9795,78 +10667,185 @@
         </p:blipFill>
         <p:spPr>
           <a:xfrm>
-            <a:off x="5108068" y="1377069"/>
-            <a:ext cx="5330930" cy="4103862"/>
+            <a:off x="712602" y="1147482"/>
+            <a:ext cx="2418115" cy="5236025"/>
+          </a:xfrm>
+          <a:prstGeom prst="rect">
+            <a:avLst/>
+          </a:prstGeom>
+          <a:effectLst>
+            <a:outerShdw blurRad="50800" dist="38100" dir="2700000" algn="tl" rotWithShape="0">
+              <a:schemeClr val="tx1">
+                <a:alpha val="40000"/>
+              </a:schemeClr>
+            </a:outerShdw>
+            <a:softEdge rad="0"/>
+          </a:effectLst>
+        </p:spPr>
+      </p:pic>
+      <p:pic>
+        <p:nvPicPr>
+          <p:cNvPr id="7" name="그래픽 6">
+            <a:extLst>
+              <a:ext uri="{FF2B5EF4-FFF2-40B4-BE49-F238E27FC236}">
+                <a16:creationId xmlns:a16="http://schemas.microsoft.com/office/drawing/2014/main" id="{D8747E2A-9D22-4C6C-A6E9-E52532DC7F86}"/>
+              </a:ext>
+            </a:extLst>
+          </p:cNvPr>
+          <p:cNvPicPr>
+            <a:picLocks noChangeAspect="1"/>
+          </p:cNvPicPr>
+          <p:nvPr/>
+        </p:nvPicPr>
+        <p:blipFill>
+          <a:blip r:embed="rId7">
+            <a:extLst>
+              <a:ext uri="{96DAC541-7B7A-43D3-8B79-37D633B846F1}">
+                <asvg:svgBlip xmlns:asvg="http://schemas.microsoft.com/office/drawing/2016/SVG/main" r:embed="rId8"/>
+              </a:ext>
+            </a:extLst>
+          </a:blip>
+          <a:stretch>
+            <a:fillRect/>
+          </a:stretch>
+        </p:blipFill>
+        <p:spPr>
+          <a:xfrm>
+            <a:off x="4822068" y="1147482"/>
+            <a:ext cx="2418115" cy="5236025"/>
+          </a:xfrm>
+          <a:prstGeom prst="rect">
+            <a:avLst/>
+          </a:prstGeom>
+          <a:effectLst>
+            <a:outerShdw blurRad="50800" dist="38100" dir="2700000" algn="tl" rotWithShape="0">
+              <a:schemeClr val="tx1">
+                <a:alpha val="40000"/>
+              </a:schemeClr>
+            </a:outerShdw>
+          </a:effectLst>
+        </p:spPr>
+      </p:pic>
+      <p:pic>
+        <p:nvPicPr>
+          <p:cNvPr id="8" name="그래픽 7">
+            <a:extLst>
+              <a:ext uri="{FF2B5EF4-FFF2-40B4-BE49-F238E27FC236}">
+                <a16:creationId xmlns:a16="http://schemas.microsoft.com/office/drawing/2014/main" id="{95792445-2CD2-4822-8300-49ADE08D352B}"/>
+              </a:ext>
+            </a:extLst>
+          </p:cNvPr>
+          <p:cNvPicPr>
+            <a:picLocks noChangeAspect="1"/>
+          </p:cNvPicPr>
+          <p:nvPr/>
+        </p:nvPicPr>
+        <p:blipFill>
+          <a:blip r:embed="rId9">
+            <a:extLst>
+              <a:ext uri="{96DAC541-7B7A-43D3-8B79-37D633B846F1}">
+                <asvg:svgBlip xmlns:asvg="http://schemas.microsoft.com/office/drawing/2016/SVG/main" r:embed="rId10"/>
+              </a:ext>
+            </a:extLst>
+          </a:blip>
+          <a:stretch>
+            <a:fillRect/>
+          </a:stretch>
+        </p:blipFill>
+        <p:spPr>
+          <a:xfrm>
+            <a:off x="8931534" y="1147482"/>
+            <a:ext cx="2418115" cy="5236025"/>
+          </a:xfrm>
+          <a:prstGeom prst="rect">
+            <a:avLst/>
+          </a:prstGeom>
+          <a:effectLst>
+            <a:outerShdw blurRad="50800" dist="38100" dir="2700000" algn="tl" rotWithShape="0">
+              <a:schemeClr val="tx1">
+                <a:alpha val="40000"/>
+              </a:schemeClr>
+            </a:outerShdw>
+            <a:softEdge rad="12700"/>
+          </a:effectLst>
+        </p:spPr>
+      </p:pic>
+      <p:pic>
+        <p:nvPicPr>
+          <p:cNvPr id="51" name="그림 50">
+            <a:extLst>
+              <a:ext uri="{FF2B5EF4-FFF2-40B4-BE49-F238E27FC236}">
+                <a16:creationId xmlns:a16="http://schemas.microsoft.com/office/drawing/2014/main" id="{07197D7B-F676-4656-AB26-A8DD19E0E916}"/>
+              </a:ext>
+            </a:extLst>
+          </p:cNvPr>
+          <p:cNvPicPr>
+            <a:picLocks noChangeAspect="1"/>
+          </p:cNvPicPr>
+          <p:nvPr/>
+        </p:nvPicPr>
+        <p:blipFill>
+          <a:blip r:embed="rId11">
+            <a:extLst>
+              <a:ext uri="{28A0092B-C50C-407E-A947-70E740481C1C}">
+                <a14:useLocalDpi xmlns:a14="http://schemas.microsoft.com/office/drawing/2010/main" val="0"/>
+              </a:ext>
+            </a:extLst>
+          </a:blip>
+          <a:stretch>
+            <a:fillRect/>
+          </a:stretch>
+        </p:blipFill>
+        <p:spPr>
+          <a:xfrm>
+            <a:off x="3660020" y="3152845"/>
+            <a:ext cx="612649" cy="612649"/>
           </a:xfrm>
           <a:prstGeom prst="rect">
             <a:avLst/>
           </a:prstGeom>
         </p:spPr>
       </p:pic>
-      <p:sp>
-        <p:nvSpPr>
-          <p:cNvPr id="2" name="TextBox 1">
-            <a:extLst>
-              <a:ext uri="{FF2B5EF4-FFF2-40B4-BE49-F238E27FC236}">
-                <a16:creationId xmlns:a16="http://schemas.microsoft.com/office/drawing/2014/main" id="{36EE89B7-A3D4-4B69-A58A-864A2C5D4A09}"/>
-              </a:ext>
-            </a:extLst>
-          </p:cNvPr>
-          <p:cNvSpPr txBox="1"/>
+      <p:pic>
+        <p:nvPicPr>
+          <p:cNvPr id="53" name="그림 52">
+            <a:extLst>
+              <a:ext uri="{FF2B5EF4-FFF2-40B4-BE49-F238E27FC236}">
+                <a16:creationId xmlns:a16="http://schemas.microsoft.com/office/drawing/2014/main" id="{3CF0D695-2B62-4E4A-88C4-8820DB082A1E}"/>
+              </a:ext>
+            </a:extLst>
+          </p:cNvPr>
+          <p:cNvPicPr>
+            <a:picLocks noChangeAspect="1"/>
+          </p:cNvPicPr>
           <p:nvPr/>
-        </p:nvSpPr>
+        </p:nvPicPr>
+        <p:blipFill>
+          <a:blip r:embed="rId11">
+            <a:extLst>
+              <a:ext uri="{28A0092B-C50C-407E-A947-70E740481C1C}">
+                <a14:useLocalDpi xmlns:a14="http://schemas.microsoft.com/office/drawing/2010/main" val="0"/>
+              </a:ext>
+            </a:extLst>
+          </a:blip>
+          <a:stretch>
+            <a:fillRect/>
+          </a:stretch>
+        </p:blipFill>
         <p:spPr>
           <a:xfrm>
-            <a:off x="7264958" y="4330840"/>
-            <a:ext cx="3174040" cy="954107"/>
+            <a:off x="7759438" y="3152845"/>
+            <a:ext cx="612649" cy="612649"/>
           </a:xfrm>
           <a:prstGeom prst="rect">
             <a:avLst/>
           </a:prstGeom>
-          <a:noFill/>
         </p:spPr>
-        <p:txBody>
-          <a:bodyPr wrap="square" rtlCol="0">
-            <a:spAutoFit/>
-          </a:bodyPr>
-          <a:lstStyle/>
-          <a:p>
-            <a:r>
-              <a:rPr lang="ko-KR" altLang="en-US" sz="1400" dirty="0"/>
-              <a:t>메모</a:t>
-            </a:r>
-            <a:endParaRPr lang="en-US" altLang="ko-KR" sz="1400" dirty="0"/>
-          </a:p>
-          <a:p>
-            <a:endParaRPr lang="en-US" altLang="ko-KR" sz="1400" dirty="0"/>
-          </a:p>
-          <a:p>
-            <a:r>
-              <a:rPr lang="ko-KR" altLang="en-US" sz="1400" dirty="0"/>
-              <a:t>최초 </a:t>
-            </a:r>
-            <a:r>
-              <a:rPr lang="en-US" altLang="ko-KR" sz="1400" dirty="0"/>
-              <a:t>1</a:t>
-            </a:r>
-            <a:r>
-              <a:rPr lang="ko-KR" altLang="en-US" sz="1400" dirty="0"/>
-              <a:t>회 로그인 후 자동 로그인</a:t>
-            </a:r>
-            <a:endParaRPr lang="en-US" altLang="ko-KR" sz="1400" dirty="0"/>
-          </a:p>
-          <a:p>
-            <a:r>
-              <a:rPr lang="ko-KR" altLang="en-US" sz="1400" dirty="0"/>
-              <a:t>마이페이지에서 로그아웃 가능</a:t>
-            </a:r>
-          </a:p>
-        </p:txBody>
-      </p:sp>
+      </p:pic>
     </p:spTree>
     <p:extLst>
       <p:ext uri="{BB962C8B-B14F-4D97-AF65-F5344CB8AC3E}">
-        <p14:creationId xmlns:p14="http://schemas.microsoft.com/office/powerpoint/2010/main" val="3268071329"/>
+        <p14:creationId xmlns:p14="http://schemas.microsoft.com/office/powerpoint/2010/main" val="348004749"/>
       </p:ext>
     </p:extLst>
   </p:cSld>
@@ -9893,78 +10872,6 @@
           <a:chExt cx="0" cy="0"/>
         </a:xfrm>
       </p:grpSpPr>
-      <p:pic>
-        <p:nvPicPr>
-          <p:cNvPr id="5" name="그래픽 4">
-            <a:extLst>
-              <a:ext uri="{FF2B5EF4-FFF2-40B4-BE49-F238E27FC236}">
-                <a16:creationId xmlns:a16="http://schemas.microsoft.com/office/drawing/2014/main" id="{464C3065-FB79-43A7-BD05-A933A90EF06C}"/>
-              </a:ext>
-            </a:extLst>
-          </p:cNvPr>
-          <p:cNvPicPr>
-            <a:picLocks noChangeAspect="1"/>
-          </p:cNvPicPr>
-          <p:nvPr/>
-        </p:nvPicPr>
-        <p:blipFill>
-          <a:blip r:embed="rId3">
-            <a:extLst>
-              <a:ext uri="{96DAC541-7B7A-43D3-8B79-37D633B846F1}">
-                <asvg:svgBlip xmlns:asvg="http://schemas.microsoft.com/office/drawing/2016/SVG/main" r:embed="rId4"/>
-              </a:ext>
-            </a:extLst>
-          </a:blip>
-          <a:stretch>
-            <a:fillRect/>
-          </a:stretch>
-        </p:blipFill>
-        <p:spPr>
-          <a:xfrm>
-            <a:off x="719776" y="1243733"/>
-            <a:ext cx="2343480" cy="5074415"/>
-          </a:xfrm>
-          <a:prstGeom prst="rect">
-            <a:avLst/>
-          </a:prstGeom>
-        </p:spPr>
-      </p:pic>
-      <p:pic>
-        <p:nvPicPr>
-          <p:cNvPr id="4" name="그래픽 3">
-            <a:extLst>
-              <a:ext uri="{FF2B5EF4-FFF2-40B4-BE49-F238E27FC236}">
-                <a16:creationId xmlns:a16="http://schemas.microsoft.com/office/drawing/2014/main" id="{98719BF2-1060-4954-8C64-0CB7DB5349C5}"/>
-              </a:ext>
-            </a:extLst>
-          </p:cNvPr>
-          <p:cNvPicPr>
-            <a:picLocks noChangeAspect="1"/>
-          </p:cNvPicPr>
-          <p:nvPr/>
-        </p:nvPicPr>
-        <p:blipFill>
-          <a:blip r:embed="rId3">
-            <a:extLst>
-              <a:ext uri="{96DAC541-7B7A-43D3-8B79-37D633B846F1}">
-                <asvg:svgBlip xmlns:asvg="http://schemas.microsoft.com/office/drawing/2016/SVG/main" r:embed="rId5"/>
-              </a:ext>
-            </a:extLst>
-          </a:blip>
-          <a:stretch>
-            <a:fillRect/>
-          </a:stretch>
-        </p:blipFill>
-        <p:spPr>
-          <a:xfrm>
-            <a:off x="3919010" y="1243733"/>
-            <a:ext cx="2343480" cy="5074415"/>
-          </a:xfrm>
-          <a:prstGeom prst="rect">
-            <a:avLst/>
-          </a:prstGeom>
-        </p:spPr>
-      </p:pic>
       <p:cxnSp>
         <p:nvCxnSpPr>
           <p:cNvPr id="19" name="직선 연결선 18">
@@ -10077,6 +10984,321 @@
           <a:p>
             <a:r>
               <a:rPr lang="ko-KR" altLang="en-US" dirty="0"/>
+              <a:t>로그인 기능</a:t>
+            </a:r>
+          </a:p>
+        </p:txBody>
+      </p:sp>
+      <p:pic>
+        <p:nvPicPr>
+          <p:cNvPr id="8" name="그림 7">
+            <a:extLst>
+              <a:ext uri="{FF2B5EF4-FFF2-40B4-BE49-F238E27FC236}">
+                <a16:creationId xmlns:a16="http://schemas.microsoft.com/office/drawing/2014/main" id="{58BCA10F-4E30-4C1B-AA0B-AF8FEDAC9592}"/>
+              </a:ext>
+            </a:extLst>
+          </p:cNvPr>
+          <p:cNvPicPr>
+            <a:picLocks noChangeAspect="1"/>
+          </p:cNvPicPr>
+          <p:nvPr/>
+        </p:nvPicPr>
+        <p:blipFill>
+          <a:blip r:embed="rId3">
+            <a:extLst>
+              <a:ext uri="{28A0092B-C50C-407E-A947-70E740481C1C}">
+                <a14:useLocalDpi xmlns:a14="http://schemas.microsoft.com/office/drawing/2010/main" val="0"/>
+              </a:ext>
+            </a:extLst>
+          </a:blip>
+          <a:stretch>
+            <a:fillRect/>
+          </a:stretch>
+        </p:blipFill>
+        <p:spPr>
+          <a:xfrm>
+            <a:off x="5108068" y="1377069"/>
+            <a:ext cx="5330930" cy="4103862"/>
+          </a:xfrm>
+          <a:prstGeom prst="rect">
+            <a:avLst/>
+          </a:prstGeom>
+        </p:spPr>
+      </p:pic>
+      <p:sp>
+        <p:nvSpPr>
+          <p:cNvPr id="2" name="TextBox 1">
+            <a:extLst>
+              <a:ext uri="{FF2B5EF4-FFF2-40B4-BE49-F238E27FC236}">
+                <a16:creationId xmlns:a16="http://schemas.microsoft.com/office/drawing/2014/main" id="{36EE89B7-A3D4-4B69-A58A-864A2C5D4A09}"/>
+              </a:ext>
+            </a:extLst>
+          </p:cNvPr>
+          <p:cNvSpPr txBox="1"/>
+          <p:nvPr/>
+        </p:nvSpPr>
+        <p:spPr>
+          <a:xfrm>
+            <a:off x="7264958" y="4330840"/>
+            <a:ext cx="3174040" cy="954107"/>
+          </a:xfrm>
+          <a:prstGeom prst="rect">
+            <a:avLst/>
+          </a:prstGeom>
+          <a:noFill/>
+        </p:spPr>
+        <p:txBody>
+          <a:bodyPr wrap="square" rtlCol="0">
+            <a:spAutoFit/>
+          </a:bodyPr>
+          <a:lstStyle/>
+          <a:p>
+            <a:r>
+              <a:rPr lang="ko-KR" altLang="en-US" sz="1400" dirty="0"/>
+              <a:t>메모</a:t>
+            </a:r>
+            <a:endParaRPr lang="en-US" altLang="ko-KR" sz="1400" dirty="0"/>
+          </a:p>
+          <a:p>
+            <a:endParaRPr lang="en-US" altLang="ko-KR" sz="1400" dirty="0"/>
+          </a:p>
+          <a:p>
+            <a:r>
+              <a:rPr lang="ko-KR" altLang="en-US" sz="1400" dirty="0"/>
+              <a:t>최초 </a:t>
+            </a:r>
+            <a:r>
+              <a:rPr lang="en-US" altLang="ko-KR" sz="1400" dirty="0"/>
+              <a:t>1</a:t>
+            </a:r>
+            <a:r>
+              <a:rPr lang="ko-KR" altLang="en-US" sz="1400" dirty="0"/>
+              <a:t>회 로그인 후 자동 로그인</a:t>
+            </a:r>
+            <a:endParaRPr lang="en-US" altLang="ko-KR" sz="1400" dirty="0"/>
+          </a:p>
+          <a:p>
+            <a:r>
+              <a:rPr lang="ko-KR" altLang="en-US" sz="1400" dirty="0"/>
+              <a:t>마이페이지에서 로그아웃 가능</a:t>
+            </a:r>
+          </a:p>
+        </p:txBody>
+      </p:sp>
+    </p:spTree>
+    <p:extLst>
+      <p:ext uri="{BB962C8B-B14F-4D97-AF65-F5344CB8AC3E}">
+        <p14:creationId xmlns:p14="http://schemas.microsoft.com/office/powerpoint/2010/main" val="3268071329"/>
+      </p:ext>
+    </p:extLst>
+  </p:cSld>
+  <p:clrMapOvr>
+    <a:masterClrMapping/>
+  </p:clrMapOvr>
+</p:sld>
+</file>
+
+<file path=ppt/slides/slide18.xml><?xml version="1.0" encoding="utf-8"?>
+<p:sld xmlns:a="http://schemas.openxmlformats.org/drawingml/2006/main" xmlns:r="http://schemas.openxmlformats.org/officeDocument/2006/relationships" xmlns:p="http://schemas.openxmlformats.org/presentationml/2006/main">
+  <p:cSld>
+    <p:spTree>
+      <p:nvGrpSpPr>
+        <p:cNvPr id="1" name=""/>
+        <p:cNvGrpSpPr/>
+        <p:nvPr/>
+      </p:nvGrpSpPr>
+      <p:grpSpPr>
+        <a:xfrm>
+          <a:off x="0" y="0"/>
+          <a:ext cx="0" cy="0"/>
+          <a:chOff x="0" y="0"/>
+          <a:chExt cx="0" cy="0"/>
+        </a:xfrm>
+      </p:grpSpPr>
+      <p:pic>
+        <p:nvPicPr>
+          <p:cNvPr id="5" name="그래픽 4">
+            <a:extLst>
+              <a:ext uri="{FF2B5EF4-FFF2-40B4-BE49-F238E27FC236}">
+                <a16:creationId xmlns:a16="http://schemas.microsoft.com/office/drawing/2014/main" id="{464C3065-FB79-43A7-BD05-A933A90EF06C}"/>
+              </a:ext>
+            </a:extLst>
+          </p:cNvPr>
+          <p:cNvPicPr>
+            <a:picLocks noChangeAspect="1"/>
+          </p:cNvPicPr>
+          <p:nvPr/>
+        </p:nvPicPr>
+        <p:blipFill>
+          <a:blip r:embed="rId3">
+            <a:extLst>
+              <a:ext uri="{96DAC541-7B7A-43D3-8B79-37D633B846F1}">
+                <asvg:svgBlip xmlns:asvg="http://schemas.microsoft.com/office/drawing/2016/SVG/main" r:embed="rId4"/>
+              </a:ext>
+            </a:extLst>
+          </a:blip>
+          <a:stretch>
+            <a:fillRect/>
+          </a:stretch>
+        </p:blipFill>
+        <p:spPr>
+          <a:xfrm>
+            <a:off x="719776" y="1243733"/>
+            <a:ext cx="2343480" cy="5074415"/>
+          </a:xfrm>
+          <a:prstGeom prst="rect">
+            <a:avLst/>
+          </a:prstGeom>
+        </p:spPr>
+      </p:pic>
+      <p:pic>
+        <p:nvPicPr>
+          <p:cNvPr id="4" name="그래픽 3">
+            <a:extLst>
+              <a:ext uri="{FF2B5EF4-FFF2-40B4-BE49-F238E27FC236}">
+                <a16:creationId xmlns:a16="http://schemas.microsoft.com/office/drawing/2014/main" id="{98719BF2-1060-4954-8C64-0CB7DB5349C5}"/>
+              </a:ext>
+            </a:extLst>
+          </p:cNvPr>
+          <p:cNvPicPr>
+            <a:picLocks noChangeAspect="1"/>
+          </p:cNvPicPr>
+          <p:nvPr/>
+        </p:nvPicPr>
+        <p:blipFill>
+          <a:blip r:embed="rId3">
+            <a:extLst>
+              <a:ext uri="{96DAC541-7B7A-43D3-8B79-37D633B846F1}">
+                <asvg:svgBlip xmlns:asvg="http://schemas.microsoft.com/office/drawing/2016/SVG/main" r:embed="rId5"/>
+              </a:ext>
+            </a:extLst>
+          </a:blip>
+          <a:stretch>
+            <a:fillRect/>
+          </a:stretch>
+        </p:blipFill>
+        <p:spPr>
+          <a:xfrm>
+            <a:off x="3919010" y="1243733"/>
+            <a:ext cx="2343480" cy="5074415"/>
+          </a:xfrm>
+          <a:prstGeom prst="rect">
+            <a:avLst/>
+          </a:prstGeom>
+        </p:spPr>
+      </p:pic>
+      <p:cxnSp>
+        <p:nvCxnSpPr>
+          <p:cNvPr id="19" name="직선 연결선 18">
+            <a:extLst>
+              <a:ext uri="{FF2B5EF4-FFF2-40B4-BE49-F238E27FC236}">
+                <a16:creationId xmlns:a16="http://schemas.microsoft.com/office/drawing/2014/main" id="{D736AE06-B3FB-4E33-95A5-2F1A8AB879F0}"/>
+              </a:ext>
+            </a:extLst>
+          </p:cNvPr>
+          <p:cNvCxnSpPr/>
+          <p:nvPr/>
+        </p:nvCxnSpPr>
+        <p:spPr>
+          <a:xfrm>
+            <a:off x="251012" y="842682"/>
+            <a:ext cx="2967317" cy="0"/>
+          </a:xfrm>
+          <a:prstGeom prst="line">
+            <a:avLst/>
+          </a:prstGeom>
+          <a:ln>
+            <a:solidFill>
+              <a:schemeClr val="tx1"/>
+            </a:solidFill>
+          </a:ln>
+        </p:spPr>
+        <p:style>
+          <a:lnRef idx="1">
+            <a:schemeClr val="accent1"/>
+          </a:lnRef>
+          <a:fillRef idx="0">
+            <a:schemeClr val="accent1"/>
+          </a:fillRef>
+          <a:effectRef idx="0">
+            <a:schemeClr val="accent1"/>
+          </a:effectRef>
+          <a:fontRef idx="minor">
+            <a:schemeClr val="tx1"/>
+          </a:fontRef>
+        </p:style>
+      </p:cxnSp>
+      <p:cxnSp>
+        <p:nvCxnSpPr>
+          <p:cNvPr id="21" name="직선 연결선 20">
+            <a:extLst>
+              <a:ext uri="{FF2B5EF4-FFF2-40B4-BE49-F238E27FC236}">
+                <a16:creationId xmlns:a16="http://schemas.microsoft.com/office/drawing/2014/main" id="{620DB2E6-6C92-4DB0-9620-292DF6F1FFDB}"/>
+              </a:ext>
+            </a:extLst>
+          </p:cNvPr>
+          <p:cNvCxnSpPr/>
+          <p:nvPr/>
+        </p:nvCxnSpPr>
+        <p:spPr>
+          <a:xfrm>
+            <a:off x="481569" y="367553"/>
+            <a:ext cx="0" cy="779929"/>
+          </a:xfrm>
+          <a:prstGeom prst="line">
+            <a:avLst/>
+          </a:prstGeom>
+          <a:ln>
+            <a:solidFill>
+              <a:schemeClr val="tx1"/>
+            </a:solidFill>
+          </a:ln>
+        </p:spPr>
+        <p:style>
+          <a:lnRef idx="1">
+            <a:schemeClr val="accent1"/>
+          </a:lnRef>
+          <a:fillRef idx="0">
+            <a:schemeClr val="accent1"/>
+          </a:fillRef>
+          <a:effectRef idx="0">
+            <a:schemeClr val="accent1"/>
+          </a:effectRef>
+          <a:fontRef idx="minor">
+            <a:schemeClr val="tx1"/>
+          </a:fontRef>
+        </p:style>
+      </p:cxnSp>
+      <p:sp>
+        <p:nvSpPr>
+          <p:cNvPr id="22" name="TextBox 21">
+            <a:extLst>
+              <a:ext uri="{FF2B5EF4-FFF2-40B4-BE49-F238E27FC236}">
+                <a16:creationId xmlns:a16="http://schemas.microsoft.com/office/drawing/2014/main" id="{1FDC9D2B-1F1C-4618-A952-499E1DC188A3}"/>
+              </a:ext>
+            </a:extLst>
+          </p:cNvPr>
+          <p:cNvSpPr txBox="1"/>
+          <p:nvPr/>
+        </p:nvSpPr>
+        <p:spPr>
+          <a:xfrm>
+            <a:off x="553286" y="429417"/>
+            <a:ext cx="2736749" cy="369332"/>
+          </a:xfrm>
+          <a:prstGeom prst="rect">
+            <a:avLst/>
+          </a:prstGeom>
+          <a:noFill/>
+        </p:spPr>
+        <p:txBody>
+          <a:bodyPr wrap="square" rtlCol="0">
+            <a:spAutoFit/>
+          </a:bodyPr>
+          <a:lstStyle/>
+          <a:p>
+            <a:r>
+              <a:rPr lang="ko-KR" altLang="en-US" dirty="0"/>
               <a:t>로그인 화면</a:t>
             </a:r>
           </a:p>
@@ -10176,7 +11398,7 @@
           <p:nvPr>
             <p:extLst>
               <p:ext uri="{D42A27DB-BD31-4B8C-83A1-F6EECF244321}">
-                <p14:modId xmlns:p14="http://schemas.microsoft.com/office/powerpoint/2010/main" val="4256156080"/>
+                <p14:modId xmlns:p14="http://schemas.microsoft.com/office/powerpoint/2010/main" val="2047272051"/>
               </p:ext>
             </p:extLst>
           </p:nvPr>
@@ -10279,24 +11501,8 @@
                     <a:p>
                       <a:pPr algn="l" latinLnBrk="1"/>
                       <a:r>
-                        <a:rPr lang="ko-KR" altLang="en-US" sz="1400" dirty="0"/>
-                        <a:t>개인 전화번호</a:t>
-                      </a:r>
-                      <a:r>
-                        <a:rPr lang="en-US" altLang="ko-KR" sz="1400" dirty="0"/>
-                        <a:t>(</a:t>
-                      </a:r>
-                      <a:r>
-                        <a:rPr lang="ko-KR" altLang="en-US" sz="1400" dirty="0"/>
-                        <a:t>이하 </a:t>
-                      </a:r>
-                      <a:r>
                         <a:rPr lang="en-US" altLang="ko-KR" sz="1400" dirty="0" err="1"/>
                         <a:t>User_id</a:t>
-                      </a:r>
-                      <a:r>
-                        <a:rPr lang="en-US" altLang="ko-KR" sz="1400" dirty="0"/>
-                        <a:t>)</a:t>
                       </a:r>
                       <a:r>
                         <a:rPr lang="ko-KR" altLang="en-US" sz="1400" dirty="0"/>
@@ -10691,7 +11897,7 @@
 </p:sld>
 </file>
 
-<file path=ppt/slides/slide18.xml><?xml version="1.0" encoding="utf-8"?>
+<file path=ppt/slides/slide19.xml><?xml version="1.0" encoding="utf-8"?>
 <p:sld xmlns:a="http://schemas.openxmlformats.org/drawingml/2006/main" xmlns:r="http://schemas.openxmlformats.org/officeDocument/2006/relationships" xmlns:p="http://schemas.openxmlformats.org/presentationml/2006/main">
   <p:cSld>
     <p:spTree>
@@ -11980,7 +13186,136 @@
 </p:sld>
 </file>
 
-<file path=ppt/slides/slide19.xml><?xml version="1.0" encoding="utf-8"?>
+<file path=ppt/slides/slide2.xml><?xml version="1.0" encoding="utf-8"?>
+<p:sld xmlns:a="http://schemas.openxmlformats.org/drawingml/2006/main" xmlns:r="http://schemas.openxmlformats.org/officeDocument/2006/relationships" xmlns:p="http://schemas.openxmlformats.org/presentationml/2006/main">
+  <p:cSld>
+    <p:bg>
+      <p:bgPr>
+        <a:solidFill>
+          <a:srgbClr val="D6D2C4"/>
+        </a:solidFill>
+        <a:effectLst/>
+      </p:bgPr>
+    </p:bg>
+    <p:spTree>
+      <p:nvGrpSpPr>
+        <p:cNvPr id="1" name=""/>
+        <p:cNvGrpSpPr/>
+        <p:nvPr/>
+      </p:nvGrpSpPr>
+      <p:grpSpPr>
+        <a:xfrm>
+          <a:off x="0" y="0"/>
+          <a:ext cx="0" cy="0"/>
+          <a:chOff x="0" y="0"/>
+          <a:chExt cx="0" cy="0"/>
+        </a:xfrm>
+      </p:grpSpPr>
+      <p:sp>
+        <p:nvSpPr>
+          <p:cNvPr id="4" name="TextBox 3">
+            <a:extLst>
+              <a:ext uri="{FF2B5EF4-FFF2-40B4-BE49-F238E27FC236}">
+                <a16:creationId xmlns:a16="http://schemas.microsoft.com/office/drawing/2014/main" id="{12BED0F1-8C50-4A39-B31B-6403F489CC51}"/>
+              </a:ext>
+            </a:extLst>
+          </p:cNvPr>
+          <p:cNvSpPr txBox="1"/>
+          <p:nvPr/>
+        </p:nvSpPr>
+        <p:spPr>
+          <a:xfrm>
+            <a:off x="2708031" y="2274838"/>
+            <a:ext cx="6775938" cy="2308324"/>
+          </a:xfrm>
+          <a:prstGeom prst="rect">
+            <a:avLst/>
+          </a:prstGeom>
+          <a:noFill/>
+        </p:spPr>
+        <p:txBody>
+          <a:bodyPr wrap="square" rtlCol="0">
+            <a:spAutoFit/>
+          </a:bodyPr>
+          <a:lstStyle/>
+          <a:p>
+            <a:pPr algn="ctr"/>
+            <a:r>
+              <a:rPr lang="en-US" altLang="ko-KR" sz="7200" spc="1000" dirty="0">
+                <a:solidFill>
+                  <a:srgbClr val="0047BB"/>
+                </a:solidFill>
+                <a:latin typeface="DIN 2014" panose="020B0404020202020204" pitchFamily="34" charset="0"/>
+                <a:ea typeface="DIN 2014" panose="020B0404020202020204" pitchFamily="34" charset="0"/>
+              </a:rPr>
+              <a:t>S T R A D A</a:t>
+            </a:r>
+          </a:p>
+          <a:p>
+            <a:pPr algn="ctr"/>
+            <a:r>
+              <a:rPr lang="en-US" altLang="ko-KR" sz="7200" spc="1000" dirty="0">
+                <a:solidFill>
+                  <a:srgbClr val="0047BB"/>
+                </a:solidFill>
+                <a:latin typeface="DIN 2014" panose="020B0404020202020204" pitchFamily="34" charset="0"/>
+                <a:ea typeface="DIN 2014" panose="020B0404020202020204" pitchFamily="34" charset="0"/>
+              </a:rPr>
+              <a:t>C O F </a:t>
+            </a:r>
+            <a:r>
+              <a:rPr lang="en-US" altLang="ko-KR" sz="7200" spc="1000" dirty="0" err="1">
+                <a:solidFill>
+                  <a:srgbClr val="0047BB"/>
+                </a:solidFill>
+                <a:latin typeface="DIN 2014" panose="020B0404020202020204" pitchFamily="34" charset="0"/>
+                <a:ea typeface="DIN 2014" panose="020B0404020202020204" pitchFamily="34" charset="0"/>
+              </a:rPr>
+              <a:t>F</a:t>
+            </a:r>
+            <a:r>
+              <a:rPr lang="en-US" altLang="ko-KR" sz="7200" spc="1000" dirty="0">
+                <a:solidFill>
+                  <a:srgbClr val="0047BB"/>
+                </a:solidFill>
+                <a:latin typeface="DIN 2014" panose="020B0404020202020204" pitchFamily="34" charset="0"/>
+                <a:ea typeface="DIN 2014" panose="020B0404020202020204" pitchFamily="34" charset="0"/>
+              </a:rPr>
+              <a:t> E </a:t>
+            </a:r>
+            <a:r>
+              <a:rPr lang="en-US" altLang="ko-KR" sz="7200" spc="1000" dirty="0" err="1">
+                <a:solidFill>
+                  <a:srgbClr val="0047BB"/>
+                </a:solidFill>
+                <a:latin typeface="DIN 2014" panose="020B0404020202020204" pitchFamily="34" charset="0"/>
+                <a:ea typeface="DIN 2014" panose="020B0404020202020204" pitchFamily="34" charset="0"/>
+              </a:rPr>
+              <a:t>E</a:t>
+            </a:r>
+            <a:endParaRPr lang="ko-KR" altLang="en-US" sz="7200" spc="1000" dirty="0">
+              <a:solidFill>
+                <a:srgbClr val="0047BB"/>
+              </a:solidFill>
+              <a:latin typeface="DIN 2014" panose="020B0404020202020204" pitchFamily="34" charset="0"/>
+            </a:endParaRPr>
+          </a:p>
+        </p:txBody>
+      </p:sp>
+    </p:spTree>
+    <p:extLst>
+      <p:ext uri="{BB962C8B-B14F-4D97-AF65-F5344CB8AC3E}">
+        <p14:creationId xmlns:p14="http://schemas.microsoft.com/office/powerpoint/2010/main" val="1787666480"/>
+      </p:ext>
+    </p:extLst>
+  </p:cSld>
+  <p:clrMapOvr>
+    <a:masterClrMapping/>
+  </p:clrMapOvr>
+</p:sld>
+</file>
+
+<file path=ppt/slides/slide20.xml><?xml version="1.0" encoding="utf-8"?>
 <p:sld xmlns:a="http://schemas.openxmlformats.org/drawingml/2006/main" xmlns:r="http://schemas.openxmlformats.org/officeDocument/2006/relationships" xmlns:p="http://schemas.openxmlformats.org/presentationml/2006/main">
   <p:cSld>
     <p:spTree>
@@ -12596,136 +13931,7 @@
 </p:sld>
 </file>
 
-<file path=ppt/slides/slide2.xml><?xml version="1.0" encoding="utf-8"?>
-<p:sld xmlns:a="http://schemas.openxmlformats.org/drawingml/2006/main" xmlns:r="http://schemas.openxmlformats.org/officeDocument/2006/relationships" xmlns:p="http://schemas.openxmlformats.org/presentationml/2006/main">
-  <p:cSld>
-    <p:bg>
-      <p:bgPr>
-        <a:solidFill>
-          <a:srgbClr val="D6D2C4"/>
-        </a:solidFill>
-        <a:effectLst/>
-      </p:bgPr>
-    </p:bg>
-    <p:spTree>
-      <p:nvGrpSpPr>
-        <p:cNvPr id="1" name=""/>
-        <p:cNvGrpSpPr/>
-        <p:nvPr/>
-      </p:nvGrpSpPr>
-      <p:grpSpPr>
-        <a:xfrm>
-          <a:off x="0" y="0"/>
-          <a:ext cx="0" cy="0"/>
-          <a:chOff x="0" y="0"/>
-          <a:chExt cx="0" cy="0"/>
-        </a:xfrm>
-      </p:grpSpPr>
-      <p:sp>
-        <p:nvSpPr>
-          <p:cNvPr id="4" name="TextBox 3">
-            <a:extLst>
-              <a:ext uri="{FF2B5EF4-FFF2-40B4-BE49-F238E27FC236}">
-                <a16:creationId xmlns:a16="http://schemas.microsoft.com/office/drawing/2014/main" id="{12BED0F1-8C50-4A39-B31B-6403F489CC51}"/>
-              </a:ext>
-            </a:extLst>
-          </p:cNvPr>
-          <p:cNvSpPr txBox="1"/>
-          <p:nvPr/>
-        </p:nvSpPr>
-        <p:spPr>
-          <a:xfrm>
-            <a:off x="2708031" y="2274838"/>
-            <a:ext cx="6775938" cy="2308324"/>
-          </a:xfrm>
-          <a:prstGeom prst="rect">
-            <a:avLst/>
-          </a:prstGeom>
-          <a:noFill/>
-        </p:spPr>
-        <p:txBody>
-          <a:bodyPr wrap="square" rtlCol="0">
-            <a:spAutoFit/>
-          </a:bodyPr>
-          <a:lstStyle/>
-          <a:p>
-            <a:pPr algn="ctr"/>
-            <a:r>
-              <a:rPr lang="en-US" altLang="ko-KR" sz="7200" spc="1000" dirty="0">
-                <a:solidFill>
-                  <a:srgbClr val="0047BB"/>
-                </a:solidFill>
-                <a:latin typeface="DIN 2014" panose="020B0404020202020204" pitchFamily="34" charset="0"/>
-                <a:ea typeface="DIN 2014" panose="020B0404020202020204" pitchFamily="34" charset="0"/>
-              </a:rPr>
-              <a:t>S T R A D A</a:t>
-            </a:r>
-          </a:p>
-          <a:p>
-            <a:pPr algn="ctr"/>
-            <a:r>
-              <a:rPr lang="en-US" altLang="ko-KR" sz="7200" spc="1000" dirty="0">
-                <a:solidFill>
-                  <a:srgbClr val="0047BB"/>
-                </a:solidFill>
-                <a:latin typeface="DIN 2014" panose="020B0404020202020204" pitchFamily="34" charset="0"/>
-                <a:ea typeface="DIN 2014" panose="020B0404020202020204" pitchFamily="34" charset="0"/>
-              </a:rPr>
-              <a:t>C O F </a:t>
-            </a:r>
-            <a:r>
-              <a:rPr lang="en-US" altLang="ko-KR" sz="7200" spc="1000" dirty="0" err="1">
-                <a:solidFill>
-                  <a:srgbClr val="0047BB"/>
-                </a:solidFill>
-                <a:latin typeface="DIN 2014" panose="020B0404020202020204" pitchFamily="34" charset="0"/>
-                <a:ea typeface="DIN 2014" panose="020B0404020202020204" pitchFamily="34" charset="0"/>
-              </a:rPr>
-              <a:t>F</a:t>
-            </a:r>
-            <a:r>
-              <a:rPr lang="en-US" altLang="ko-KR" sz="7200" spc="1000" dirty="0">
-                <a:solidFill>
-                  <a:srgbClr val="0047BB"/>
-                </a:solidFill>
-                <a:latin typeface="DIN 2014" panose="020B0404020202020204" pitchFamily="34" charset="0"/>
-                <a:ea typeface="DIN 2014" panose="020B0404020202020204" pitchFamily="34" charset="0"/>
-              </a:rPr>
-              <a:t> E </a:t>
-            </a:r>
-            <a:r>
-              <a:rPr lang="en-US" altLang="ko-KR" sz="7200" spc="1000" dirty="0" err="1">
-                <a:solidFill>
-                  <a:srgbClr val="0047BB"/>
-                </a:solidFill>
-                <a:latin typeface="DIN 2014" panose="020B0404020202020204" pitchFamily="34" charset="0"/>
-                <a:ea typeface="DIN 2014" panose="020B0404020202020204" pitchFamily="34" charset="0"/>
-              </a:rPr>
-              <a:t>E</a:t>
-            </a:r>
-            <a:endParaRPr lang="ko-KR" altLang="en-US" sz="7200" spc="1000" dirty="0">
-              <a:solidFill>
-                <a:srgbClr val="0047BB"/>
-              </a:solidFill>
-              <a:latin typeface="DIN 2014" panose="020B0404020202020204" pitchFamily="34" charset="0"/>
-            </a:endParaRPr>
-          </a:p>
-        </p:txBody>
-      </p:sp>
-    </p:spTree>
-    <p:extLst>
-      <p:ext uri="{BB962C8B-B14F-4D97-AF65-F5344CB8AC3E}">
-        <p14:creationId xmlns:p14="http://schemas.microsoft.com/office/powerpoint/2010/main" val="1787666480"/>
-      </p:ext>
-    </p:extLst>
-  </p:cSld>
-  <p:clrMapOvr>
-    <a:masterClrMapping/>
-  </p:clrMapOvr>
-</p:sld>
-</file>
-
-<file path=ppt/slides/slide20.xml><?xml version="1.0" encoding="utf-8"?>
+<file path=ppt/slides/slide21.xml><?xml version="1.0" encoding="utf-8"?>
 <p:sld xmlns:a="http://schemas.openxmlformats.org/drawingml/2006/main" xmlns:r="http://schemas.openxmlformats.org/officeDocument/2006/relationships" xmlns:p="http://schemas.openxmlformats.org/presentationml/2006/main">
   <p:cSld>
     <p:spTree>
@@ -13043,7 +14249,7 @@
 </p:sld>
 </file>
 
-<file path=ppt/slides/slide21.xml><?xml version="1.0" encoding="utf-8"?>
+<file path=ppt/slides/slide22.xml><?xml version="1.0" encoding="utf-8"?>
 <p:sld xmlns:a="http://schemas.openxmlformats.org/drawingml/2006/main" xmlns:r="http://schemas.openxmlformats.org/officeDocument/2006/relationships" xmlns:p="http://schemas.openxmlformats.org/presentationml/2006/main">
   <p:cSld>
     <p:spTree>
@@ -13228,14 +14434,14 @@
           <p:nvPr>
             <p:extLst>
               <p:ext uri="{D42A27DB-BD31-4B8C-83A1-F6EECF244321}">
-                <p14:modId xmlns:p14="http://schemas.microsoft.com/office/powerpoint/2010/main" val="2772759989"/>
+                <p14:modId xmlns:p14="http://schemas.microsoft.com/office/powerpoint/2010/main" val="1208859129"/>
               </p:ext>
             </p:extLst>
           </p:nvPr>
         </p:nvGraphicFramePr>
         <p:xfrm>
           <a:off x="5381263" y="1048411"/>
-          <a:ext cx="6187346" cy="4814559"/>
+          <a:ext cx="6187346" cy="3747759"/>
         </p:xfrm>
         <a:graphic>
           <a:graphicData uri="http://schemas.openxmlformats.org/drawingml/2006/table">
@@ -13335,16 +14541,12 @@
                         <a:t>클릭 시 </a:t>
                       </a:r>
                       <a:r>
+                        <a:rPr lang="en-US" altLang="ko-KR" sz="1400" dirty="0" err="1"/>
+                        <a:t>voc</a:t>
+                      </a:r>
+                      <a:r>
                         <a:rPr lang="en-US" altLang="ko-KR" sz="1400" dirty="0"/>
-                        <a:t>‘</a:t>
-                      </a:r>
-                      <a:r>
-                        <a:rPr lang="ko-KR" altLang="en-US" sz="1400" dirty="0"/>
-                        <a:t>고객의 소리</a:t>
-                      </a:r>
-                      <a:r>
-                        <a:rPr lang="en-US" altLang="ko-KR" sz="1400" dirty="0"/>
-                        <a:t>＇</a:t>
+                        <a:t> </a:t>
                       </a:r>
                       <a:r>
                         <a:rPr lang="ko-KR" altLang="en-US" sz="1400" dirty="0"/>
@@ -13396,15 +14598,7 @@
                       </a:r>
                       <a:r>
                         <a:rPr lang="en-US" altLang="ko-KR" sz="1400" dirty="0"/>
-                        <a:t>‘</a:t>
-                      </a:r>
-                      <a:r>
-                        <a:rPr lang="ko-KR" altLang="en-US" sz="1400" dirty="0"/>
-                        <a:t>알림 센터</a:t>
-                      </a:r>
-                      <a:r>
-                        <a:rPr lang="en-US" altLang="ko-KR" sz="1400" dirty="0"/>
-                        <a:t>‘ </a:t>
+                        <a:t>notification </a:t>
                       </a:r>
                       <a:r>
                         <a:rPr lang="ko-KR" altLang="en-US" sz="1400" dirty="0"/>
@@ -13532,7 +14726,15 @@
                       <a:pPr algn="l" latinLnBrk="1"/>
                       <a:r>
                         <a:rPr lang="ko-KR" altLang="en-US" sz="1400" dirty="0"/>
-                        <a:t>보유 포인트 노출</a:t>
+                        <a:t>보유 </a:t>
+                      </a:r>
+                      <a:r>
+                        <a:rPr lang="en-US" altLang="ko-KR" sz="1400" dirty="0"/>
+                        <a:t>point</a:t>
+                      </a:r>
+                      <a:r>
+                        <a:rPr lang="ko-KR" altLang="en-US" sz="1400" dirty="0"/>
+                        <a:t> 노출</a:t>
                       </a:r>
                       <a:endParaRPr lang="en-US" altLang="ko-KR" sz="1400" dirty="0"/>
                     </a:p>
@@ -13599,16 +14801,12 @@
                         <a:t>버튼 클릭 시 </a:t>
                       </a:r>
                       <a:r>
+                        <a:rPr lang="en-US" altLang="ko-KR" sz="1400" dirty="0" err="1"/>
+                        <a:t>my_page</a:t>
+                      </a:r>
+                      <a:r>
                         <a:rPr lang="en-US" altLang="ko-KR" sz="1400" dirty="0"/>
-                        <a:t>‘</a:t>
-                      </a:r>
-                      <a:r>
-                        <a:rPr lang="ko-KR" altLang="en-US" sz="1400" dirty="0"/>
-                        <a:t>내 정보</a:t>
-                      </a:r>
-                      <a:r>
-                        <a:rPr lang="en-US" altLang="ko-KR" sz="1400" dirty="0"/>
-                        <a:t>＇</a:t>
+                        <a:t> </a:t>
                       </a:r>
                       <a:r>
                         <a:rPr lang="ko-KR" altLang="en-US" sz="1400" dirty="0"/>
@@ -13653,83 +14851,17 @@
                     <a:bodyPr/>
                     <a:lstStyle/>
                     <a:p>
-                      <a:pPr algn="l" latinLnBrk="1"/>
+                      <a:pPr marL="0" indent="0" algn="l" latinLnBrk="1">
+                        <a:buFont typeface="Arial" panose="020B0604020202020204" pitchFamily="34" charset="0"/>
+                        <a:buNone/>
+                      </a:pPr>
+                      <a:r>
+                        <a:rPr lang="en-US" altLang="ko-KR" sz="1400" dirty="0"/>
+                        <a:t>banner. </a:t>
+                      </a:r>
                       <a:r>
                         <a:rPr lang="ko-KR" altLang="en-US" sz="1400" dirty="0"/>
-                        <a:t>배너 클릭 시 해당 메뉴 </a:t>
-                      </a:r>
-                      <a:r>
-                        <a:rPr lang="en-US" altLang="ko-KR" sz="1400" dirty="0"/>
-                        <a:t>‘</a:t>
-                      </a:r>
-                      <a:r>
-                        <a:rPr lang="ko-KR" altLang="en-US" sz="1400" dirty="0"/>
-                        <a:t>장바구니</a:t>
-                      </a:r>
-                      <a:r>
-                        <a:rPr lang="en-US" altLang="ko-KR" sz="1400" dirty="0"/>
-                        <a:t>’</a:t>
-                      </a:r>
-                      <a:r>
-                        <a:rPr lang="ko-KR" altLang="en-US" sz="1400" dirty="0"/>
-                        <a:t>에 추가</a:t>
-                      </a:r>
-                      <a:endParaRPr lang="en-US" altLang="ko-KR" sz="1400" dirty="0"/>
-                    </a:p>
-                    <a:p>
-                      <a:pPr marL="285750" indent="-285750" algn="l" latinLnBrk="1">
-                        <a:buFont typeface="Arial" panose="020B0604020202020204" pitchFamily="34" charset="0"/>
-                        <a:buChar char="•"/>
-                      </a:pPr>
-                      <a:r>
-                        <a:rPr lang="ko-KR" altLang="en-US" sz="1400" dirty="0"/>
-                        <a:t>배너표시 우선순위 </a:t>
-                      </a:r>
-                      <a:r>
-                        <a:rPr lang="en-US" altLang="ko-KR" sz="1400" dirty="0"/>
-                        <a:t>: 1. </a:t>
-                      </a:r>
-                      <a:r>
-                        <a:rPr lang="ko-KR" altLang="en-US" sz="1400" dirty="0"/>
-                        <a:t>하트</a:t>
-                      </a:r>
-                      <a:r>
-                        <a:rPr lang="en-US" altLang="ko-KR" sz="1400" dirty="0"/>
-                        <a:t>(My receipt) 2.</a:t>
-                      </a:r>
-                      <a:r>
-                        <a:rPr lang="ko-KR" altLang="en-US" sz="1400" dirty="0"/>
-                        <a:t>자주 주문한 메뉴</a:t>
-                      </a:r>
-                      <a:r>
-                        <a:rPr lang="en-US" altLang="ko-KR" sz="1400" dirty="0"/>
-                        <a:t>, 3. </a:t>
-                      </a:r>
-                      <a:r>
-                        <a:rPr lang="ko-KR" altLang="en-US" sz="1400" dirty="0"/>
-                        <a:t>추천</a:t>
-                      </a:r>
-                      <a:r>
-                        <a:rPr lang="en-US" altLang="ko-KR" sz="1400" dirty="0"/>
-                        <a:t>. </a:t>
-                      </a:r>
-                    </a:p>
-                    <a:p>
-                      <a:pPr marL="285750" indent="-285750" algn="l" latinLnBrk="1">
-                        <a:buFont typeface="Arial" panose="020B0604020202020204" pitchFamily="34" charset="0"/>
-                        <a:buChar char="•"/>
-                      </a:pPr>
-                      <a:r>
-                        <a:rPr lang="ko-KR" altLang="en-US" sz="1400" dirty="0"/>
-                        <a:t>예외 </a:t>
-                      </a:r>
-                      <a:r>
-                        <a:rPr lang="en-US" altLang="ko-KR" sz="1400" dirty="0"/>
-                        <a:t>: 3.</a:t>
-                      </a:r>
-                      <a:r>
-                        <a:rPr lang="ko-KR" altLang="en-US" sz="1400" dirty="0"/>
-                        <a:t> 추천 메뉴의 경우 클릭 시 옵션 설정 화면으로 이동</a:t>
+                        <a:t>가독성을 위해 다음 슬라이드에 따로 정리</a:t>
                       </a:r>
                       <a:r>
                         <a:rPr lang="en-US" altLang="ko-KR" sz="1400" dirty="0"/>
@@ -13777,145 +14909,46 @@
                     <a:p>
                       <a:pPr algn="l" latinLnBrk="1"/>
                       <a:r>
-                        <a:rPr lang="en-US" altLang="ko-KR" sz="1400" dirty="0"/>
-                        <a:t>5</a:t>
-                      </a:r>
-                      <a:r>
                         <a:rPr lang="ko-KR" altLang="en-US" sz="1400" dirty="0"/>
-                        <a:t>개의 배너 페이지</a:t>
+                        <a:t>주문하기 부분을 위로 </a:t>
+                      </a:r>
+                      <a:r>
+                        <a:rPr lang="ko-KR" altLang="en-US" sz="1400" dirty="0" err="1"/>
+                        <a:t>스와이프</a:t>
+                      </a:r>
+                      <a:r>
+                        <a:rPr lang="ko-KR" altLang="en-US" sz="1400" dirty="0"/>
+                        <a:t> 시 주문화면 노출</a:t>
                       </a:r>
                       <a:endParaRPr lang="en-US" altLang="ko-KR" sz="1400" dirty="0"/>
                     </a:p>
                     <a:p>
-                      <a:pPr marL="285750" indent="-285750" algn="l" latinLnBrk="1">
-                        <a:buFont typeface="Arial" panose="020B0604020202020204" pitchFamily="34" charset="0"/>
-                        <a:buChar char="•"/>
-                      </a:pPr>
+                      <a:pPr algn="l" latinLnBrk="1"/>
                       <a:r>
                         <a:rPr lang="ko-KR" altLang="en-US" sz="1400" dirty="0"/>
-                        <a:t>우선순위 </a:t>
+                        <a:t>추가</a:t>
                       </a:r>
                       <a:r>
                         <a:rPr lang="en-US" altLang="ko-KR" sz="1400" dirty="0"/>
-                        <a:t>1</a:t>
+                        <a:t>) </a:t>
                       </a:r>
                       <a:r>
                         <a:rPr lang="ko-KR" altLang="en-US" sz="1400" dirty="0"/>
-                        <a:t>과 </a:t>
+                        <a:t>화살표 부분 클릭 시에도</a:t>
                       </a:r>
                       <a:r>
                         <a:rPr lang="en-US" altLang="ko-KR" sz="1400" dirty="0"/>
-                        <a:t>2 </a:t>
+                        <a:t> </a:t>
                       </a:r>
                       <a:r>
                         <a:rPr lang="ko-KR" altLang="en-US" sz="1400" dirty="0"/>
-                        <a:t>합쳐서 </a:t>
-                      </a:r>
-                      <a:r>
-                        <a:rPr lang="en-US" altLang="ko-KR" sz="1400" dirty="0"/>
-                        <a:t>3</a:t>
-                      </a:r>
-                      <a:r>
-                        <a:rPr lang="ko-KR" altLang="en-US" sz="1400" dirty="0"/>
-                        <a:t>개</a:t>
-                      </a:r>
-                      <a:r>
-                        <a:rPr lang="en-US" altLang="ko-KR" sz="1400" dirty="0"/>
-                        <a:t>, </a:t>
-                      </a:r>
-                      <a:r>
-                        <a:rPr lang="ko-KR" altLang="en-US" sz="1400" dirty="0"/>
-                        <a:t>추천 </a:t>
-                      </a:r>
-                      <a:r>
-                        <a:rPr lang="en-US" altLang="ko-KR" sz="1400" dirty="0"/>
-                        <a:t>2</a:t>
-                      </a:r>
-                      <a:r>
-                        <a:rPr lang="ko-KR" altLang="en-US" sz="1400" dirty="0"/>
-                        <a:t>개 해서 총 </a:t>
-                      </a:r>
-                      <a:r>
-                        <a:rPr lang="en-US" altLang="ko-KR" sz="1400" dirty="0"/>
-                        <a:t>5</a:t>
-                      </a:r>
-                      <a:r>
-                        <a:rPr lang="ko-KR" altLang="en-US" sz="1400" dirty="0"/>
-                        <a:t>개로 구성 </a:t>
+                        <a:t>주문화면 노출</a:t>
                       </a:r>
                     </a:p>
                   </a:txBody>
                   <a:tcPr anchor="ctr">
                     <a:solidFill>
                       <a:srgbClr val="CFCFCF"/>
-                    </a:solidFill>
-                  </a:tcPr>
-                </a:tc>
-                <a:extLst>
-                  <a:ext uri="{0D108BD9-81ED-4DB2-BD59-A6C34878D82A}">
-                    <a16:rowId xmlns:a16="http://schemas.microsoft.com/office/drawing/2014/main" val="3368584284"/>
-                  </a:ext>
-                </a:extLst>
-              </a:tr>
-              <a:tr h="396240">
-                <a:tc>
-                  <a:txBody>
-                    <a:bodyPr/>
-                    <a:lstStyle/>
-                    <a:p>
-                      <a:pPr algn="ctr" latinLnBrk="1"/>
-                      <a:r>
-                        <a:rPr lang="en-US" altLang="ko-KR" sz="1400" dirty="0"/>
-                        <a:t>8</a:t>
-                      </a:r>
-                      <a:endParaRPr lang="ko-KR" altLang="en-US" sz="1400" dirty="0"/>
-                    </a:p>
-                  </a:txBody>
-                  <a:tcPr anchor="ctr">
-                    <a:solidFill>
-                      <a:srgbClr val="EEEEEE"/>
-                    </a:solidFill>
-                  </a:tcPr>
-                </a:tc>
-                <a:tc>
-                  <a:txBody>
-                    <a:bodyPr/>
-                    <a:lstStyle/>
-                    <a:p>
-                      <a:pPr algn="l" latinLnBrk="1"/>
-                      <a:r>
-                        <a:rPr lang="ko-KR" altLang="en-US" sz="1400" dirty="0"/>
-                        <a:t>주문하기 부분을 위로 </a:t>
-                      </a:r>
-                      <a:r>
-                        <a:rPr lang="ko-KR" altLang="en-US" sz="1400" dirty="0" err="1"/>
-                        <a:t>스와이프</a:t>
-                      </a:r>
-                      <a:r>
-                        <a:rPr lang="ko-KR" altLang="en-US" sz="1400" dirty="0"/>
-                        <a:t> 시 주문화면 노출</a:t>
-                      </a:r>
-                      <a:endParaRPr lang="en-US" altLang="ko-KR" sz="1400" dirty="0"/>
-                    </a:p>
-                    <a:p>
-                      <a:pPr algn="l" latinLnBrk="1"/>
-                      <a:r>
-                        <a:rPr lang="ko-KR" altLang="en-US" sz="1400" dirty="0"/>
-                        <a:t>화살표 부분 클릭 시에도</a:t>
-                      </a:r>
-                      <a:r>
-                        <a:rPr lang="en-US" altLang="ko-KR" sz="1400" dirty="0"/>
-                        <a:t> </a:t>
-                      </a:r>
-                      <a:r>
-                        <a:rPr lang="ko-KR" altLang="en-US" sz="1400" dirty="0"/>
-                        <a:t>주문화면 노출</a:t>
-                      </a:r>
-                    </a:p>
-                  </a:txBody>
-                  <a:tcPr anchor="ctr">
-                    <a:solidFill>
-                      <a:srgbClr val="EEEEEE"/>
                     </a:solidFill>
                   </a:tcPr>
                 </a:tc>
@@ -14346,7 +15379,7 @@
                   <a:schemeClr val="bg1"/>
                 </a:solidFill>
               </a:rPr>
-              <a:t>7</a:t>
+              <a:t>6</a:t>
             </a:r>
             <a:endParaRPr lang="ko-KR" altLang="en-US" sz="1400" dirty="0">
               <a:solidFill>
@@ -14410,7 +15443,7 @@
                   <a:schemeClr val="bg1"/>
                 </a:solidFill>
               </a:rPr>
-              <a:t>8</a:t>
+              <a:t>7</a:t>
             </a:r>
             <a:endParaRPr lang="ko-KR" altLang="en-US" sz="1400" dirty="0">
               <a:solidFill>
@@ -14497,7 +15530,7 @@
 </p:sld>
 </file>
 
-<file path=ppt/slides/slide22.xml><?xml version="1.0" encoding="utf-8"?>
+<file path=ppt/slides/slide23.xml><?xml version="1.0" encoding="utf-8"?>
 <p:sld xmlns:a="http://schemas.openxmlformats.org/drawingml/2006/main" xmlns:r="http://schemas.openxmlformats.org/officeDocument/2006/relationships" xmlns:p="http://schemas.openxmlformats.org/presentationml/2006/main">
   <p:cSld>
     <p:spTree>
@@ -14514,42 +15547,6 @@
           <a:chExt cx="0" cy="0"/>
         </a:xfrm>
       </p:grpSpPr>
-      <p:pic>
-        <p:nvPicPr>
-          <p:cNvPr id="4" name="그래픽 3">
-            <a:extLst>
-              <a:ext uri="{FF2B5EF4-FFF2-40B4-BE49-F238E27FC236}">
-                <a16:creationId xmlns:a16="http://schemas.microsoft.com/office/drawing/2014/main" id="{98719BF2-1060-4954-8C64-0CB7DB5349C5}"/>
-              </a:ext>
-            </a:extLst>
-          </p:cNvPr>
-          <p:cNvPicPr>
-            <a:picLocks noChangeAspect="1"/>
-          </p:cNvPicPr>
-          <p:nvPr/>
-        </p:nvPicPr>
-        <p:blipFill>
-          <a:blip r:embed="rId3">
-            <a:extLst>
-              <a:ext uri="{96DAC541-7B7A-43D3-8B79-37D633B846F1}">
-                <asvg:svgBlip xmlns:asvg="http://schemas.microsoft.com/office/drawing/2016/SVG/main" r:embed="rId4"/>
-              </a:ext>
-            </a:extLst>
-          </a:blip>
-          <a:stretch>
-            <a:fillRect/>
-          </a:stretch>
-        </p:blipFill>
-        <p:spPr>
-          <a:xfrm>
-            <a:off x="1758130" y="1008048"/>
-            <a:ext cx="2599130" cy="5627982"/>
-          </a:xfrm>
-          <a:prstGeom prst="rect">
-            <a:avLst/>
-          </a:prstGeom>
-        </p:spPr>
-      </p:pic>
       <p:cxnSp>
         <p:nvCxnSpPr>
           <p:cNvPr id="19" name="직선 연결선 18">
@@ -14682,14 +15679,14 @@
           <p:nvPr>
             <p:extLst>
               <p:ext uri="{D42A27DB-BD31-4B8C-83A1-F6EECF244321}">
-                <p14:modId xmlns:p14="http://schemas.microsoft.com/office/powerpoint/2010/main" val="3573157157"/>
+                <p14:modId xmlns:p14="http://schemas.microsoft.com/office/powerpoint/2010/main" val="2346131569"/>
               </p:ext>
             </p:extLst>
           </p:nvPr>
         </p:nvGraphicFramePr>
         <p:xfrm>
-          <a:off x="5396444" y="1038192"/>
-          <a:ext cx="6100612" cy="2482337"/>
+          <a:off x="5381263" y="1048411"/>
+          <a:ext cx="6465744" cy="5225977"/>
         </p:xfrm>
         <a:graphic>
           <a:graphicData uri="http://schemas.openxmlformats.org/drawingml/2006/table">
@@ -14698,14 +15695,14 @@
                 <a:tableStyleId>{5C22544A-7EE6-4342-B048-85BDC9FD1C3A}</a:tableStyleId>
               </a:tblPr>
               <a:tblGrid>
-                <a:gridCol w="730426">
+                <a:gridCol w="774143">
                   <a:extLst>
                     <a:ext uri="{9D8B030D-6E8A-4147-A177-3AD203B41FA5}">
                       <a16:colId xmlns:a16="http://schemas.microsoft.com/office/drawing/2014/main" val="1669333152"/>
                     </a:ext>
                   </a:extLst>
                 </a:gridCol>
-                <a:gridCol w="5370186">
+                <a:gridCol w="5691601">
                   <a:extLst>
                     <a:ext uri="{9D8B030D-6E8A-4147-A177-3AD203B41FA5}">
                       <a16:colId xmlns:a16="http://schemas.microsoft.com/office/drawing/2014/main" val="2837322391"/>
@@ -14766,6 +15763,1323 @@
                     <a:p>
                       <a:pPr algn="ctr" latinLnBrk="1"/>
                       <a:r>
+                        <a:rPr lang="en-US" altLang="ko-KR" sz="1400" b="1" dirty="0"/>
+                        <a:t>6</a:t>
+                      </a:r>
+                      <a:endParaRPr lang="ko-KR" altLang="en-US" sz="1400" b="1" dirty="0"/>
+                    </a:p>
+                  </a:txBody>
+                  <a:tcPr anchor="ctr">
+                    <a:solidFill>
+                      <a:srgbClr val="EEEEEE"/>
+                    </a:solidFill>
+                  </a:tcPr>
+                </a:tc>
+                <a:tc>
+                  <a:txBody>
+                    <a:bodyPr/>
+                    <a:lstStyle/>
+                    <a:p>
+                      <a:pPr algn="l" latinLnBrk="1"/>
+                      <a:r>
+                        <a:rPr lang="en-US" altLang="ko-KR" sz="1400" b="1" dirty="0"/>
+                        <a:t>banner</a:t>
+                      </a:r>
+                      <a:r>
+                        <a:rPr lang="ko-KR" altLang="en-US" sz="1400" b="1" dirty="0"/>
+                        <a:t> 클릭 시 해당 </a:t>
+                      </a:r>
+                      <a:r>
+                        <a:rPr lang="en-US" altLang="ko-KR" sz="1400" b="1" dirty="0"/>
+                        <a:t>item</a:t>
+                      </a:r>
+                      <a:r>
+                        <a:rPr lang="ko-KR" altLang="en-US" sz="1400" b="1" dirty="0"/>
+                        <a:t> </a:t>
+                      </a:r>
+                      <a:r>
+                        <a:rPr lang="en-US" altLang="ko-KR" sz="1400" b="1" dirty="0"/>
+                        <a:t>‘</a:t>
+                      </a:r>
+                      <a:r>
+                        <a:rPr lang="ko-KR" altLang="en-US" sz="1400" b="1" dirty="0"/>
+                        <a:t>장바구니</a:t>
+                      </a:r>
+                      <a:r>
+                        <a:rPr lang="en-US" altLang="ko-KR" sz="1400" b="1" dirty="0"/>
+                        <a:t>’</a:t>
+                      </a:r>
+                      <a:r>
+                        <a:rPr lang="ko-KR" altLang="en-US" sz="1400" b="1" dirty="0"/>
+                        <a:t>에 추가</a:t>
+                      </a:r>
+                      <a:endParaRPr lang="en-US" altLang="ko-KR" sz="1400" b="1" dirty="0"/>
+                    </a:p>
+                    <a:p>
+                      <a:pPr algn="l" latinLnBrk="1"/>
+                      <a:endParaRPr lang="en-US" altLang="ko-KR" sz="1400" dirty="0"/>
+                    </a:p>
+                    <a:p>
+                      <a:pPr marL="285750" indent="-285750" algn="l" latinLnBrk="1">
+                        <a:spcAft>
+                          <a:spcPts val="600"/>
+                        </a:spcAft>
+                        <a:buFont typeface="Arial" panose="020B0604020202020204" pitchFamily="34" charset="0"/>
+                        <a:buChar char="•"/>
+                      </a:pPr>
+                      <a:r>
+                        <a:rPr lang="en-US" altLang="ko-KR" sz="1400" b="1" dirty="0"/>
+                        <a:t>banner</a:t>
+                      </a:r>
+                      <a:r>
+                        <a:rPr lang="ko-KR" altLang="en-US" sz="1400" b="1" dirty="0"/>
+                        <a:t>표시 우선순위</a:t>
+                      </a:r>
+                      <a:endParaRPr lang="en-US" altLang="ko-KR" sz="1400" b="1" dirty="0"/>
+                    </a:p>
+                    <a:p>
+                      <a:pPr marL="0" indent="0" algn="l" latinLnBrk="1">
+                        <a:buFont typeface="Arial" panose="020B0604020202020204" pitchFamily="34" charset="0"/>
+                        <a:buNone/>
+                      </a:pPr>
+                      <a:r>
+                        <a:rPr lang="ko-KR" altLang="en-US" sz="1400" dirty="0"/>
+                        <a:t> </a:t>
+                      </a:r>
+                      <a:r>
+                        <a:rPr lang="en-US" altLang="ko-KR" sz="1400" dirty="0"/>
+                        <a:t>1)</a:t>
+                      </a:r>
+                      <a:r>
+                        <a:rPr lang="ko-KR" altLang="en-US" sz="1400" dirty="0"/>
+                        <a:t> </a:t>
+                      </a:r>
+                      <a:r>
+                        <a:rPr lang="en-US" altLang="ko-KR" sz="1400" dirty="0" err="1"/>
+                        <a:t>my_receipt</a:t>
+                      </a:r>
+                      <a:endParaRPr lang="en-US" altLang="ko-KR" sz="1400" dirty="0"/>
+                    </a:p>
+                    <a:p>
+                      <a:pPr marL="0" indent="0" algn="l" latinLnBrk="1">
+                        <a:buFont typeface="Arial" panose="020B0604020202020204" pitchFamily="34" charset="0"/>
+                        <a:buNone/>
+                      </a:pPr>
+                      <a:r>
+                        <a:rPr lang="en-US" altLang="ko-KR" sz="1400" dirty="0"/>
+                        <a:t> 2) </a:t>
+                      </a:r>
+                      <a:r>
+                        <a:rPr lang="ko-KR" altLang="en-US" sz="1400" dirty="0"/>
+                        <a:t>자주 주문한 </a:t>
+                      </a:r>
+                      <a:r>
+                        <a:rPr lang="en-US" altLang="ko-KR" sz="1400" dirty="0"/>
+                        <a:t>item</a:t>
+                      </a:r>
+                    </a:p>
+                    <a:p>
+                      <a:pPr marL="0" indent="0" algn="l" latinLnBrk="1">
+                        <a:buFont typeface="Arial" panose="020B0604020202020204" pitchFamily="34" charset="0"/>
+                        <a:buNone/>
+                      </a:pPr>
+                      <a:r>
+                        <a:rPr lang="en-US" altLang="ko-KR" sz="1400" dirty="0"/>
+                        <a:t> 3) </a:t>
+                      </a:r>
+                      <a:r>
+                        <a:rPr lang="ko-KR" altLang="en-US" sz="1400" dirty="0"/>
+                        <a:t>추천</a:t>
+                      </a:r>
+                      <a:r>
+                        <a:rPr lang="en-US" altLang="ko-KR" sz="1400" dirty="0"/>
+                        <a:t>.</a:t>
+                      </a:r>
+                    </a:p>
+                    <a:p>
+                      <a:pPr marL="285750" indent="-285750" algn="l" latinLnBrk="1">
+                        <a:spcBef>
+                          <a:spcPts val="600"/>
+                        </a:spcBef>
+                        <a:buFont typeface="Arial" panose="020B0604020202020204" pitchFamily="34" charset="0"/>
+                        <a:buChar char="•"/>
+                      </a:pPr>
+                      <a:r>
+                        <a:rPr lang="en-US" altLang="ko-KR" sz="1400" b="1" dirty="0"/>
+                        <a:t>banner</a:t>
+                      </a:r>
+                      <a:r>
+                        <a:rPr lang="ko-KR" altLang="en-US" sz="1400" b="1" dirty="0"/>
+                        <a:t>의 개수는 </a:t>
+                      </a:r>
+                      <a:r>
+                        <a:rPr lang="en-US" altLang="ko-KR" sz="1400" b="1" dirty="0"/>
+                        <a:t>5</a:t>
+                      </a:r>
+                      <a:r>
+                        <a:rPr lang="ko-KR" altLang="en-US" sz="1400" b="1" dirty="0"/>
+                        <a:t>개로 구성</a:t>
+                      </a:r>
+                      <a:r>
+                        <a:rPr lang="en-US" altLang="ko-KR" sz="1400" b="1" dirty="0"/>
+                        <a:t>.</a:t>
+                      </a:r>
+                      <a:endParaRPr lang="en-US" altLang="ko-KR" sz="1400" dirty="0"/>
+                    </a:p>
+                    <a:p>
+                      <a:pPr marL="285750" indent="-285750" algn="l" latinLnBrk="1">
+                        <a:spcBef>
+                          <a:spcPts val="600"/>
+                        </a:spcBef>
+                        <a:buFont typeface="Arial" panose="020B0604020202020204" pitchFamily="34" charset="0"/>
+                        <a:buChar char="•"/>
+                      </a:pPr>
+                      <a:r>
+                        <a:rPr lang="ko-KR" altLang="en-US" sz="1400" b="1" dirty="0"/>
+                        <a:t>예외 </a:t>
+                      </a:r>
+                      <a:r>
+                        <a:rPr lang="en-US" altLang="ko-KR" sz="1400" b="1" dirty="0"/>
+                        <a:t>: 3)</a:t>
+                      </a:r>
+                      <a:r>
+                        <a:rPr lang="ko-KR" altLang="en-US" sz="1400" b="1" dirty="0"/>
+                        <a:t> 추천 </a:t>
+                      </a:r>
+                      <a:r>
+                        <a:rPr lang="en-US" altLang="ko-KR" sz="1400" b="1" dirty="0"/>
+                        <a:t>item</a:t>
+                      </a:r>
+                      <a:r>
+                        <a:rPr lang="ko-KR" altLang="en-US" sz="1400" b="1" dirty="0"/>
+                        <a:t>의 경우 클릭 시 옵션 설정 화면으로 이동</a:t>
+                      </a:r>
+                      <a:endParaRPr lang="en-US" altLang="ko-KR" sz="1400" dirty="0"/>
+                    </a:p>
+                    <a:p>
+                      <a:pPr marL="285750" indent="-285750" algn="l" latinLnBrk="1">
+                        <a:spcBef>
+                          <a:spcPts val="600"/>
+                        </a:spcBef>
+                        <a:spcAft>
+                          <a:spcPts val="600"/>
+                        </a:spcAft>
+                        <a:buFont typeface="Arial" panose="020B0604020202020204" pitchFamily="34" charset="0"/>
+                        <a:buChar char="•"/>
+                      </a:pPr>
+                      <a:r>
+                        <a:rPr lang="en-US" altLang="ko-KR" sz="1400" b="1" dirty="0"/>
+                        <a:t>Banner</a:t>
+                      </a:r>
+                      <a:r>
+                        <a:rPr lang="ko-KR" altLang="en-US" sz="1400" b="1" dirty="0"/>
+                        <a:t>에 표시되는 </a:t>
+                      </a:r>
+                      <a:r>
+                        <a:rPr lang="en-US" altLang="ko-KR" sz="1400" b="1" dirty="0"/>
+                        <a:t>item</a:t>
+                      </a:r>
+                      <a:r>
+                        <a:rPr lang="ko-KR" altLang="en-US" sz="1400" b="1" dirty="0"/>
+                        <a:t> 규칙</a:t>
+                      </a:r>
+                      <a:endParaRPr lang="en-US" altLang="ko-KR" sz="1400" b="1" dirty="0"/>
+                    </a:p>
+                    <a:p>
+                      <a:pPr marL="0" indent="0" algn="l" latinLnBrk="1">
+                        <a:buFont typeface="Arial" panose="020B0604020202020204" pitchFamily="34" charset="0"/>
+                        <a:buNone/>
+                      </a:pPr>
+                      <a:r>
+                        <a:rPr lang="ko-KR" altLang="en-US" sz="1400" dirty="0" err="1"/>
+                        <a:t>ㅁ</a:t>
+                      </a:r>
+                      <a:r>
+                        <a:rPr lang="en-US" altLang="ko-KR" sz="1400" dirty="0"/>
+                        <a:t> </a:t>
+                      </a:r>
+                      <a:r>
+                        <a:rPr lang="ko-KR" altLang="en-US" sz="1400" dirty="0"/>
+                        <a:t>개인 주문 </a:t>
+                      </a:r>
+                      <a:r>
+                        <a:rPr lang="en-US" altLang="ko-KR" sz="1400" dirty="0"/>
+                        <a:t>DB</a:t>
+                      </a:r>
+                      <a:r>
+                        <a:rPr lang="ko-KR" altLang="en-US" sz="1400" dirty="0"/>
+                        <a:t>가 없는 경우</a:t>
+                      </a:r>
+                      <a:r>
+                        <a:rPr lang="en-US" altLang="ko-KR" sz="1400" dirty="0"/>
+                        <a:t>(</a:t>
+                      </a:r>
+                      <a:r>
+                        <a:rPr lang="ko-KR" altLang="en-US" sz="1400" dirty="0"/>
+                        <a:t>최초 이용 시</a:t>
+                      </a:r>
+                      <a:r>
+                        <a:rPr lang="en-US" altLang="ko-KR" sz="1400" dirty="0"/>
+                        <a:t>) </a:t>
+                      </a:r>
+                      <a:r>
+                        <a:rPr lang="ko-KR" altLang="en-US" sz="1400" dirty="0"/>
+                        <a:t>추천 </a:t>
+                      </a:r>
+                      <a:r>
+                        <a:rPr lang="en-US" altLang="ko-KR" sz="1400" dirty="0"/>
+                        <a:t>item</a:t>
+                      </a:r>
+                      <a:r>
+                        <a:rPr lang="ko-KR" altLang="en-US" sz="1400" dirty="0"/>
+                        <a:t> </a:t>
+                      </a:r>
+                      <a:r>
+                        <a:rPr lang="en-US" altLang="ko-KR" sz="1400" dirty="0"/>
+                        <a:t>5</a:t>
+                      </a:r>
+                      <a:r>
+                        <a:rPr lang="ko-KR" altLang="en-US" sz="1400" dirty="0"/>
+                        <a:t>개 구성</a:t>
+                      </a:r>
+                      <a:r>
+                        <a:rPr lang="en-US" altLang="ko-KR" sz="1400" dirty="0"/>
+                        <a:t>. </a:t>
+                      </a:r>
+                    </a:p>
+                    <a:p>
+                      <a:pPr marL="0" marR="0" lvl="0" indent="0" algn="l" defTabSz="914400" rtl="0" eaLnBrk="1" fontAlgn="auto" latinLnBrk="1" hangingPunct="1">
+                        <a:lnSpc>
+                          <a:spcPct val="100000"/>
+                        </a:lnSpc>
+                        <a:spcBef>
+                          <a:spcPts val="0"/>
+                        </a:spcBef>
+                        <a:spcAft>
+                          <a:spcPts val="0"/>
+                        </a:spcAft>
+                        <a:buClrTx/>
+                        <a:buSzTx/>
+                        <a:buFont typeface="Arial" panose="020B0604020202020204" pitchFamily="34" charset="0"/>
+                        <a:buNone/>
+                        <a:tabLst/>
+                        <a:defRPr/>
+                      </a:pPr>
+                      <a:r>
+                        <a:rPr lang="ko-KR" altLang="en-US" sz="1400" dirty="0"/>
+                        <a:t>   이 때</a:t>
+                      </a:r>
+                      <a:r>
+                        <a:rPr lang="en-US" altLang="ko-KR" sz="1400" dirty="0"/>
+                        <a:t>, </a:t>
+                      </a:r>
+                      <a:r>
+                        <a:rPr lang="ko-KR" altLang="en-US" sz="1400" dirty="0"/>
+                        <a:t>추천</a:t>
+                      </a:r>
+                      <a:r>
+                        <a:rPr lang="en-US" altLang="ko-KR" sz="1400" dirty="0"/>
+                        <a:t>item</a:t>
+                      </a:r>
+                      <a:r>
+                        <a:rPr lang="ko-KR" altLang="en-US" sz="1400" dirty="0"/>
+                        <a:t>의 경우 카테고리 별 최다 판매 </a:t>
+                      </a:r>
+                      <a:r>
+                        <a:rPr lang="en-US" altLang="ko-KR" sz="1400" dirty="0"/>
+                        <a:t>item</a:t>
+                      </a:r>
+                      <a:r>
+                        <a:rPr lang="ko-KR" altLang="en-US" sz="1400" dirty="0"/>
+                        <a:t>으로 구성한다</a:t>
+                      </a:r>
+                      <a:r>
+                        <a:rPr lang="en-US" altLang="ko-KR" sz="1400" dirty="0"/>
+                        <a:t>.     </a:t>
+                      </a:r>
+                    </a:p>
+                    <a:p>
+                      <a:pPr marL="0" marR="0" lvl="0" indent="0" algn="l" defTabSz="914400" rtl="0" eaLnBrk="1" fontAlgn="auto" latinLnBrk="1" hangingPunct="1">
+                        <a:lnSpc>
+                          <a:spcPct val="100000"/>
+                        </a:lnSpc>
+                        <a:spcBef>
+                          <a:spcPts val="0"/>
+                        </a:spcBef>
+                        <a:spcAft>
+                          <a:spcPts val="0"/>
+                        </a:spcAft>
+                        <a:buClrTx/>
+                        <a:buSzTx/>
+                        <a:buFont typeface="Arial" panose="020B0604020202020204" pitchFamily="34" charset="0"/>
+                        <a:buNone/>
+                        <a:tabLst/>
+                        <a:defRPr/>
+                      </a:pPr>
+                      <a:r>
+                        <a:rPr lang="en-US" altLang="ko-KR" sz="1400" dirty="0"/>
+                        <a:t>   BackOffice </a:t>
+                      </a:r>
+                      <a:r>
+                        <a:rPr lang="ko-KR" altLang="en-US" sz="1400" dirty="0"/>
+                        <a:t>내 매출관리와의 연계</a:t>
+                      </a:r>
+                      <a:r>
+                        <a:rPr lang="en-US" altLang="ko-KR" sz="1400" dirty="0"/>
+                        <a:t>?</a:t>
+                      </a:r>
+                      <a:r>
+                        <a:rPr lang="ko-KR" altLang="en-US" sz="1400" dirty="0"/>
+                        <a:t>연동</a:t>
+                      </a:r>
+                      <a:r>
+                        <a:rPr lang="en-US" altLang="ko-KR" sz="1400" dirty="0"/>
+                        <a:t>? Interactive?</a:t>
+                      </a:r>
+                      <a:r>
+                        <a:rPr lang="ko-KR" altLang="en-US" sz="1400" dirty="0"/>
+                        <a:t>상호작용</a:t>
+                      </a:r>
+                      <a:r>
+                        <a:rPr lang="en-US" altLang="ko-KR" sz="1400" dirty="0"/>
+                        <a:t>?</a:t>
+                      </a:r>
+                    </a:p>
+                    <a:p>
+                      <a:pPr marL="0" indent="0" algn="just" latinLnBrk="1">
+                        <a:buFont typeface="Arial" panose="020B0604020202020204" pitchFamily="34" charset="0"/>
+                        <a:buNone/>
+                      </a:pPr>
+                      <a:r>
+                        <a:rPr lang="en-US" altLang="ko-KR" sz="1200" dirty="0"/>
+                        <a:t>    (ex.</a:t>
+                      </a:r>
+                      <a:r>
+                        <a:rPr lang="ko-KR" altLang="en-US" sz="1200" dirty="0"/>
+                        <a:t> 커피</a:t>
+                      </a:r>
+                      <a:r>
+                        <a:rPr lang="en-US" altLang="ko-KR" sz="1200" dirty="0"/>
+                        <a:t>-</a:t>
+                      </a:r>
+                      <a:r>
+                        <a:rPr lang="ko-KR" altLang="en-US" sz="1200" dirty="0"/>
+                        <a:t>아메리카노</a:t>
+                      </a:r>
+                      <a:r>
+                        <a:rPr lang="en-US" altLang="ko-KR" sz="1200" dirty="0"/>
+                        <a:t>, </a:t>
+                      </a:r>
+                      <a:r>
+                        <a:rPr lang="ko-KR" altLang="en-US" sz="1200" dirty="0" err="1"/>
+                        <a:t>논커피</a:t>
+                      </a:r>
+                      <a:r>
+                        <a:rPr lang="en-US" altLang="ko-KR" sz="1200" dirty="0"/>
+                        <a:t>-</a:t>
+                      </a:r>
+                      <a:r>
+                        <a:rPr lang="ko-KR" altLang="en-US" sz="1200" dirty="0"/>
+                        <a:t>에이드</a:t>
+                      </a:r>
+                      <a:r>
+                        <a:rPr lang="en-US" altLang="ko-KR" sz="1200" dirty="0"/>
+                        <a:t>, </a:t>
+                      </a:r>
+                      <a:r>
+                        <a:rPr lang="ko-KR" altLang="en-US" sz="1200" dirty="0"/>
+                        <a:t>티</a:t>
+                      </a:r>
+                      <a:r>
+                        <a:rPr lang="en-US" altLang="ko-KR" sz="1200" dirty="0"/>
+                        <a:t>-</a:t>
+                      </a:r>
+                      <a:r>
+                        <a:rPr lang="ko-KR" altLang="en-US" sz="1200" dirty="0" err="1"/>
+                        <a:t>카모마일</a:t>
+                      </a:r>
+                      <a:r>
+                        <a:rPr lang="en-US" altLang="ko-KR" sz="1200" dirty="0"/>
+                        <a:t>, </a:t>
+                      </a:r>
+                      <a:r>
+                        <a:rPr lang="ko-KR" altLang="en-US" sz="1200" dirty="0" err="1"/>
+                        <a:t>브레드</a:t>
+                      </a:r>
+                      <a:r>
+                        <a:rPr lang="en-US" altLang="ko-KR" sz="1200" dirty="0"/>
+                        <a:t>-</a:t>
+                      </a:r>
+                      <a:r>
+                        <a:rPr lang="ko-KR" altLang="en-US" sz="1200" dirty="0" err="1"/>
+                        <a:t>마들렌</a:t>
+                      </a:r>
+                      <a:r>
+                        <a:rPr lang="en-US" altLang="ko-KR" sz="1200" dirty="0"/>
+                        <a:t>)</a:t>
+                      </a:r>
+                      <a:endParaRPr lang="en-US" altLang="ko-KR" sz="1400" dirty="0"/>
+                    </a:p>
+                    <a:p>
+                      <a:pPr marL="0" indent="0" algn="l" latinLnBrk="1">
+                        <a:spcBef>
+                          <a:spcPts val="0"/>
+                        </a:spcBef>
+                        <a:spcAft>
+                          <a:spcPts val="600"/>
+                        </a:spcAft>
+                        <a:buFont typeface="Arial" panose="020B0604020202020204" pitchFamily="34" charset="0"/>
+                        <a:buNone/>
+                      </a:pPr>
+                      <a:r>
+                        <a:rPr lang="ko-KR" altLang="en-US" sz="1200" dirty="0"/>
+                        <a:t>    </a:t>
+                      </a:r>
+                      <a:r>
+                        <a:rPr lang="ko-KR" altLang="en-US" sz="1200" b="1" dirty="0"/>
+                        <a:t>추가</a:t>
+                      </a:r>
+                      <a:r>
+                        <a:rPr lang="en-US" altLang="ko-KR" sz="1200" b="1" dirty="0"/>
+                        <a:t>) </a:t>
+                      </a:r>
+                      <a:r>
+                        <a:rPr lang="ko-KR" altLang="en-US" sz="1200" b="1" dirty="0"/>
+                        <a:t>만약 카테고리가 </a:t>
+                      </a:r>
+                      <a:r>
+                        <a:rPr lang="en-US" altLang="ko-KR" sz="1200" b="1" dirty="0"/>
+                        <a:t>4</a:t>
+                      </a:r>
+                      <a:r>
+                        <a:rPr lang="ko-KR" altLang="en-US" sz="1200" b="1" dirty="0"/>
+                        <a:t>개일 시 커피 </a:t>
+                      </a:r>
+                      <a:r>
+                        <a:rPr lang="en-US" altLang="ko-KR" sz="1200" b="1" dirty="0"/>
+                        <a:t>item</a:t>
+                      </a:r>
+                      <a:r>
+                        <a:rPr lang="ko-KR" altLang="en-US" sz="1200" b="1" dirty="0"/>
+                        <a:t>를 </a:t>
+                      </a:r>
+                      <a:r>
+                        <a:rPr lang="en-US" altLang="ko-KR" sz="1200" b="1" dirty="0"/>
+                        <a:t>2</a:t>
+                      </a:r>
+                      <a:r>
+                        <a:rPr lang="ko-KR" altLang="en-US" sz="1200" b="1" dirty="0"/>
+                        <a:t>개 추천한다</a:t>
+                      </a:r>
+                      <a:endParaRPr lang="en-US" altLang="ko-KR" sz="1400" b="1" dirty="0"/>
+                    </a:p>
+                    <a:p>
+                      <a:pPr marL="0" indent="0" algn="l" latinLnBrk="1">
+                        <a:spcBef>
+                          <a:spcPts val="600"/>
+                        </a:spcBef>
+                        <a:spcAft>
+                          <a:spcPts val="400"/>
+                        </a:spcAft>
+                        <a:buFont typeface="Arial" panose="020B0604020202020204" pitchFamily="34" charset="0"/>
+                        <a:buNone/>
+                      </a:pPr>
+                      <a:r>
+                        <a:rPr lang="ko-KR" altLang="en-US" sz="1400" dirty="0" err="1"/>
+                        <a:t>ㅁ</a:t>
+                      </a:r>
+                      <a:r>
+                        <a:rPr lang="ko-KR" altLang="en-US" sz="1400" dirty="0"/>
+                        <a:t> </a:t>
+                      </a:r>
+                      <a:r>
+                        <a:rPr lang="en-US" altLang="ko-KR" sz="1400" dirty="0"/>
+                        <a:t>5</a:t>
+                      </a:r>
+                      <a:r>
+                        <a:rPr lang="ko-KR" altLang="en-US" sz="1400" dirty="0"/>
+                        <a:t>개의 구성 </a:t>
+                      </a:r>
+                      <a:endParaRPr lang="en-US" altLang="ko-KR" sz="1400" dirty="0"/>
+                    </a:p>
+                    <a:p>
+                      <a:pPr marL="0" indent="0" algn="l" latinLnBrk="1">
+                        <a:spcAft>
+                          <a:spcPts val="200"/>
+                        </a:spcAft>
+                        <a:buFont typeface="Arial" panose="020B0604020202020204" pitchFamily="34" charset="0"/>
+                        <a:buNone/>
+                      </a:pPr>
+                      <a:r>
+                        <a:rPr lang="en-US" altLang="ko-KR" sz="1400" dirty="0"/>
+                        <a:t> - 1</a:t>
+                      </a:r>
+                      <a:r>
+                        <a:rPr lang="ko-KR" altLang="en-US" sz="1400" dirty="0"/>
+                        <a:t>번 </a:t>
+                      </a:r>
+                      <a:r>
+                        <a:rPr lang="en-US" altLang="ko-KR" sz="1400" dirty="0"/>
+                        <a:t>: </a:t>
+                      </a:r>
+                      <a:r>
+                        <a:rPr lang="en-US" altLang="ko-KR" sz="1400" dirty="0" err="1"/>
+                        <a:t>my_receipt</a:t>
+                      </a:r>
+                      <a:r>
+                        <a:rPr lang="ko-KR" altLang="en-US" sz="1400" dirty="0"/>
+                        <a:t> 중 최다 주문 </a:t>
+                      </a:r>
+                      <a:r>
+                        <a:rPr lang="en-US" altLang="ko-KR" sz="1400" dirty="0"/>
+                        <a:t>item</a:t>
+                      </a:r>
+                      <a:r>
+                        <a:rPr lang="ko-KR" altLang="en-US" sz="1400" dirty="0"/>
+                        <a:t> </a:t>
+                      </a:r>
+                      <a:r>
+                        <a:rPr lang="en-US" altLang="ko-KR" sz="1400" dirty="0"/>
+                        <a:t>1</a:t>
+                      </a:r>
+                      <a:r>
+                        <a:rPr lang="ko-KR" altLang="en-US" sz="1400" dirty="0"/>
+                        <a:t>개</a:t>
+                      </a:r>
+                      <a:endParaRPr lang="en-US" altLang="ko-KR" sz="1400" dirty="0"/>
+                    </a:p>
+                    <a:p>
+                      <a:pPr marL="0" indent="0" algn="l" latinLnBrk="1">
+                        <a:buFont typeface="Arial" panose="020B0604020202020204" pitchFamily="34" charset="0"/>
+                        <a:buNone/>
+                      </a:pPr>
+                      <a:r>
+                        <a:rPr lang="en-US" altLang="ko-KR" sz="1400" dirty="0"/>
+                        <a:t> - 2,3</a:t>
+                      </a:r>
+                      <a:r>
+                        <a:rPr lang="ko-KR" altLang="en-US" sz="1400" dirty="0"/>
+                        <a:t>번 </a:t>
+                      </a:r>
+                      <a:r>
+                        <a:rPr lang="en-US" altLang="ko-KR" sz="1400" dirty="0"/>
+                        <a:t>: </a:t>
+                      </a:r>
+                      <a:r>
+                        <a:rPr lang="ko-KR" altLang="en-US" sz="1400" dirty="0"/>
+                        <a:t>개인 </a:t>
+                      </a:r>
+                      <a:r>
+                        <a:rPr lang="en-US" altLang="ko-KR" sz="1400" dirty="0"/>
+                        <a:t>DB</a:t>
+                      </a:r>
+                      <a:r>
+                        <a:rPr lang="ko-KR" altLang="en-US" sz="1400" dirty="0"/>
+                        <a:t>내 최다 주문 </a:t>
+                      </a:r>
+                      <a:r>
+                        <a:rPr lang="en-US" altLang="ko-KR" sz="1400" dirty="0"/>
+                        <a:t>item</a:t>
+                      </a:r>
+                      <a:r>
+                        <a:rPr lang="ko-KR" altLang="en-US" sz="1400" dirty="0"/>
+                        <a:t> </a:t>
+                      </a:r>
+                      <a:r>
+                        <a:rPr lang="en-US" altLang="ko-KR" sz="1400" dirty="0"/>
+                        <a:t>2</a:t>
+                      </a:r>
+                      <a:r>
+                        <a:rPr lang="ko-KR" altLang="en-US" sz="1400" dirty="0"/>
+                        <a:t>개</a:t>
+                      </a:r>
+                      <a:endParaRPr lang="en-US" altLang="ko-KR" sz="1400" dirty="0"/>
+                    </a:p>
+                    <a:p>
+                      <a:pPr marL="0" indent="0" algn="l" latinLnBrk="1">
+                        <a:spcAft>
+                          <a:spcPts val="200"/>
+                        </a:spcAft>
+                        <a:buFont typeface="Arial" panose="020B0604020202020204" pitchFamily="34" charset="0"/>
+                        <a:buNone/>
+                      </a:pPr>
+                      <a:r>
+                        <a:rPr lang="en-US" altLang="ko-KR" sz="1100" dirty="0"/>
+                        <a:t>    (</a:t>
+                      </a:r>
+                      <a:r>
+                        <a:rPr lang="ko-KR" altLang="en-US" sz="1100" dirty="0"/>
+                        <a:t>하트 누른 메뉴가 없을 시</a:t>
+                      </a:r>
+                      <a:r>
+                        <a:rPr lang="en-US" altLang="ko-KR" sz="1100" dirty="0"/>
+                        <a:t>, </a:t>
+                      </a:r>
+                      <a:r>
+                        <a:rPr lang="ko-KR" altLang="en-US" sz="1100" dirty="0"/>
+                        <a:t>최다 주문 메뉴 </a:t>
+                      </a:r>
+                      <a:r>
+                        <a:rPr lang="en-US" altLang="ko-KR" sz="1100" dirty="0"/>
+                        <a:t>3</a:t>
+                      </a:r>
+                      <a:r>
+                        <a:rPr lang="ko-KR" altLang="en-US" sz="1100" dirty="0"/>
+                        <a:t>개를 </a:t>
+                      </a:r>
+                      <a:r>
+                        <a:rPr lang="en-US" altLang="ko-KR" sz="1100" dirty="0"/>
+                        <a:t>1,2,3</a:t>
+                      </a:r>
+                      <a:r>
+                        <a:rPr lang="ko-KR" altLang="en-US" sz="1100" dirty="0"/>
+                        <a:t>번으로 노출</a:t>
+                      </a:r>
+                      <a:r>
+                        <a:rPr lang="en-US" altLang="ko-KR" sz="1100" dirty="0"/>
+                        <a:t>)</a:t>
+                      </a:r>
+                      <a:endParaRPr lang="en-US" altLang="ko-KR" sz="1400" dirty="0"/>
+                    </a:p>
+                    <a:p>
+                      <a:pPr marL="0" indent="0" algn="l" latinLnBrk="1">
+                        <a:buFont typeface="Arial" panose="020B0604020202020204" pitchFamily="34" charset="0"/>
+                        <a:buNone/>
+                      </a:pPr>
+                      <a:r>
+                        <a:rPr lang="en-US" altLang="ko-KR" sz="1400" dirty="0"/>
+                        <a:t> - 4,5</a:t>
+                      </a:r>
+                      <a:r>
+                        <a:rPr lang="ko-KR" altLang="en-US" sz="1400" dirty="0"/>
+                        <a:t>번 </a:t>
+                      </a:r>
+                      <a:r>
+                        <a:rPr lang="en-US" altLang="ko-KR" sz="1400" dirty="0"/>
+                        <a:t>: </a:t>
+                      </a:r>
+                      <a:r>
+                        <a:rPr lang="ko-KR" altLang="en-US" sz="1400" dirty="0"/>
+                        <a:t>추천</a:t>
+                      </a:r>
+                      <a:r>
+                        <a:rPr lang="en-US" altLang="ko-KR" sz="1400" dirty="0"/>
+                        <a:t>item </a:t>
+                      </a:r>
+                      <a:r>
+                        <a:rPr lang="en-US" altLang="ko-KR" sz="1100" dirty="0"/>
+                        <a:t>(</a:t>
+                      </a:r>
+                      <a:r>
+                        <a:rPr lang="ko-KR" altLang="en-US" sz="1100" dirty="0"/>
+                        <a:t>추천은 </a:t>
+                      </a:r>
+                      <a:r>
+                        <a:rPr lang="en-US" altLang="ko-KR" sz="1100" dirty="0"/>
+                        <a:t>BackOffice</a:t>
+                      </a:r>
+                      <a:r>
+                        <a:rPr lang="ko-KR" altLang="en-US" sz="1100" dirty="0"/>
+                        <a:t>에서 설정할 수 있도록 </a:t>
+                      </a:r>
+                      <a:r>
+                        <a:rPr lang="en-US" altLang="ko-KR" sz="1100" dirty="0"/>
+                        <a:t>BackOffice </a:t>
+                      </a:r>
+                      <a:r>
+                        <a:rPr lang="ko-KR" altLang="en-US" sz="1100" dirty="0"/>
+                        <a:t>기획</a:t>
+                      </a:r>
+                      <a:r>
+                        <a:rPr lang="en-US" altLang="ko-KR" sz="1100" dirty="0"/>
+                        <a:t>)</a:t>
+                      </a:r>
+                    </a:p>
+                    <a:p>
+                      <a:pPr marL="0" indent="0" algn="l" latinLnBrk="1">
+                        <a:buFont typeface="Arial" panose="020B0604020202020204" pitchFamily="34" charset="0"/>
+                        <a:buNone/>
+                      </a:pPr>
+                      <a:r>
+                        <a:rPr lang="en-US" altLang="ko-KR" sz="1200" dirty="0"/>
+                        <a:t> - </a:t>
+                      </a:r>
+                      <a:r>
+                        <a:rPr lang="ko-KR" altLang="en-US" sz="1200" dirty="0"/>
+                        <a:t>추가</a:t>
+                      </a:r>
+                      <a:r>
+                        <a:rPr lang="en-US" altLang="ko-KR" sz="1200" dirty="0"/>
+                        <a:t> </a:t>
+                      </a:r>
+                      <a:r>
+                        <a:rPr lang="ko-KR" altLang="en-US" sz="1200" dirty="0"/>
+                        <a:t>예시</a:t>
+                      </a:r>
+                      <a:r>
+                        <a:rPr lang="en-US" altLang="ko-KR" sz="1200" dirty="0"/>
+                        <a:t>) </a:t>
+                      </a:r>
+                      <a:r>
+                        <a:rPr lang="ko-KR" altLang="en-US" sz="1200" dirty="0"/>
+                        <a:t>최다 주문 메뉴가 </a:t>
+                      </a:r>
+                      <a:r>
+                        <a:rPr lang="en-US" altLang="ko-KR" sz="1200" dirty="0"/>
+                        <a:t>1</a:t>
+                      </a:r>
+                      <a:r>
+                        <a:rPr lang="ko-KR" altLang="en-US" sz="1200" dirty="0"/>
+                        <a:t>개 일 때</a:t>
+                      </a:r>
+                      <a:r>
+                        <a:rPr lang="en-US" altLang="ko-KR" sz="1200" dirty="0"/>
+                        <a:t>, 1</a:t>
+                      </a:r>
+                      <a:r>
+                        <a:rPr lang="ko-KR" altLang="en-US" sz="1200" dirty="0"/>
+                        <a:t>개 최다 주문</a:t>
+                      </a:r>
+                      <a:r>
+                        <a:rPr lang="en-US" altLang="ko-KR" sz="1200" dirty="0"/>
+                        <a:t>/4</a:t>
+                      </a:r>
+                      <a:r>
+                        <a:rPr lang="ko-KR" altLang="en-US" sz="1200" dirty="0"/>
+                        <a:t>개 추천으로 구성</a:t>
+                      </a:r>
+                      <a:r>
+                        <a:rPr lang="en-US" altLang="ko-KR" sz="1200" dirty="0"/>
+                        <a:t>  </a:t>
+                      </a:r>
+                      <a:endParaRPr lang="en-US" altLang="ko-KR" sz="1600" dirty="0"/>
+                    </a:p>
+                  </a:txBody>
+                  <a:tcPr marB="36000" anchor="ctr">
+                    <a:solidFill>
+                      <a:srgbClr val="EEEEEE"/>
+                    </a:solidFill>
+                  </a:tcPr>
+                </a:tc>
+                <a:extLst>
+                  <a:ext uri="{0D108BD9-81ED-4DB2-BD59-A6C34878D82A}">
+                    <a16:rowId xmlns:a16="http://schemas.microsoft.com/office/drawing/2014/main" val="3980466668"/>
+                  </a:ext>
+                </a:extLst>
+              </a:tr>
+            </a:tbl>
+          </a:graphicData>
+        </a:graphic>
+      </p:graphicFrame>
+      <p:grpSp>
+        <p:nvGrpSpPr>
+          <p:cNvPr id="2" name="그룹 1">
+            <a:extLst>
+              <a:ext uri="{FF2B5EF4-FFF2-40B4-BE49-F238E27FC236}">
+                <a16:creationId xmlns:a16="http://schemas.microsoft.com/office/drawing/2014/main" id="{83D770D0-33EC-4DE7-A038-7E5D710A3C14}"/>
+              </a:ext>
+            </a:extLst>
+          </p:cNvPr>
+          <p:cNvGrpSpPr/>
+          <p:nvPr/>
+        </p:nvGrpSpPr>
+        <p:grpSpPr>
+          <a:xfrm>
+            <a:off x="1124943" y="2046606"/>
+            <a:ext cx="3326187" cy="3516923"/>
+            <a:chOff x="1714381" y="2572377"/>
+            <a:chExt cx="2635663" cy="2786802"/>
+          </a:xfrm>
+        </p:grpSpPr>
+        <p:pic>
+          <p:nvPicPr>
+            <p:cNvPr id="5" name="그래픽 4">
+              <a:extLst>
+                <a:ext uri="{FF2B5EF4-FFF2-40B4-BE49-F238E27FC236}">
+                  <a16:creationId xmlns:a16="http://schemas.microsoft.com/office/drawing/2014/main" id="{464C3065-FB79-43A7-BD05-A933A90EF06C}"/>
+                </a:ext>
+              </a:extLst>
+            </p:cNvPr>
+            <p:cNvPicPr>
+              <a:picLocks noChangeAspect="1"/>
+            </p:cNvPicPr>
+            <p:nvPr/>
+          </p:nvPicPr>
+          <p:blipFill>
+            <a:blip r:embed="rId3">
+              <a:extLst>
+                <a:ext uri="{96DAC541-7B7A-43D3-8B79-37D633B846F1}">
+                  <asvg:svgBlip xmlns:asvg="http://schemas.microsoft.com/office/drawing/2016/SVG/main" r:embed="rId4"/>
+                </a:ext>
+              </a:extLst>
+            </a:blip>
+            <a:stretch>
+              <a:fillRect/>
+            </a:stretch>
+          </p:blipFill>
+          <p:spPr>
+            <a:xfrm>
+              <a:off x="1751460" y="2572377"/>
+              <a:ext cx="2598584" cy="2756658"/>
+            </a:xfrm>
+            <a:prstGeom prst="rect">
+              <a:avLst/>
+            </a:prstGeom>
+          </p:spPr>
+        </p:pic>
+        <p:pic>
+          <p:nvPicPr>
+            <p:cNvPr id="10" name="그래픽 9">
+              <a:extLst>
+                <a:ext uri="{FF2B5EF4-FFF2-40B4-BE49-F238E27FC236}">
+                  <a16:creationId xmlns:a16="http://schemas.microsoft.com/office/drawing/2014/main" id="{3050E424-1F84-4334-8457-E6CBAAE979D5}"/>
+                </a:ext>
+              </a:extLst>
+            </p:cNvPr>
+            <p:cNvPicPr>
+              <a:picLocks noChangeAspect="1"/>
+            </p:cNvPicPr>
+            <p:nvPr/>
+          </p:nvPicPr>
+          <p:blipFill rotWithShape="1">
+            <a:blip r:embed="rId5">
+              <a:extLst>
+                <a:ext uri="{96DAC541-7B7A-43D3-8B79-37D633B846F1}">
+                  <asvg:svgBlip xmlns:asvg="http://schemas.microsoft.com/office/drawing/2016/SVG/main" r:embed="rId6"/>
+                </a:ext>
+              </a:extLst>
+            </a:blip>
+            <a:srcRect l="-1353" t="27007" r="1353" b="24001"/>
+            <a:stretch/>
+          </p:blipFill>
+          <p:spPr>
+            <a:xfrm>
+              <a:off x="1740352" y="2602522"/>
+              <a:ext cx="2598584" cy="2756657"/>
+            </a:xfrm>
+            <a:prstGeom prst="rect">
+              <a:avLst/>
+            </a:prstGeom>
+            <a:effectLst>
+              <a:outerShdw blurRad="50800" dist="38100" dir="2700000" algn="tl" rotWithShape="0">
+                <a:prstClr val="black">
+                  <a:alpha val="40000"/>
+                </a:prstClr>
+              </a:outerShdw>
+            </a:effectLst>
+          </p:spPr>
+        </p:pic>
+        <p:sp>
+          <p:nvSpPr>
+            <p:cNvPr id="18" name="타원 17">
+              <a:extLst>
+                <a:ext uri="{FF2B5EF4-FFF2-40B4-BE49-F238E27FC236}">
+                  <a16:creationId xmlns:a16="http://schemas.microsoft.com/office/drawing/2014/main" id="{154AD04F-BFAF-4627-9959-D598A8DA90FE}"/>
+                </a:ext>
+              </a:extLst>
+            </p:cNvPr>
+            <p:cNvSpPr/>
+            <p:nvPr/>
+          </p:nvSpPr>
+          <p:spPr>
+            <a:xfrm>
+              <a:off x="1846968" y="2661084"/>
+              <a:ext cx="248400" cy="237600"/>
+            </a:xfrm>
+            <a:prstGeom prst="ellipse">
+              <a:avLst/>
+            </a:prstGeom>
+            <a:solidFill>
+              <a:srgbClr val="FF6600"/>
+            </a:solidFill>
+            <a:ln>
+              <a:noFill/>
+            </a:ln>
+          </p:spPr>
+          <p:style>
+            <a:lnRef idx="2">
+              <a:schemeClr val="accent1">
+                <a:shade val="50000"/>
+              </a:schemeClr>
+            </a:lnRef>
+            <a:fillRef idx="1">
+              <a:schemeClr val="accent1"/>
+            </a:fillRef>
+            <a:effectRef idx="0">
+              <a:schemeClr val="accent1"/>
+            </a:effectRef>
+            <a:fontRef idx="minor">
+              <a:schemeClr val="lt1"/>
+            </a:fontRef>
+          </p:style>
+          <p:txBody>
+            <a:bodyPr rtlCol="0" anchor="ctr"/>
+            <a:lstStyle/>
+            <a:p>
+              <a:pPr algn="ctr"/>
+              <a:r>
+                <a:rPr lang="en-US" altLang="ko-KR" sz="1400" dirty="0">
+                  <a:solidFill>
+                    <a:schemeClr val="bg1"/>
+                  </a:solidFill>
+                </a:rPr>
+                <a:t>6</a:t>
+              </a:r>
+              <a:endParaRPr lang="ko-KR" altLang="en-US" sz="1400" dirty="0">
+                <a:solidFill>
+                  <a:schemeClr val="bg1"/>
+                </a:solidFill>
+              </a:endParaRPr>
+            </a:p>
+          </p:txBody>
+        </p:sp>
+        <p:sp>
+          <p:nvSpPr>
+            <p:cNvPr id="26" name="타원 25">
+              <a:extLst>
+                <a:ext uri="{FF2B5EF4-FFF2-40B4-BE49-F238E27FC236}">
+                  <a16:creationId xmlns:a16="http://schemas.microsoft.com/office/drawing/2014/main" id="{8771D7E9-069D-43C3-A2B2-927CE5D87781}"/>
+                </a:ext>
+              </a:extLst>
+            </p:cNvPr>
+            <p:cNvSpPr/>
+            <p:nvPr/>
+          </p:nvSpPr>
+          <p:spPr>
+            <a:xfrm>
+              <a:off x="1714381" y="4844153"/>
+              <a:ext cx="248400" cy="237600"/>
+            </a:xfrm>
+            <a:prstGeom prst="ellipse">
+              <a:avLst/>
+            </a:prstGeom>
+            <a:solidFill>
+              <a:srgbClr val="FF6600"/>
+            </a:solidFill>
+            <a:ln>
+              <a:noFill/>
+            </a:ln>
+          </p:spPr>
+          <p:style>
+            <a:lnRef idx="2">
+              <a:schemeClr val="accent1">
+                <a:shade val="50000"/>
+              </a:schemeClr>
+            </a:lnRef>
+            <a:fillRef idx="1">
+              <a:schemeClr val="accent1"/>
+            </a:fillRef>
+            <a:effectRef idx="0">
+              <a:schemeClr val="accent1"/>
+            </a:effectRef>
+            <a:fontRef idx="minor">
+              <a:schemeClr val="lt1"/>
+            </a:fontRef>
+          </p:style>
+          <p:txBody>
+            <a:bodyPr rtlCol="0" anchor="ctr"/>
+            <a:lstStyle/>
+            <a:p>
+              <a:pPr algn="ctr"/>
+              <a:r>
+                <a:rPr lang="en-US" altLang="ko-KR" sz="1400" dirty="0">
+                  <a:solidFill>
+                    <a:schemeClr val="bg1"/>
+                  </a:solidFill>
+                </a:rPr>
+                <a:t>6</a:t>
+              </a:r>
+              <a:endParaRPr lang="ko-KR" altLang="en-US" sz="1400" dirty="0">
+                <a:solidFill>
+                  <a:schemeClr val="bg1"/>
+                </a:solidFill>
+              </a:endParaRPr>
+            </a:p>
+          </p:txBody>
+        </p:sp>
+      </p:grpSp>
+    </p:spTree>
+    <p:extLst>
+      <p:ext uri="{BB962C8B-B14F-4D97-AF65-F5344CB8AC3E}">
+        <p14:creationId xmlns:p14="http://schemas.microsoft.com/office/powerpoint/2010/main" val="2916798419"/>
+      </p:ext>
+    </p:extLst>
+  </p:cSld>
+  <p:clrMapOvr>
+    <a:masterClrMapping/>
+  </p:clrMapOvr>
+</p:sld>
+</file>
+
+<file path=ppt/slides/slide24.xml><?xml version="1.0" encoding="utf-8"?>
+<p:sld xmlns:a="http://schemas.openxmlformats.org/drawingml/2006/main" xmlns:r="http://schemas.openxmlformats.org/officeDocument/2006/relationships" xmlns:p="http://schemas.openxmlformats.org/presentationml/2006/main">
+  <p:cSld>
+    <p:spTree>
+      <p:nvGrpSpPr>
+        <p:cNvPr id="1" name=""/>
+        <p:cNvGrpSpPr/>
+        <p:nvPr/>
+      </p:nvGrpSpPr>
+      <p:grpSpPr>
+        <a:xfrm>
+          <a:off x="0" y="0"/>
+          <a:ext cx="0" cy="0"/>
+          <a:chOff x="0" y="0"/>
+          <a:chExt cx="0" cy="0"/>
+        </a:xfrm>
+      </p:grpSpPr>
+      <p:pic>
+        <p:nvPicPr>
+          <p:cNvPr id="4" name="그래픽 3">
+            <a:extLst>
+              <a:ext uri="{FF2B5EF4-FFF2-40B4-BE49-F238E27FC236}">
+                <a16:creationId xmlns:a16="http://schemas.microsoft.com/office/drawing/2014/main" id="{98719BF2-1060-4954-8C64-0CB7DB5349C5}"/>
+              </a:ext>
+            </a:extLst>
+          </p:cNvPr>
+          <p:cNvPicPr>
+            <a:picLocks noChangeAspect="1"/>
+          </p:cNvPicPr>
+          <p:nvPr/>
+        </p:nvPicPr>
+        <p:blipFill>
+          <a:blip r:embed="rId3">
+            <a:extLst>
+              <a:ext uri="{96DAC541-7B7A-43D3-8B79-37D633B846F1}">
+                <asvg:svgBlip xmlns:asvg="http://schemas.microsoft.com/office/drawing/2016/SVG/main" r:embed="rId4"/>
+              </a:ext>
+            </a:extLst>
+          </a:blip>
+          <a:stretch>
+            <a:fillRect/>
+          </a:stretch>
+        </p:blipFill>
+        <p:spPr>
+          <a:xfrm>
+            <a:off x="1758130" y="1008048"/>
+            <a:ext cx="2599130" cy="5627982"/>
+          </a:xfrm>
+          <a:prstGeom prst="rect">
+            <a:avLst/>
+          </a:prstGeom>
+        </p:spPr>
+      </p:pic>
+      <p:cxnSp>
+        <p:nvCxnSpPr>
+          <p:cNvPr id="19" name="직선 연결선 18">
+            <a:extLst>
+              <a:ext uri="{FF2B5EF4-FFF2-40B4-BE49-F238E27FC236}">
+                <a16:creationId xmlns:a16="http://schemas.microsoft.com/office/drawing/2014/main" id="{D736AE06-B3FB-4E33-95A5-2F1A8AB879F0}"/>
+              </a:ext>
+            </a:extLst>
+          </p:cNvPr>
+          <p:cNvCxnSpPr/>
+          <p:nvPr/>
+        </p:nvCxnSpPr>
+        <p:spPr>
+          <a:xfrm>
+            <a:off x="251012" y="842682"/>
+            <a:ext cx="2967317" cy="0"/>
+          </a:xfrm>
+          <a:prstGeom prst="line">
+            <a:avLst/>
+          </a:prstGeom>
+          <a:ln>
+            <a:solidFill>
+              <a:schemeClr val="tx1"/>
+            </a:solidFill>
+          </a:ln>
+        </p:spPr>
+        <p:style>
+          <a:lnRef idx="1">
+            <a:schemeClr val="accent1"/>
+          </a:lnRef>
+          <a:fillRef idx="0">
+            <a:schemeClr val="accent1"/>
+          </a:fillRef>
+          <a:effectRef idx="0">
+            <a:schemeClr val="accent1"/>
+          </a:effectRef>
+          <a:fontRef idx="minor">
+            <a:schemeClr val="tx1"/>
+          </a:fontRef>
+        </p:style>
+      </p:cxnSp>
+      <p:cxnSp>
+        <p:nvCxnSpPr>
+          <p:cNvPr id="21" name="직선 연결선 20">
+            <a:extLst>
+              <a:ext uri="{FF2B5EF4-FFF2-40B4-BE49-F238E27FC236}">
+                <a16:creationId xmlns:a16="http://schemas.microsoft.com/office/drawing/2014/main" id="{620DB2E6-6C92-4DB0-9620-292DF6F1FFDB}"/>
+              </a:ext>
+            </a:extLst>
+          </p:cNvPr>
+          <p:cNvCxnSpPr/>
+          <p:nvPr/>
+        </p:nvCxnSpPr>
+        <p:spPr>
+          <a:xfrm>
+            <a:off x="481569" y="367553"/>
+            <a:ext cx="0" cy="779929"/>
+          </a:xfrm>
+          <a:prstGeom prst="line">
+            <a:avLst/>
+          </a:prstGeom>
+          <a:ln>
+            <a:solidFill>
+              <a:schemeClr val="tx1"/>
+            </a:solidFill>
+          </a:ln>
+        </p:spPr>
+        <p:style>
+          <a:lnRef idx="1">
+            <a:schemeClr val="accent1"/>
+          </a:lnRef>
+          <a:fillRef idx="0">
+            <a:schemeClr val="accent1"/>
+          </a:fillRef>
+          <a:effectRef idx="0">
+            <a:schemeClr val="accent1"/>
+          </a:effectRef>
+          <a:fontRef idx="minor">
+            <a:schemeClr val="tx1"/>
+          </a:fontRef>
+        </p:style>
+      </p:cxnSp>
+      <p:sp>
+        <p:nvSpPr>
+          <p:cNvPr id="22" name="TextBox 21">
+            <a:extLst>
+              <a:ext uri="{FF2B5EF4-FFF2-40B4-BE49-F238E27FC236}">
+                <a16:creationId xmlns:a16="http://schemas.microsoft.com/office/drawing/2014/main" id="{1FDC9D2B-1F1C-4618-A952-499E1DC188A3}"/>
+              </a:ext>
+            </a:extLst>
+          </p:cNvPr>
+          <p:cNvSpPr txBox="1"/>
+          <p:nvPr/>
+        </p:nvSpPr>
+        <p:spPr>
+          <a:xfrm>
+            <a:off x="553286" y="429417"/>
+            <a:ext cx="2736749" cy="369332"/>
+          </a:xfrm>
+          <a:prstGeom prst="rect">
+            <a:avLst/>
+          </a:prstGeom>
+          <a:noFill/>
+        </p:spPr>
+        <p:txBody>
+          <a:bodyPr wrap="square" rtlCol="0">
+            <a:spAutoFit/>
+          </a:bodyPr>
+          <a:lstStyle/>
+          <a:p>
+            <a:r>
+              <a:rPr lang="ko-KR" altLang="en-US" dirty="0"/>
+              <a:t>홈 화면</a:t>
+            </a:r>
+          </a:p>
+        </p:txBody>
+      </p:sp>
+      <p:graphicFrame>
+        <p:nvGraphicFramePr>
+          <p:cNvPr id="14" name="표 14">
+            <a:extLst>
+              <a:ext uri="{FF2B5EF4-FFF2-40B4-BE49-F238E27FC236}">
+                <a16:creationId xmlns:a16="http://schemas.microsoft.com/office/drawing/2014/main" id="{9FF1015D-D8CC-4D6F-8A7D-B9A0BAFF8E63}"/>
+              </a:ext>
+            </a:extLst>
+          </p:cNvPr>
+          <p:cNvGraphicFramePr>
+            <a:graphicFrameLocks noGrp="1"/>
+          </p:cNvGraphicFramePr>
+          <p:nvPr>
+            <p:extLst>
+              <p:ext uri="{D42A27DB-BD31-4B8C-83A1-F6EECF244321}">
+                <p14:modId xmlns:p14="http://schemas.microsoft.com/office/powerpoint/2010/main" val="1486604911"/>
+              </p:ext>
+            </p:extLst>
+          </p:nvPr>
+        </p:nvGraphicFramePr>
+        <p:xfrm>
+          <a:off x="5396443" y="1038192"/>
+          <a:ext cx="6313987" cy="2268977"/>
+        </p:xfrm>
+        <a:graphic>
+          <a:graphicData uri="http://schemas.openxmlformats.org/drawingml/2006/table">
+            <a:tbl>
+              <a:tblPr firstRow="1" bandRow="1">
+                <a:tableStyleId>{5C22544A-7EE6-4342-B048-85BDC9FD1C3A}</a:tableStyleId>
+              </a:tblPr>
+              <a:tblGrid>
+                <a:gridCol w="755973">
+                  <a:extLst>
+                    <a:ext uri="{9D8B030D-6E8A-4147-A177-3AD203B41FA5}">
+                      <a16:colId xmlns:a16="http://schemas.microsoft.com/office/drawing/2014/main" val="1669333152"/>
+                    </a:ext>
+                  </a:extLst>
+                </a:gridCol>
+                <a:gridCol w="5558014">
+                  <a:extLst>
+                    <a:ext uri="{9D8B030D-6E8A-4147-A177-3AD203B41FA5}">
+                      <a16:colId xmlns:a16="http://schemas.microsoft.com/office/drawing/2014/main" val="2837322391"/>
+                    </a:ext>
+                  </a:extLst>
+                </a:gridCol>
+              </a:tblGrid>
+              <a:tr h="379217">
+                <a:tc>
+                  <a:txBody>
+                    <a:bodyPr/>
+                    <a:lstStyle/>
+                    <a:p>
+                      <a:pPr algn="ctr" latinLnBrk="1"/>
+                      <a:r>
+                        <a:rPr lang="en-US" altLang="ko-KR" dirty="0"/>
+                        <a:t>No.</a:t>
+                      </a:r>
+                      <a:endParaRPr lang="ko-KR" altLang="en-US" dirty="0"/>
+                    </a:p>
+                  </a:txBody>
+                  <a:tcPr>
+                    <a:solidFill>
+                      <a:srgbClr val="0047BB"/>
+                    </a:solidFill>
+                  </a:tcPr>
+                </a:tc>
+                <a:tc>
+                  <a:txBody>
+                    <a:bodyPr/>
+                    <a:lstStyle/>
+                    <a:p>
+                      <a:pPr algn="ctr" latinLnBrk="1"/>
+                      <a:r>
+                        <a:rPr lang="en-US" altLang="ko-KR" dirty="0"/>
+                        <a:t>Contents</a:t>
+                      </a:r>
+                      <a:endParaRPr lang="ko-KR" altLang="en-US" dirty="0"/>
+                    </a:p>
+                  </a:txBody>
+                  <a:tcPr>
+                    <a:solidFill>
+                      <a:srgbClr val="0047BB"/>
+                    </a:solidFill>
+                  </a:tcPr>
+                </a:tc>
+                <a:extLst>
+                  <a:ext uri="{0D108BD9-81ED-4DB2-BD59-A6C34878D82A}">
+                    <a16:rowId xmlns:a16="http://schemas.microsoft.com/office/drawing/2014/main" val="927528860"/>
+                  </a:ext>
+                </a:extLst>
+              </a:tr>
+              <a:tr h="411982">
+                <a:tc>
+                  <a:txBody>
+                    <a:bodyPr/>
+                    <a:lstStyle/>
+                    <a:p>
+                      <a:pPr algn="ctr" latinLnBrk="1"/>
+                      <a:r>
                         <a:rPr lang="en-US" altLang="ko-KR" sz="1400" dirty="0"/>
                         <a:t>1</a:t>
                       </a:r>
@@ -14785,8 +17099,12 @@
                     <a:p>
                       <a:pPr algn="l" latinLnBrk="1"/>
                       <a:r>
+                        <a:rPr lang="en-US" altLang="ko-KR" sz="1400" dirty="0"/>
+                        <a:t>notification</a:t>
+                      </a:r>
+                      <a:r>
                         <a:rPr lang="ko-KR" altLang="en-US" sz="1400" dirty="0"/>
-                        <a:t>알림 센터 내 알림 업데이트 시 </a:t>
+                        <a:t> 내 알림 업데이트 시 </a:t>
                       </a:r>
                       <a:r>
                         <a:rPr lang="en-US" altLang="ko-KR" sz="1400" dirty="0"/>
@@ -14827,15 +17145,7 @@
                       </a:pPr>
                       <a:r>
                         <a:rPr lang="ko-KR" altLang="en-US" sz="1400" dirty="0"/>
-                        <a:t>확인하지 않은 알림이 존재 시 아이콘 오른쪽 상단에 </a:t>
-                      </a:r>
-                      <a:r>
-                        <a:rPr lang="ko-KR" altLang="en-US" sz="1400" dirty="0" err="1"/>
-                        <a:t>점표시</a:t>
-                      </a:r>
-                      <a:r>
-                        <a:rPr lang="ko-KR" altLang="en-US" sz="1400" dirty="0"/>
-                        <a:t> 유지</a:t>
+                        <a:t>확인하지 않은 알림이 존재 시 아이콘 오른쪽 상단에 표시 유지</a:t>
                       </a:r>
                       <a:endParaRPr lang="en-US" altLang="ko-KR" sz="1400" dirty="0"/>
                     </a:p>
@@ -15190,7 +17500,7 @@
 </p:sld>
 </file>
 
-<file path=ppt/slides/slide23.xml><?xml version="1.0" encoding="utf-8"?>
+<file path=ppt/slides/slide25.xml><?xml version="1.0" encoding="utf-8"?>
 <p:sld xmlns:a="http://schemas.openxmlformats.org/drawingml/2006/main" xmlns:r="http://schemas.openxmlformats.org/officeDocument/2006/relationships" xmlns:p="http://schemas.openxmlformats.org/presentationml/2006/main">
   <p:cSld>
     <p:spTree>
@@ -15378,7 +17688,7 @@
 </p:sld>
 </file>
 
-<file path=ppt/slides/slide24.xml><?xml version="1.0" encoding="utf-8"?>
+<file path=ppt/slides/slide26.xml><?xml version="1.0" encoding="utf-8"?>
 <p:sld xmlns:a="http://schemas.openxmlformats.org/drawingml/2006/main" xmlns:r="http://schemas.openxmlformats.org/officeDocument/2006/relationships" xmlns:p="http://schemas.openxmlformats.org/presentationml/2006/main">
   <p:cSld>
     <p:spTree>
@@ -15694,7 +18004,7 @@
 </p:sld>
 </file>
 
-<file path=ppt/slides/slide25.xml><?xml version="1.0" encoding="utf-8"?>
+<file path=ppt/slides/slide27.xml><?xml version="1.0" encoding="utf-8"?>
 <p:sld xmlns:a="http://schemas.openxmlformats.org/drawingml/2006/main" xmlns:r="http://schemas.openxmlformats.org/officeDocument/2006/relationships" xmlns:p="http://schemas.openxmlformats.org/presentationml/2006/main">
   <p:cSld>
     <p:spTree>
@@ -16010,7 +18320,7 @@
 </p:sld>
 </file>
 
-<file path=ppt/slides/slide26.xml><?xml version="1.0" encoding="utf-8"?>
+<file path=ppt/slides/slide28.xml><?xml version="1.0" encoding="utf-8"?>
 <p:sld xmlns:a="http://schemas.openxmlformats.org/drawingml/2006/main" xmlns:r="http://schemas.openxmlformats.org/officeDocument/2006/relationships" xmlns:p="http://schemas.openxmlformats.org/presentationml/2006/main">
   <p:cSld>
     <p:spTree>

--- a/assets/Planning/1_strada_coffee.pptx
+++ b/assets/Planning/1_strada_coffee.pptx
@@ -271,7 +271,7 @@
           <a:p>
             <a:fld id="{FD0BE87A-025A-45D7-8E71-37F4340729C0}" type="datetimeFigureOut">
               <a:rPr lang="ko-KR" altLang="en-US" smtClean="0"/>
-              <a:t>2020-11-06</a:t>
+              <a:t>2020-11-07</a:t>
             </a:fld>
             <a:endParaRPr lang="ko-KR" altLang="en-US"/>
           </a:p>
@@ -4361,7 +4361,7 @@
           <a:p>
             <a:fld id="{5CE0D25B-CDBD-4949-AF90-4326CAB36ABE}" type="datetimeFigureOut">
               <a:rPr lang="ko-KR" altLang="en-US" smtClean="0"/>
-              <a:t>2020-11-06</a:t>
+              <a:t>2020-11-07</a:t>
             </a:fld>
             <a:endParaRPr lang="ko-KR" altLang="en-US"/>
           </a:p>
@@ -4559,7 +4559,7 @@
           <a:p>
             <a:fld id="{5CE0D25B-CDBD-4949-AF90-4326CAB36ABE}" type="datetimeFigureOut">
               <a:rPr lang="ko-KR" altLang="en-US" smtClean="0"/>
-              <a:t>2020-11-06</a:t>
+              <a:t>2020-11-07</a:t>
             </a:fld>
             <a:endParaRPr lang="ko-KR" altLang="en-US"/>
           </a:p>
@@ -4767,7 +4767,7 @@
           <a:p>
             <a:fld id="{5CE0D25B-CDBD-4949-AF90-4326CAB36ABE}" type="datetimeFigureOut">
               <a:rPr lang="ko-KR" altLang="en-US" smtClean="0"/>
-              <a:t>2020-11-06</a:t>
+              <a:t>2020-11-07</a:t>
             </a:fld>
             <a:endParaRPr lang="ko-KR" altLang="en-US"/>
           </a:p>
@@ -4965,7 +4965,7 @@
           <a:p>
             <a:fld id="{5CE0D25B-CDBD-4949-AF90-4326CAB36ABE}" type="datetimeFigureOut">
               <a:rPr lang="ko-KR" altLang="en-US" smtClean="0"/>
-              <a:t>2020-11-06</a:t>
+              <a:t>2020-11-07</a:t>
             </a:fld>
             <a:endParaRPr lang="ko-KR" altLang="en-US"/>
           </a:p>
@@ -5240,7 +5240,7 @@
           <a:p>
             <a:fld id="{5CE0D25B-CDBD-4949-AF90-4326CAB36ABE}" type="datetimeFigureOut">
               <a:rPr lang="ko-KR" altLang="en-US" smtClean="0"/>
-              <a:t>2020-11-06</a:t>
+              <a:t>2020-11-07</a:t>
             </a:fld>
             <a:endParaRPr lang="ko-KR" altLang="en-US"/>
           </a:p>
@@ -5505,7 +5505,7 @@
           <a:p>
             <a:fld id="{5CE0D25B-CDBD-4949-AF90-4326CAB36ABE}" type="datetimeFigureOut">
               <a:rPr lang="ko-KR" altLang="en-US" smtClean="0"/>
-              <a:t>2020-11-06</a:t>
+              <a:t>2020-11-07</a:t>
             </a:fld>
             <a:endParaRPr lang="ko-KR" altLang="en-US"/>
           </a:p>
@@ -5917,7 +5917,7 @@
           <a:p>
             <a:fld id="{5CE0D25B-CDBD-4949-AF90-4326CAB36ABE}" type="datetimeFigureOut">
               <a:rPr lang="ko-KR" altLang="en-US" smtClean="0"/>
-              <a:t>2020-11-06</a:t>
+              <a:t>2020-11-07</a:t>
             </a:fld>
             <a:endParaRPr lang="ko-KR" altLang="en-US"/>
           </a:p>
@@ -6058,7 +6058,7 @@
           <a:p>
             <a:fld id="{5CE0D25B-CDBD-4949-AF90-4326CAB36ABE}" type="datetimeFigureOut">
               <a:rPr lang="ko-KR" altLang="en-US" smtClean="0"/>
-              <a:t>2020-11-06</a:t>
+              <a:t>2020-11-07</a:t>
             </a:fld>
             <a:endParaRPr lang="ko-KR" altLang="en-US"/>
           </a:p>
@@ -6171,7 +6171,7 @@
           <a:p>
             <a:fld id="{5CE0D25B-CDBD-4949-AF90-4326CAB36ABE}" type="datetimeFigureOut">
               <a:rPr lang="ko-KR" altLang="en-US" smtClean="0"/>
-              <a:t>2020-11-06</a:t>
+              <a:t>2020-11-07</a:t>
             </a:fld>
             <a:endParaRPr lang="ko-KR" altLang="en-US"/>
           </a:p>
@@ -6482,7 +6482,7 @@
           <a:p>
             <a:fld id="{5CE0D25B-CDBD-4949-AF90-4326CAB36ABE}" type="datetimeFigureOut">
               <a:rPr lang="ko-KR" altLang="en-US" smtClean="0"/>
-              <a:t>2020-11-06</a:t>
+              <a:t>2020-11-07</a:t>
             </a:fld>
             <a:endParaRPr lang="ko-KR" altLang="en-US"/>
           </a:p>
@@ -6770,7 +6770,7 @@
           <a:p>
             <a:fld id="{5CE0D25B-CDBD-4949-AF90-4326CAB36ABE}" type="datetimeFigureOut">
               <a:rPr lang="ko-KR" altLang="en-US" smtClean="0"/>
-              <a:t>2020-11-06</a:t>
+              <a:t>2020-11-07</a:t>
             </a:fld>
             <a:endParaRPr lang="ko-KR" altLang="en-US"/>
           </a:p>
@@ -7011,7 +7011,7 @@
           <a:p>
             <a:fld id="{5CE0D25B-CDBD-4949-AF90-4326CAB36ABE}" type="datetimeFigureOut">
               <a:rPr lang="ko-KR" altLang="en-US" smtClean="0"/>
-              <a:t>2020-11-06</a:t>
+              <a:t>2020-11-07</a:t>
             </a:fld>
             <a:endParaRPr lang="ko-KR" altLang="en-US"/>
           </a:p>
@@ -9446,7 +9446,7 @@
           <p:nvPr>
             <p:extLst>
               <p:ext uri="{D42A27DB-BD31-4B8C-83A1-F6EECF244321}">
-                <p14:modId xmlns:p14="http://schemas.microsoft.com/office/powerpoint/2010/main" val="528344770"/>
+                <p14:modId xmlns:p14="http://schemas.microsoft.com/office/powerpoint/2010/main" val="3587536413"/>
               </p:ext>
             </p:extLst>
           </p:nvPr>
@@ -9582,8 +9582,8 @@
                     <a:p>
                       <a:pPr algn="ctr" latinLnBrk="1"/>
                       <a:r>
-                        <a:rPr lang="en-US" altLang="ko-KR" sz="1400" dirty="0" err="1"/>
-                        <a:t>user_id</a:t>
+                        <a:rPr lang="en-US" altLang="ko-KR" sz="1400" dirty="0"/>
+                        <a:t>username</a:t>
                       </a:r>
                       <a:endParaRPr lang="ko-KR" altLang="en-US" sz="1400" dirty="0"/>
                     </a:p>
@@ -9658,7 +9658,7 @@
                       <a:pPr algn="ctr" latinLnBrk="1"/>
                       <a:r>
                         <a:rPr lang="en-US" altLang="ko-KR" sz="1400" dirty="0" err="1"/>
-                        <a:t>voc</a:t>
+                        <a:t>vos</a:t>
                       </a:r>
                       <a:endParaRPr lang="ko-KR" altLang="en-US" sz="1400" dirty="0"/>
                     </a:p>
@@ -9808,7 +9808,7 @@
                       <a:pPr algn="ctr" latinLnBrk="1"/>
                       <a:r>
                         <a:rPr lang="en-US" altLang="ko-KR" sz="1400" dirty="0"/>
-                        <a:t>notice</a:t>
+                        <a:t>banner</a:t>
                       </a:r>
                       <a:endParaRPr lang="ko-KR" altLang="en-US" sz="1400" dirty="0"/>
                     </a:p>
@@ -9827,7 +9827,7 @@
                       <a:pPr algn="ctr" latinLnBrk="1"/>
                       <a:r>
                         <a:rPr lang="ko-KR" altLang="en-US" sz="1400" dirty="0"/>
-                        <a:t>알림</a:t>
+                        <a:t>배너</a:t>
                       </a:r>
                       <a:endParaRPr lang="en-US" altLang="ko-KR" sz="1400" dirty="0"/>
                     </a:p>
@@ -9883,7 +9883,7 @@
                       <a:pPr algn="ctr" latinLnBrk="1"/>
                       <a:r>
                         <a:rPr lang="en-US" altLang="ko-KR" sz="1400" dirty="0"/>
-                        <a:t>point</a:t>
+                        <a:t>user</a:t>
                       </a:r>
                       <a:endParaRPr lang="ko-KR" altLang="en-US" sz="1400" dirty="0"/>
                     </a:p>
@@ -9902,7 +9902,7 @@
                       <a:pPr algn="ctr" latinLnBrk="1"/>
                       <a:r>
                         <a:rPr lang="ko-KR" altLang="en-US" sz="1400" dirty="0"/>
-                        <a:t>개인 보유 포인트</a:t>
+                        <a:t>내 정보</a:t>
                       </a:r>
                       <a:endParaRPr lang="en-US" altLang="ko-KR" sz="1400" dirty="0"/>
                     </a:p>
@@ -9956,10 +9956,6 @@
                     <a:lstStyle/>
                     <a:p>
                       <a:pPr algn="ctr" latinLnBrk="1"/>
-                      <a:r>
-                        <a:rPr lang="en-US" altLang="ko-KR" sz="1400" dirty="0"/>
-                        <a:t>banner</a:t>
-                      </a:r>
                       <a:endParaRPr lang="ko-KR" altLang="en-US" sz="1400" dirty="0"/>
                     </a:p>
                   </a:txBody>
@@ -9975,10 +9971,6 @@
                     <a:lstStyle/>
                     <a:p>
                       <a:pPr algn="ctr" latinLnBrk="1"/>
-                      <a:r>
-                        <a:rPr lang="ko-KR" altLang="en-US" sz="1400" dirty="0"/>
-                        <a:t>배너</a:t>
-                      </a:r>
                       <a:endParaRPr lang="en-US" altLang="ko-KR" sz="1400" dirty="0"/>
                     </a:p>
                   </a:txBody>
@@ -10046,10 +10038,6 @@
                     <a:lstStyle/>
                     <a:p>
                       <a:pPr algn="ctr" latinLnBrk="1"/>
-                      <a:r>
-                        <a:rPr lang="ko-KR" altLang="en-US" sz="1400" dirty="0"/>
-                        <a:t>장바구니</a:t>
-                      </a:r>
                       <a:endParaRPr lang="en-US" altLang="ko-KR" sz="1400" dirty="0"/>
                     </a:p>
                   </a:txBody>
@@ -10102,10 +10090,6 @@
                     <a:lstStyle/>
                     <a:p>
                       <a:pPr algn="ctr" latinLnBrk="1"/>
-                      <a:r>
-                        <a:rPr lang="en-US" altLang="ko-KR" sz="1400" dirty="0" err="1"/>
-                        <a:t>my_receipt</a:t>
-                      </a:r>
                       <a:endParaRPr lang="ko-KR" altLang="en-US" sz="1400" dirty="0"/>
                     </a:p>
                   </a:txBody>
@@ -10121,22 +10105,6 @@
                     <a:lstStyle/>
                     <a:p>
                       <a:pPr algn="ctr" latinLnBrk="1"/>
-                      <a:r>
-                        <a:rPr lang="ko-KR" altLang="en-US" sz="1400" dirty="0"/>
-                        <a:t>하트</a:t>
-                      </a:r>
-                      <a:r>
-                        <a:rPr lang="en-US" altLang="ko-KR" sz="1400" dirty="0"/>
-                        <a:t>,  </a:t>
-                      </a:r>
-                      <a:r>
-                        <a:rPr lang="ko-KR" altLang="en-US" sz="1400" dirty="0" err="1"/>
-                        <a:t>즐겨찾는</a:t>
-                      </a:r>
-                      <a:r>
-                        <a:rPr lang="ko-KR" altLang="en-US" sz="1400" dirty="0"/>
-                        <a:t> 메뉴</a:t>
-                      </a:r>
                       <a:endParaRPr lang="en-US" altLang="ko-KR" sz="1400" dirty="0"/>
                     </a:p>
                   </a:txBody>
@@ -10204,22 +10172,7 @@
                     <a:lstStyle/>
                     <a:p>
                       <a:pPr algn="ctr" latinLnBrk="1"/>
-                      <a:r>
-                        <a:rPr lang="ko-KR" altLang="en-US" sz="1400" dirty="0"/>
-                        <a:t>주문화면</a:t>
-                      </a:r>
-                      <a:r>
-                        <a:rPr lang="en-US" altLang="ko-KR" sz="1400" dirty="0"/>
-                        <a:t>(</a:t>
-                      </a:r>
-                      <a:r>
-                        <a:rPr lang="ko-KR" altLang="en-US" sz="1400" dirty="0"/>
-                        <a:t>메뉴의 옵션을 설정하는 화면</a:t>
-                      </a:r>
-                      <a:r>
-                        <a:rPr lang="en-US" altLang="ko-KR" sz="1400" dirty="0"/>
-                        <a:t>)</a:t>
-                      </a:r>
+                      <a:endParaRPr lang="en-US" altLang="ko-KR" sz="1400" dirty="0"/>
                     </a:p>
                   </a:txBody>
                   <a:tcPr anchor="ctr">
@@ -10271,10 +10224,6 @@
                     <a:lstStyle/>
                     <a:p>
                       <a:pPr algn="ctr" latinLnBrk="1"/>
-                      <a:r>
-                        <a:rPr lang="en-US" altLang="ko-KR" sz="1400" dirty="0"/>
-                        <a:t>Item</a:t>
-                      </a:r>
                       <a:endParaRPr lang="ko-KR" altLang="en-US" sz="1400" dirty="0"/>
                     </a:p>
                   </a:txBody>
@@ -10290,10 +10239,6 @@
                     <a:lstStyle/>
                     <a:p>
                       <a:pPr algn="ctr" latinLnBrk="1"/>
-                      <a:r>
-                        <a:rPr lang="ko-KR" altLang="en-US" sz="1400" dirty="0"/>
-                        <a:t>메뉴</a:t>
-                      </a:r>
                       <a:endParaRPr lang="en-US" altLang="ko-KR" sz="1400" dirty="0"/>
                     </a:p>
                   </a:txBody>
@@ -11398,7 +11343,7 @@
           <p:nvPr>
             <p:extLst>
               <p:ext uri="{D42A27DB-BD31-4B8C-83A1-F6EECF244321}">
-                <p14:modId xmlns:p14="http://schemas.microsoft.com/office/powerpoint/2010/main" val="2047272051"/>
+                <p14:modId xmlns:p14="http://schemas.microsoft.com/office/powerpoint/2010/main" val="89510479"/>
               </p:ext>
             </p:extLst>
           </p:nvPr>
@@ -11501,12 +11446,12 @@
                     <a:p>
                       <a:pPr algn="l" latinLnBrk="1"/>
                       <a:r>
-                        <a:rPr lang="en-US" altLang="ko-KR" sz="1400" dirty="0" err="1"/>
-                        <a:t>User_id</a:t>
+                        <a:rPr lang="en-US" altLang="ko-KR" sz="1400" dirty="0"/>
+                        <a:t>Username</a:t>
                       </a:r>
                       <a:r>
                         <a:rPr lang="ko-KR" altLang="en-US" sz="1400" dirty="0"/>
-                        <a:t> 입력</a:t>
+                        <a:t>입력</a:t>
                       </a:r>
                       <a:endParaRPr lang="en-US" altLang="ko-KR" sz="1400" dirty="0"/>
                     </a:p>
@@ -14434,14 +14379,14 @@
           <p:nvPr>
             <p:extLst>
               <p:ext uri="{D42A27DB-BD31-4B8C-83A1-F6EECF244321}">
-                <p14:modId xmlns:p14="http://schemas.microsoft.com/office/powerpoint/2010/main" val="1208859129"/>
+                <p14:modId xmlns:p14="http://schemas.microsoft.com/office/powerpoint/2010/main" val="272811152"/>
               </p:ext>
             </p:extLst>
           </p:nvPr>
         </p:nvGraphicFramePr>
         <p:xfrm>
           <a:off x="5381263" y="1048411"/>
-          <a:ext cx="6187346" cy="3747759"/>
+          <a:ext cx="6187346" cy="3869679"/>
         </p:xfrm>
         <a:graphic>
           <a:graphicData uri="http://schemas.openxmlformats.org/drawingml/2006/table">
@@ -14649,8 +14594,8 @@
                         <a:t>환영 멘트와 </a:t>
                       </a:r>
                       <a:r>
-                        <a:rPr lang="en-US" altLang="ko-KR" sz="1400" dirty="0" err="1"/>
-                        <a:t>User_id</a:t>
+                        <a:rPr lang="en-US" altLang="ko-KR" sz="1400" dirty="0"/>
+                        <a:t>username</a:t>
                       </a:r>
                       <a:r>
                         <a:rPr lang="ko-KR" altLang="en-US" sz="1400" dirty="0"/>
@@ -14726,15 +14671,7 @@
                       <a:pPr algn="l" latinLnBrk="1"/>
                       <a:r>
                         <a:rPr lang="ko-KR" altLang="en-US" sz="1400" dirty="0"/>
-                        <a:t>보유 </a:t>
-                      </a:r>
-                      <a:r>
-                        <a:rPr lang="en-US" altLang="ko-KR" sz="1400" dirty="0"/>
-                        <a:t>point</a:t>
-                      </a:r>
-                      <a:r>
-                        <a:rPr lang="ko-KR" altLang="en-US" sz="1400" dirty="0"/>
-                        <a:t> 노출</a:t>
+                        <a:t>보유 포인트 노출</a:t>
                       </a:r>
                       <a:endParaRPr lang="en-US" altLang="ko-KR" sz="1400" dirty="0"/>
                     </a:p>
@@ -14791,26 +14728,56 @@
                     <a:bodyPr/>
                     <a:lstStyle/>
                     <a:p>
-                      <a:pPr algn="l" latinLnBrk="1"/>
+                      <a:pPr marL="0" indent="0" algn="l" latinLnBrk="1">
+                        <a:buFont typeface="Wingdings" panose="05000000000000000000" pitchFamily="2" charset="2"/>
+                        <a:buNone/>
+                      </a:pPr>
+                      <a:r>
+                        <a:rPr lang="ko-KR" altLang="en-US" sz="1400" dirty="0"/>
+                        <a:t>클릭 시 </a:t>
+                      </a:r>
+                      <a:r>
+                        <a:rPr lang="en-US" altLang="ko-KR" sz="1400" dirty="0" err="1"/>
+                        <a:t>my_page</a:t>
+                      </a:r>
+                      <a:r>
+                        <a:rPr lang="en-US" altLang="ko-KR" sz="1400" dirty="0"/>
+                        <a:t> </a:t>
+                      </a:r>
+                      <a:r>
+                        <a:rPr lang="ko-KR" altLang="en-US" sz="1400" dirty="0"/>
+                        <a:t>화면으로 이동</a:t>
+                      </a:r>
+                      <a:endParaRPr lang="en-US" altLang="ko-KR" sz="1400" dirty="0"/>
+                    </a:p>
+                    <a:p>
+                      <a:pPr marL="285750" indent="-285750" algn="l" latinLnBrk="1">
+                        <a:buFont typeface="Arial" panose="020B0604020202020204" pitchFamily="34" charset="0"/>
+                        <a:buChar char="•"/>
+                      </a:pPr>
+                      <a:r>
+                        <a:rPr lang="ko-KR" altLang="en-US" sz="1400" dirty="0"/>
+                        <a:t>클릭 범위 </a:t>
+                      </a:r>
+                      <a:r>
+                        <a:rPr lang="en-US" altLang="ko-KR" sz="1400" dirty="0"/>
+                        <a:t>: </a:t>
+                      </a:r>
+                      <a:r>
+                        <a:rPr lang="ko-KR" altLang="en-US" sz="1400" dirty="0"/>
+                        <a:t>포인트와 </a:t>
+                      </a:r>
                       <a:r>
                         <a:rPr lang="en-US" altLang="ko-KR" sz="1400" dirty="0"/>
                         <a:t>&gt; </a:t>
                       </a:r>
                       <a:r>
                         <a:rPr lang="ko-KR" altLang="en-US" sz="1400" dirty="0"/>
-                        <a:t>버튼 클릭 시 </a:t>
-                      </a:r>
-                      <a:r>
-                        <a:rPr lang="en-US" altLang="ko-KR" sz="1400" dirty="0" err="1"/>
-                        <a:t>my_page</a:t>
+                        <a:t>버튼 포함</a:t>
                       </a:r>
                       <a:r>
                         <a:rPr lang="en-US" altLang="ko-KR" sz="1400" dirty="0"/>
-                        <a:t> </a:t>
-                      </a:r>
-                      <a:r>
-                        <a:rPr lang="ko-KR" altLang="en-US" sz="1400" dirty="0"/>
-                        <a:t>화면으로 이동</a:t>
+                        <a:t>.</a:t>
                       </a:r>
                     </a:p>
                   </a:txBody>

--- a/assets/Planning/1_strada_coffee.pptx
+++ b/assets/Planning/1_strada_coffee.pptx
@@ -25,7 +25,7 @@
     <p:sldId id="301" r:id="rId16"/>
     <p:sldId id="278" r:id="rId17"/>
     <p:sldId id="267" r:id="rId18"/>
-    <p:sldId id="291" r:id="rId19"/>
+    <p:sldId id="302" r:id="rId19"/>
     <p:sldId id="279" r:id="rId20"/>
     <p:sldId id="284" r:id="rId21"/>
     <p:sldId id="280" r:id="rId22"/>
@@ -156,7 +156,7 @@
             <p14:sldId id="301"/>
             <p14:sldId id="278"/>
             <p14:sldId id="267"/>
-            <p14:sldId id="291"/>
+            <p14:sldId id="302"/>
             <p14:sldId id="279"/>
             <p14:sldId id="284"/>
             <p14:sldId id="280"/>
@@ -271,7 +271,7 @@
           <a:p>
             <a:fld id="{FD0BE87A-025A-45D7-8E71-37F4340729C0}" type="datetimeFigureOut">
               <a:rPr lang="ko-KR" altLang="en-US" smtClean="0"/>
-              <a:t>2020-11-07</a:t>
+              <a:t>2020-11-22</a:t>
             </a:fld>
             <a:endParaRPr lang="ko-KR" altLang="en-US"/>
           </a:p>
@@ -4361,7 +4361,7 @@
           <a:p>
             <a:fld id="{5CE0D25B-CDBD-4949-AF90-4326CAB36ABE}" type="datetimeFigureOut">
               <a:rPr lang="ko-KR" altLang="en-US" smtClean="0"/>
-              <a:t>2020-11-07</a:t>
+              <a:t>2020-11-22</a:t>
             </a:fld>
             <a:endParaRPr lang="ko-KR" altLang="en-US"/>
           </a:p>
@@ -4559,7 +4559,7 @@
           <a:p>
             <a:fld id="{5CE0D25B-CDBD-4949-AF90-4326CAB36ABE}" type="datetimeFigureOut">
               <a:rPr lang="ko-KR" altLang="en-US" smtClean="0"/>
-              <a:t>2020-11-07</a:t>
+              <a:t>2020-11-22</a:t>
             </a:fld>
             <a:endParaRPr lang="ko-KR" altLang="en-US"/>
           </a:p>
@@ -4767,7 +4767,7 @@
           <a:p>
             <a:fld id="{5CE0D25B-CDBD-4949-AF90-4326CAB36ABE}" type="datetimeFigureOut">
               <a:rPr lang="ko-KR" altLang="en-US" smtClean="0"/>
-              <a:t>2020-11-07</a:t>
+              <a:t>2020-11-22</a:t>
             </a:fld>
             <a:endParaRPr lang="ko-KR" altLang="en-US"/>
           </a:p>
@@ -4965,7 +4965,7 @@
           <a:p>
             <a:fld id="{5CE0D25B-CDBD-4949-AF90-4326CAB36ABE}" type="datetimeFigureOut">
               <a:rPr lang="ko-KR" altLang="en-US" smtClean="0"/>
-              <a:t>2020-11-07</a:t>
+              <a:t>2020-11-22</a:t>
             </a:fld>
             <a:endParaRPr lang="ko-KR" altLang="en-US"/>
           </a:p>
@@ -5240,7 +5240,7 @@
           <a:p>
             <a:fld id="{5CE0D25B-CDBD-4949-AF90-4326CAB36ABE}" type="datetimeFigureOut">
               <a:rPr lang="ko-KR" altLang="en-US" smtClean="0"/>
-              <a:t>2020-11-07</a:t>
+              <a:t>2020-11-22</a:t>
             </a:fld>
             <a:endParaRPr lang="ko-KR" altLang="en-US"/>
           </a:p>
@@ -5505,7 +5505,7 @@
           <a:p>
             <a:fld id="{5CE0D25B-CDBD-4949-AF90-4326CAB36ABE}" type="datetimeFigureOut">
               <a:rPr lang="ko-KR" altLang="en-US" smtClean="0"/>
-              <a:t>2020-11-07</a:t>
+              <a:t>2020-11-22</a:t>
             </a:fld>
             <a:endParaRPr lang="ko-KR" altLang="en-US"/>
           </a:p>
@@ -5917,7 +5917,7 @@
           <a:p>
             <a:fld id="{5CE0D25B-CDBD-4949-AF90-4326CAB36ABE}" type="datetimeFigureOut">
               <a:rPr lang="ko-KR" altLang="en-US" smtClean="0"/>
-              <a:t>2020-11-07</a:t>
+              <a:t>2020-11-22</a:t>
             </a:fld>
             <a:endParaRPr lang="ko-KR" altLang="en-US"/>
           </a:p>
@@ -6058,7 +6058,7 @@
           <a:p>
             <a:fld id="{5CE0D25B-CDBD-4949-AF90-4326CAB36ABE}" type="datetimeFigureOut">
               <a:rPr lang="ko-KR" altLang="en-US" smtClean="0"/>
-              <a:t>2020-11-07</a:t>
+              <a:t>2020-11-22</a:t>
             </a:fld>
             <a:endParaRPr lang="ko-KR" altLang="en-US"/>
           </a:p>
@@ -6171,7 +6171,7 @@
           <a:p>
             <a:fld id="{5CE0D25B-CDBD-4949-AF90-4326CAB36ABE}" type="datetimeFigureOut">
               <a:rPr lang="ko-KR" altLang="en-US" smtClean="0"/>
-              <a:t>2020-11-07</a:t>
+              <a:t>2020-11-22</a:t>
             </a:fld>
             <a:endParaRPr lang="ko-KR" altLang="en-US"/>
           </a:p>
@@ -6482,7 +6482,7 @@
           <a:p>
             <a:fld id="{5CE0D25B-CDBD-4949-AF90-4326CAB36ABE}" type="datetimeFigureOut">
               <a:rPr lang="ko-KR" altLang="en-US" smtClean="0"/>
-              <a:t>2020-11-07</a:t>
+              <a:t>2020-11-22</a:t>
             </a:fld>
             <a:endParaRPr lang="ko-KR" altLang="en-US"/>
           </a:p>
@@ -6770,7 +6770,7 @@
           <a:p>
             <a:fld id="{5CE0D25B-CDBD-4949-AF90-4326CAB36ABE}" type="datetimeFigureOut">
               <a:rPr lang="ko-KR" altLang="en-US" smtClean="0"/>
-              <a:t>2020-11-07</a:t>
+              <a:t>2020-11-22</a:t>
             </a:fld>
             <a:endParaRPr lang="ko-KR" altLang="en-US"/>
           </a:p>
@@ -7011,7 +7011,7 @@
           <a:p>
             <a:fld id="{5CE0D25B-CDBD-4949-AF90-4326CAB36ABE}" type="datetimeFigureOut">
               <a:rPr lang="ko-KR" altLang="en-US" smtClean="0"/>
-              <a:t>2020-11-07</a:t>
+              <a:t>2020-11-22</a:t>
             </a:fld>
             <a:endParaRPr lang="ko-KR" altLang="en-US"/>
           </a:p>
@@ -7593,10 +7593,10 @@
       </p:sp>
       <p:grpSp>
         <p:nvGrpSpPr>
-          <p:cNvPr id="8" name="그룹 7">
-            <a:extLst>
-              <a:ext uri="{FF2B5EF4-FFF2-40B4-BE49-F238E27FC236}">
-                <a16:creationId xmlns:a16="http://schemas.microsoft.com/office/drawing/2014/main" id="{A6E91F82-C1D7-4A22-99AA-FE01225DDD9B}"/>
+          <p:cNvPr id="2" name="그룹 1">
+            <a:extLst>
+              <a:ext uri="{FF2B5EF4-FFF2-40B4-BE49-F238E27FC236}">
+                <a16:creationId xmlns:a16="http://schemas.microsoft.com/office/drawing/2014/main" id="{26850613-7BA8-446A-8A55-DB5D8C15F996}"/>
               </a:ext>
             </a:extLst>
           </p:cNvPr>
@@ -7611,166 +7611,186 @@
             <a:chExt cx="5634000" cy="1836000"/>
           </a:xfrm>
         </p:grpSpPr>
-        <p:sp>
-          <p:nvSpPr>
-            <p:cNvPr id="6" name="직사각형 5">
+        <p:grpSp>
+          <p:nvGrpSpPr>
+            <p:cNvPr id="8" name="그룹 7">
               <a:extLst>
                 <a:ext uri="{FF2B5EF4-FFF2-40B4-BE49-F238E27FC236}">
-                  <a16:creationId xmlns:a16="http://schemas.microsoft.com/office/drawing/2014/main" id="{ED451966-6495-4960-A3A1-3F938CDD9902}"/>
+                  <a16:creationId xmlns:a16="http://schemas.microsoft.com/office/drawing/2014/main" id="{A6E91F82-C1D7-4A22-99AA-FE01225DDD9B}"/>
                 </a:ext>
               </a:extLst>
             </p:cNvPr>
-            <p:cNvSpPr/>
+            <p:cNvGrpSpPr/>
+            <p:nvPr/>
+          </p:nvGrpSpPr>
+          <p:grpSpPr>
+            <a:xfrm>
+              <a:off x="3400044" y="2496312"/>
+              <a:ext cx="5634000" cy="1836000"/>
+              <a:chOff x="3400044" y="2496312"/>
+              <a:chExt cx="5634000" cy="1836000"/>
+            </a:xfrm>
+          </p:grpSpPr>
+          <p:sp>
+            <p:nvSpPr>
+              <p:cNvPr id="7" name="타원 6">
+                <a:extLst>
+                  <a:ext uri="{FF2B5EF4-FFF2-40B4-BE49-F238E27FC236}">
+                    <a16:creationId xmlns:a16="http://schemas.microsoft.com/office/drawing/2014/main" id="{4D1DFB6A-BB1D-430B-9BB7-6A981F65A0FC}"/>
+                  </a:ext>
+                </a:extLst>
+              </p:cNvPr>
+              <p:cNvSpPr/>
+              <p:nvPr/>
+            </p:nvSpPr>
+            <p:spPr>
+              <a:xfrm>
+                <a:off x="7198044" y="2496312"/>
+                <a:ext cx="1836000" cy="1836000"/>
+              </a:xfrm>
+              <a:prstGeom prst="ellipse">
+                <a:avLst/>
+              </a:prstGeom>
+              <a:solidFill>
+                <a:schemeClr val="bg1"/>
+              </a:solidFill>
+              <a:ln>
+                <a:noFill/>
+              </a:ln>
+            </p:spPr>
+            <p:style>
+              <a:lnRef idx="2">
+                <a:schemeClr val="accent1">
+                  <a:shade val="50000"/>
+                </a:schemeClr>
+              </a:lnRef>
+              <a:fillRef idx="1">
+                <a:schemeClr val="accent1"/>
+              </a:fillRef>
+              <a:effectRef idx="0">
+                <a:schemeClr val="accent1"/>
+              </a:effectRef>
+              <a:fontRef idx="minor">
+                <a:schemeClr val="lt1"/>
+              </a:fontRef>
+            </p:style>
+            <p:txBody>
+              <a:bodyPr rtlCol="0" anchor="ctr"/>
+              <a:lstStyle/>
+              <a:p>
+                <a:pPr algn="ctr"/>
+                <a:endParaRPr lang="ko-KR" altLang="en-US"/>
+              </a:p>
+            </p:txBody>
+          </p:sp>
+          <p:sp>
+            <p:nvSpPr>
+              <p:cNvPr id="6" name="직사각형 5">
+                <a:extLst>
+                  <a:ext uri="{FF2B5EF4-FFF2-40B4-BE49-F238E27FC236}">
+                    <a16:creationId xmlns:a16="http://schemas.microsoft.com/office/drawing/2014/main" id="{ED451966-6495-4960-A3A1-3F938CDD9902}"/>
+                  </a:ext>
+                </a:extLst>
+              </p:cNvPr>
+              <p:cNvSpPr/>
+              <p:nvPr/>
+            </p:nvSpPr>
+            <p:spPr>
+              <a:xfrm>
+                <a:off x="3400044" y="2496312"/>
+                <a:ext cx="4716000" cy="1836000"/>
+              </a:xfrm>
+              <a:prstGeom prst="rect">
+                <a:avLst/>
+              </a:prstGeom>
+              <a:solidFill>
+                <a:schemeClr val="bg1"/>
+              </a:solidFill>
+              <a:ln>
+                <a:noFill/>
+              </a:ln>
+            </p:spPr>
+            <p:style>
+              <a:lnRef idx="2">
+                <a:schemeClr val="accent1">
+                  <a:shade val="50000"/>
+                </a:schemeClr>
+              </a:lnRef>
+              <a:fillRef idx="1">
+                <a:schemeClr val="accent1"/>
+              </a:fillRef>
+              <a:effectRef idx="0">
+                <a:schemeClr val="accent1"/>
+              </a:effectRef>
+              <a:fontRef idx="minor">
+                <a:schemeClr val="lt1"/>
+              </a:fontRef>
+            </p:style>
+            <p:txBody>
+              <a:bodyPr rtlCol="0" anchor="ctr"/>
+              <a:lstStyle/>
+              <a:p>
+                <a:pPr algn="ctr"/>
+                <a:endParaRPr lang="ko-KR" altLang="en-US" dirty="0"/>
+              </a:p>
+            </p:txBody>
+          </p:sp>
+        </p:grpSp>
+        <p:sp>
+          <p:nvSpPr>
+            <p:cNvPr id="9" name="TextBox 8">
+              <a:extLst>
+                <a:ext uri="{FF2B5EF4-FFF2-40B4-BE49-F238E27FC236}">
+                  <a16:creationId xmlns:a16="http://schemas.microsoft.com/office/drawing/2014/main" id="{6E64A352-AF04-4CE1-AE90-B1619B49A71B}"/>
+                </a:ext>
+              </a:extLst>
+            </p:cNvPr>
+            <p:cNvSpPr txBox="1"/>
             <p:nvPr/>
           </p:nvSpPr>
           <p:spPr>
             <a:xfrm>
-              <a:off x="3400044" y="2496312"/>
-              <a:ext cx="4716000" cy="1836000"/>
+              <a:off x="4041612" y="3091146"/>
+              <a:ext cx="4230624" cy="584775"/>
             </a:xfrm>
             <a:prstGeom prst="rect">
               <a:avLst/>
             </a:prstGeom>
-            <a:solidFill>
-              <a:schemeClr val="bg1"/>
-            </a:solidFill>
+            <a:noFill/>
             <a:ln>
-              <a:solidFill>
-                <a:schemeClr val="bg1"/>
-              </a:solidFill>
+              <a:noFill/>
             </a:ln>
           </p:spPr>
-          <p:style>
-            <a:lnRef idx="2">
-              <a:schemeClr val="accent1">
-                <a:shade val="50000"/>
-              </a:schemeClr>
-            </a:lnRef>
-            <a:fillRef idx="1">
-              <a:schemeClr val="accent1"/>
-            </a:fillRef>
-            <a:effectRef idx="0">
-              <a:schemeClr val="accent1"/>
-            </a:effectRef>
-            <a:fontRef idx="minor">
-              <a:schemeClr val="lt1"/>
-            </a:fontRef>
-          </p:style>
           <p:txBody>
-            <a:bodyPr rtlCol="0" anchor="ctr"/>
+            <a:bodyPr wrap="square" rtlCol="0">
+              <a:spAutoFit/>
+            </a:bodyPr>
             <a:lstStyle/>
             <a:p>
               <a:pPr algn="ctr"/>
-              <a:endParaRPr lang="ko-KR" altLang="en-US"/>
-            </a:p>
-          </p:txBody>
-        </p:sp>
-        <p:sp>
-          <p:nvSpPr>
-            <p:cNvPr id="7" name="타원 6">
-              <a:extLst>
-                <a:ext uri="{FF2B5EF4-FFF2-40B4-BE49-F238E27FC236}">
-                  <a16:creationId xmlns:a16="http://schemas.microsoft.com/office/drawing/2014/main" id="{4D1DFB6A-BB1D-430B-9BB7-6A981F65A0FC}"/>
-                </a:ext>
-              </a:extLst>
-            </p:cNvPr>
-            <p:cNvSpPr/>
-            <p:nvPr/>
-          </p:nvSpPr>
-          <p:spPr>
-            <a:xfrm>
-              <a:off x="7198044" y="2496312"/>
-              <a:ext cx="1836000" cy="1836000"/>
-            </a:xfrm>
-            <a:prstGeom prst="ellipse">
-              <a:avLst/>
-            </a:prstGeom>
-            <a:solidFill>
-              <a:schemeClr val="bg1"/>
-            </a:solidFill>
-            <a:ln>
-              <a:solidFill>
-                <a:schemeClr val="bg1"/>
-              </a:solidFill>
-            </a:ln>
-          </p:spPr>
-          <p:style>
-            <a:lnRef idx="2">
-              <a:schemeClr val="accent1">
-                <a:shade val="50000"/>
-              </a:schemeClr>
-            </a:lnRef>
-            <a:fillRef idx="1">
-              <a:schemeClr val="accent1"/>
-            </a:fillRef>
-            <a:effectRef idx="0">
-              <a:schemeClr val="accent1"/>
-            </a:effectRef>
-            <a:fontRef idx="minor">
-              <a:schemeClr val="lt1"/>
-            </a:fontRef>
-          </p:style>
-          <p:txBody>
-            <a:bodyPr rtlCol="0" anchor="ctr"/>
-            <a:lstStyle/>
-            <a:p>
-              <a:pPr algn="ctr"/>
-              <a:endParaRPr lang="ko-KR" altLang="en-US"/>
+              <a:r>
+                <a:rPr lang="en-US" altLang="ko-KR" sz="3200" spc="300" dirty="0">
+                  <a:solidFill>
+                    <a:srgbClr val="0047BB"/>
+                  </a:solidFill>
+                  <a:latin typeface="DIN 2014" panose="020B0404020202020204" pitchFamily="34" charset="0"/>
+                  <a:ea typeface="DIN 2014" panose="020B0404020202020204" pitchFamily="34" charset="0"/>
+                  <a:cs typeface="KoPubWorld돋움체 Medium" panose="00000600000000000000" pitchFamily="2" charset="-127"/>
+                </a:rPr>
+                <a:t>S T R A D A</a:t>
+              </a:r>
+              <a:endParaRPr lang="ko-KR" altLang="en-US" sz="3200" spc="300" dirty="0">
+                <a:solidFill>
+                  <a:srgbClr val="0047BB"/>
+                </a:solidFill>
+                <a:latin typeface="DIN 2014" panose="020B0404020202020204" pitchFamily="34" charset="0"/>
+                <a:ea typeface="KoPubWorld돋움체 Medium" panose="00000600000000000000" pitchFamily="2" charset="-127"/>
+                <a:cs typeface="KoPubWorld돋움체 Medium" panose="00000600000000000000" pitchFamily="2" charset="-127"/>
+              </a:endParaRPr>
             </a:p>
           </p:txBody>
         </p:sp>
       </p:grpSp>
-      <p:sp>
-        <p:nvSpPr>
-          <p:cNvPr id="9" name="TextBox 8">
-            <a:extLst>
-              <a:ext uri="{FF2B5EF4-FFF2-40B4-BE49-F238E27FC236}">
-                <a16:creationId xmlns:a16="http://schemas.microsoft.com/office/drawing/2014/main" id="{6E64A352-AF04-4CE1-AE90-B1619B49A71B}"/>
-              </a:ext>
-            </a:extLst>
-          </p:cNvPr>
-          <p:cNvSpPr txBox="1"/>
-          <p:nvPr/>
-        </p:nvSpPr>
-        <p:spPr>
-          <a:xfrm>
-            <a:off x="4041612" y="3091146"/>
-            <a:ext cx="4230624" cy="584775"/>
-          </a:xfrm>
-          <a:prstGeom prst="rect">
-            <a:avLst/>
-          </a:prstGeom>
-          <a:noFill/>
-        </p:spPr>
-        <p:txBody>
-          <a:bodyPr wrap="square" rtlCol="0">
-            <a:spAutoFit/>
-          </a:bodyPr>
-          <a:lstStyle/>
-          <a:p>
-            <a:pPr algn="ctr"/>
-            <a:r>
-              <a:rPr lang="en-US" altLang="ko-KR" sz="3200" spc="300" dirty="0">
-                <a:solidFill>
-                  <a:srgbClr val="0047BB"/>
-                </a:solidFill>
-                <a:latin typeface="DIN 2014" panose="020B0404020202020204" pitchFamily="34" charset="0"/>
-                <a:ea typeface="DIN 2014" panose="020B0404020202020204" pitchFamily="34" charset="0"/>
-                <a:cs typeface="KoPubWorld돋움체 Medium" panose="00000600000000000000" pitchFamily="2" charset="-127"/>
-              </a:rPr>
-              <a:t>S T R A D A</a:t>
-            </a:r>
-            <a:endParaRPr lang="ko-KR" altLang="en-US" sz="3200" spc="300" dirty="0">
-              <a:solidFill>
-                <a:srgbClr val="0047BB"/>
-              </a:solidFill>
-              <a:latin typeface="DIN 2014" panose="020B0404020202020204" pitchFamily="34" charset="0"/>
-              <a:ea typeface="KoPubWorld돋움체 Medium" panose="00000600000000000000" pitchFamily="2" charset="-127"/>
-              <a:cs typeface="KoPubWorld돋움체 Medium" panose="00000600000000000000" pitchFamily="2" charset="-127"/>
-            </a:endParaRPr>
-          </a:p>
-        </p:txBody>
-      </p:sp>
     </p:spTree>
     <p:extLst>
       <p:ext uri="{BB962C8B-B14F-4D97-AF65-F5344CB8AC3E}">
@@ -11251,10 +11271,10 @@
       </p:sp>
       <p:pic>
         <p:nvPicPr>
-          <p:cNvPr id="3" name="그래픽 2">
-            <a:extLst>
-              <a:ext uri="{FF2B5EF4-FFF2-40B4-BE49-F238E27FC236}">
-                <a16:creationId xmlns:a16="http://schemas.microsoft.com/office/drawing/2014/main" id="{DA23274A-CACE-40CD-A1A5-94221CBE56E1}"/>
+          <p:cNvPr id="12" name="그림 11">
+            <a:extLst>
+              <a:ext uri="{FF2B5EF4-FFF2-40B4-BE49-F238E27FC236}">
+                <a16:creationId xmlns:a16="http://schemas.microsoft.com/office/drawing/2014/main" id="{D759CA18-DA41-45FE-B8A9-2E57A50AEF19}"/>
               </a:ext>
             </a:extLst>
           </p:cNvPr>
@@ -11266,8 +11286,8 @@
         <p:blipFill>
           <a:blip r:embed="rId6">
             <a:extLst>
-              <a:ext uri="{96DAC541-7B7A-43D3-8B79-37D633B846F1}">
-                <asvg:svgBlip xmlns:asvg="http://schemas.microsoft.com/office/drawing/2016/SVG/main" r:embed="rId7"/>
+              <a:ext uri="{28A0092B-C50C-407E-A947-70E740481C1C}">
+                <a14:useLocalDpi xmlns:a14="http://schemas.microsoft.com/office/drawing/2010/main" val="0"/>
               </a:ext>
             </a:extLst>
           </a:blip>
@@ -11277,8 +11297,8 @@
         </p:blipFill>
         <p:spPr>
           <a:xfrm>
-            <a:off x="3949154" y="1273878"/>
-            <a:ext cx="2343480" cy="5074414"/>
+            <a:off x="744373" y="1277547"/>
+            <a:ext cx="2343479" cy="5074413"/>
           </a:xfrm>
           <a:prstGeom prst="rect">
             <a:avLst/>
@@ -11307,7 +11327,7 @@
           <p:nvPr/>
         </p:nvPicPr>
         <p:blipFill>
-          <a:blip r:embed="rId8">
+          <a:blip r:embed="rId7">
             <a:extLst>
               <a:ext uri="{28A0092B-C50C-407E-A947-70E740481C1C}">
                 <a14:useLocalDpi xmlns:a14="http://schemas.microsoft.com/office/drawing/2010/main" val="0"/>
@@ -11343,14 +11363,14 @@
           <p:nvPr>
             <p:extLst>
               <p:ext uri="{D42A27DB-BD31-4B8C-83A1-F6EECF244321}">
-                <p14:modId xmlns:p14="http://schemas.microsoft.com/office/powerpoint/2010/main" val="89510479"/>
+                <p14:modId xmlns:p14="http://schemas.microsoft.com/office/powerpoint/2010/main" val="2897534642"/>
               </p:ext>
             </p:extLst>
           </p:nvPr>
         </p:nvGraphicFramePr>
         <p:xfrm>
           <a:off x="6922643" y="1243733"/>
-          <a:ext cx="4873270" cy="2025137"/>
+          <a:ext cx="4873270" cy="2634737"/>
         </p:xfrm>
         <a:graphic>
           <a:graphicData uri="http://schemas.openxmlformats.org/drawingml/2006/table">
@@ -11630,37 +11650,6 @@
                       </a:r>
                       <a:endParaRPr lang="en-US" altLang="ko-KR" sz="1400" dirty="0"/>
                     </a:p>
-                    <a:p>
-                      <a:pPr marL="285750" indent="-285750" algn="l" latinLnBrk="1">
-                        <a:buFont typeface="Arial" panose="020B0604020202020204" pitchFamily="34" charset="0"/>
-                        <a:buChar char="•"/>
-                      </a:pPr>
-                      <a:r>
-                        <a:rPr lang="en-US" altLang="ko-KR" sz="1400" dirty="0"/>
-                        <a:t>‘</a:t>
-                      </a:r>
-                      <a:r>
-                        <a:rPr lang="ko-KR" altLang="en-US" sz="1400" dirty="0"/>
-                        <a:t>로그아웃</a:t>
-                      </a:r>
-                      <a:r>
-                        <a:rPr lang="en-US" altLang="ko-KR" sz="1400" dirty="0"/>
-                        <a:t>’</a:t>
-                      </a:r>
-                      <a:r>
-                        <a:rPr lang="ko-KR" altLang="en-US" sz="1400" dirty="0"/>
-                        <a:t>버튼을 누르지 않는 이상</a:t>
-                      </a:r>
-                      <a:r>
-                        <a:rPr lang="en-US" altLang="ko-KR" sz="1400" dirty="0"/>
-                        <a:t>, </a:t>
-                      </a:r>
-                      <a:r>
-                        <a:rPr lang="ko-KR" altLang="en-US" sz="1400" dirty="0"/>
-                        <a:t>로그인 유지</a:t>
-                      </a:r>
-                      <a:endParaRPr lang="en-US" altLang="ko-KR" sz="1400" dirty="0"/>
-                    </a:p>
                   </a:txBody>
                   <a:tcPr anchor="ctr">
                     <a:solidFill>
@@ -11674,16 +11663,96 @@
                   </a:ext>
                 </a:extLst>
               </a:tr>
+              <a:tr h="396240">
+                <a:tc>
+                  <a:txBody>
+                    <a:bodyPr/>
+                    <a:lstStyle/>
+                    <a:p>
+                      <a:pPr algn="ctr" latinLnBrk="1"/>
+                      <a:r>
+                        <a:rPr lang="en-US" altLang="ko-KR" sz="1400" dirty="0"/>
+                        <a:t>4</a:t>
+                      </a:r>
+                      <a:endParaRPr lang="ko-KR" altLang="en-US" sz="1400" dirty="0"/>
+                    </a:p>
+                  </a:txBody>
+                  <a:tcPr anchor="ctr">
+                    <a:solidFill>
+                      <a:schemeClr val="bg2"/>
+                    </a:solidFill>
+                  </a:tcPr>
+                </a:tc>
+                <a:tc>
+                  <a:txBody>
+                    <a:bodyPr/>
+                    <a:lstStyle/>
+                    <a:p>
+                      <a:pPr algn="l" latinLnBrk="1"/>
+                      <a:r>
+                        <a:rPr lang="ko-KR" altLang="en-US" sz="1400" dirty="0"/>
+                        <a:t>자동로그인 체크 시</a:t>
+                      </a:r>
+                      <a:r>
+                        <a:rPr lang="en-US" altLang="ko-KR" sz="1400" dirty="0"/>
+                        <a:t>, ‘</a:t>
+                      </a:r>
+                      <a:r>
+                        <a:rPr lang="ko-KR" altLang="en-US" sz="1400" dirty="0"/>
+                        <a:t>로그아웃</a:t>
+                      </a:r>
+                      <a:r>
+                        <a:rPr lang="en-US" altLang="ko-KR" sz="1400" dirty="0"/>
+                        <a:t>’</a:t>
+                      </a:r>
+                      <a:r>
+                        <a:rPr lang="ko-KR" altLang="en-US" sz="1400" dirty="0"/>
+                        <a:t> 전까지 세션 유지</a:t>
+                      </a:r>
+                      <a:endParaRPr lang="en-US" altLang="ko-KR" sz="1400" dirty="0"/>
+                    </a:p>
+                    <a:p>
+                      <a:pPr marL="285750" indent="-285750" algn="l" latinLnBrk="1">
+                        <a:buFont typeface="Arial" panose="020B0604020202020204" pitchFamily="34" charset="0"/>
+                        <a:buChar char="•"/>
+                      </a:pPr>
+                      <a:r>
+                        <a:rPr lang="ko-KR" altLang="en-US" sz="1400" dirty="0"/>
+                        <a:t>세션 유지 상태에선</a:t>
+                      </a:r>
+                      <a:r>
+                        <a:rPr lang="en-US" altLang="ko-KR" sz="1400" dirty="0"/>
+                        <a:t> </a:t>
+                      </a:r>
+                      <a:r>
+                        <a:rPr lang="ko-KR" altLang="en-US" sz="1400" dirty="0"/>
+                        <a:t>어플 접속 시 홈화면으로 바로 이동</a:t>
+                      </a:r>
+                      <a:endParaRPr lang="en-US" altLang="ko-KR" sz="1400" dirty="0"/>
+                    </a:p>
+                  </a:txBody>
+                  <a:tcPr anchor="ctr">
+                    <a:solidFill>
+                      <a:schemeClr val="bg2"/>
+                    </a:solidFill>
+                  </a:tcPr>
+                </a:tc>
+                <a:extLst>
+                  <a:ext uri="{0D108BD9-81ED-4DB2-BD59-A6C34878D82A}">
+                    <a16:rowId xmlns:a16="http://schemas.microsoft.com/office/drawing/2014/main" val="353228273"/>
+                  </a:ext>
+                </a:extLst>
+              </a:tr>
             </a:tbl>
           </a:graphicData>
         </a:graphic>
       </p:graphicFrame>
       <p:pic>
         <p:nvPicPr>
-          <p:cNvPr id="6" name="그래픽 5">
-            <a:extLst>
-              <a:ext uri="{FF2B5EF4-FFF2-40B4-BE49-F238E27FC236}">
-                <a16:creationId xmlns:a16="http://schemas.microsoft.com/office/drawing/2014/main" id="{661793FB-197E-4C8A-A140-8D56E9F4B60C}"/>
+          <p:cNvPr id="9" name="그래픽 8">
+            <a:extLst>
+              <a:ext uri="{FF2B5EF4-FFF2-40B4-BE49-F238E27FC236}">
+                <a16:creationId xmlns:a16="http://schemas.microsoft.com/office/drawing/2014/main" id="{A1698170-71DF-498A-8161-793A265B83EC}"/>
               </a:ext>
             </a:extLst>
           </p:cNvPr>
@@ -11693,53 +11762,10 @@
           <p:nvPr/>
         </p:nvPicPr>
         <p:blipFill>
-          <a:blip r:embed="rId9">
+          <a:blip r:embed="rId8">
             <a:extLst>
               <a:ext uri="{96DAC541-7B7A-43D3-8B79-37D633B846F1}">
-                <asvg:svgBlip xmlns:asvg="http://schemas.microsoft.com/office/drawing/2016/SVG/main" r:embed="rId10"/>
-              </a:ext>
-            </a:extLst>
-          </a:blip>
-          <a:stretch>
-            <a:fillRect/>
-          </a:stretch>
-        </p:blipFill>
-        <p:spPr>
-          <a:xfrm>
-            <a:off x="749920" y="1279690"/>
-            <a:ext cx="2343479" cy="5074413"/>
-          </a:xfrm>
-          <a:prstGeom prst="rect">
-            <a:avLst/>
-          </a:prstGeom>
-          <a:effectLst>
-            <a:outerShdw blurRad="50800" dist="38100" dir="2700000" algn="tl" rotWithShape="0">
-              <a:prstClr val="black">
-                <a:alpha val="40000"/>
-              </a:prstClr>
-            </a:outerShdw>
-          </a:effectLst>
-        </p:spPr>
-      </p:pic>
-      <p:pic>
-        <p:nvPicPr>
-          <p:cNvPr id="9" name="그래픽 8">
-            <a:extLst>
-              <a:ext uri="{FF2B5EF4-FFF2-40B4-BE49-F238E27FC236}">
-                <a16:creationId xmlns:a16="http://schemas.microsoft.com/office/drawing/2014/main" id="{A1698170-71DF-498A-8161-793A265B83EC}"/>
-              </a:ext>
-            </a:extLst>
-          </p:cNvPr>
-          <p:cNvPicPr>
-            <a:picLocks noChangeAspect="1"/>
-          </p:cNvPicPr>
-          <p:nvPr/>
-        </p:nvPicPr>
-        <p:blipFill>
-          <a:blip r:embed="rId11">
-            <a:extLst>
-              <a:ext uri="{96DAC541-7B7A-43D3-8B79-37D633B846F1}">
-                <asvg:svgBlip xmlns:asvg="http://schemas.microsoft.com/office/drawing/2016/SVG/main" r:embed="rId12"/>
+                <asvg:svgBlip xmlns:asvg="http://schemas.microsoft.com/office/drawing/2016/SVG/main" r:embed="rId9"/>
               </a:ext>
             </a:extLst>
           </a:blip>
@@ -11772,10 +11798,10 @@
           <p:nvPr/>
         </p:nvPicPr>
         <p:blipFill>
-          <a:blip r:embed="rId13">
+          <a:blip r:embed="rId10">
             <a:extLst>
               <a:ext uri="{96DAC541-7B7A-43D3-8B79-37D633B846F1}">
-                <asvg:svgBlip xmlns:asvg="http://schemas.microsoft.com/office/drawing/2016/SVG/main" r:embed="rId14"/>
+                <asvg:svgBlip xmlns:asvg="http://schemas.microsoft.com/office/drawing/2016/SVG/main" r:embed="rId11"/>
               </a:ext>
             </a:extLst>
           </a:blip>
@@ -11795,10 +11821,10 @@
       </p:pic>
       <p:pic>
         <p:nvPicPr>
-          <p:cNvPr id="2" name="그래픽 1">
-            <a:extLst>
-              <a:ext uri="{FF2B5EF4-FFF2-40B4-BE49-F238E27FC236}">
-                <a16:creationId xmlns:a16="http://schemas.microsoft.com/office/drawing/2014/main" id="{CF6D83BB-9C3C-40C1-9769-C8DDB92A3F77}"/>
+          <p:cNvPr id="15" name="그림 14">
+            <a:extLst>
+              <a:ext uri="{FF2B5EF4-FFF2-40B4-BE49-F238E27FC236}">
+                <a16:creationId xmlns:a16="http://schemas.microsoft.com/office/drawing/2014/main" id="{5A58B0D5-F420-4AD5-A4F2-78F697F8403E}"/>
               </a:ext>
             </a:extLst>
           </p:cNvPr>
@@ -11808,10 +11834,53 @@
           <p:nvPr/>
         </p:nvPicPr>
         <p:blipFill>
-          <a:blip r:embed="rId15">
+          <a:blip r:embed="rId12">
+            <a:extLst>
+              <a:ext uri="{28A0092B-C50C-407E-A947-70E740481C1C}">
+                <a14:useLocalDpi xmlns:a14="http://schemas.microsoft.com/office/drawing/2010/main" val="0"/>
+              </a:ext>
+            </a:extLst>
+          </a:blip>
+          <a:stretch>
+            <a:fillRect/>
+          </a:stretch>
+        </p:blipFill>
+        <p:spPr>
+          <a:xfrm>
+            <a:off x="3949200" y="1274400"/>
+            <a:ext cx="2343480" cy="5074415"/>
+          </a:xfrm>
+          <a:prstGeom prst="rect">
+            <a:avLst/>
+          </a:prstGeom>
+          <a:effectLst>
+            <a:outerShdw blurRad="50800" dist="38100" dir="2700000" algn="tl" rotWithShape="0">
+              <a:prstClr val="black">
+                <a:alpha val="40000"/>
+              </a:prstClr>
+            </a:outerShdw>
+          </a:effectLst>
+        </p:spPr>
+      </p:pic>
+      <p:pic>
+        <p:nvPicPr>
+          <p:cNvPr id="2" name="그래픽 1">
+            <a:extLst>
+              <a:ext uri="{FF2B5EF4-FFF2-40B4-BE49-F238E27FC236}">
+                <a16:creationId xmlns:a16="http://schemas.microsoft.com/office/drawing/2014/main" id="{CF6D83BB-9C3C-40C1-9769-C8DDB92A3F77}"/>
+              </a:ext>
+            </a:extLst>
+          </p:cNvPr>
+          <p:cNvPicPr>
+            <a:picLocks noChangeAspect="1"/>
+          </p:cNvPicPr>
+          <p:nvPr/>
+        </p:nvPicPr>
+        <p:blipFill>
+          <a:blip r:embed="rId13">
             <a:extLst>
               <a:ext uri="{96DAC541-7B7A-43D3-8B79-37D633B846F1}">
-                <asvg:svgBlip xmlns:asvg="http://schemas.microsoft.com/office/drawing/2016/SVG/main" r:embed="rId16"/>
+                <asvg:svgBlip xmlns:asvg="http://schemas.microsoft.com/office/drawing/2016/SVG/main" r:embed="rId14"/>
               </a:ext>
             </a:extLst>
           </a:blip>
@@ -11829,10 +11898,74 @@
           </a:prstGeom>
         </p:spPr>
       </p:pic>
+      <p:sp>
+        <p:nvSpPr>
+          <p:cNvPr id="23" name="타원 22">
+            <a:extLst>
+              <a:ext uri="{FF2B5EF4-FFF2-40B4-BE49-F238E27FC236}">
+                <a16:creationId xmlns:a16="http://schemas.microsoft.com/office/drawing/2014/main" id="{931AE391-C4B4-49D3-84D5-33DCF16FF3A2}"/>
+              </a:ext>
+            </a:extLst>
+          </p:cNvPr>
+          <p:cNvSpPr/>
+          <p:nvPr/>
+        </p:nvSpPr>
+        <p:spPr>
+          <a:xfrm>
+            <a:off x="3836255" y="4112131"/>
+            <a:ext cx="248400" cy="237600"/>
+          </a:xfrm>
+          <a:prstGeom prst="ellipse">
+            <a:avLst/>
+          </a:prstGeom>
+          <a:solidFill>
+            <a:srgbClr val="FF6600"/>
+          </a:solidFill>
+          <a:ln>
+            <a:noFill/>
+          </a:ln>
+        </p:spPr>
+        <p:style>
+          <a:lnRef idx="2">
+            <a:schemeClr val="accent1">
+              <a:shade val="50000"/>
+            </a:schemeClr>
+          </a:lnRef>
+          <a:fillRef idx="1">
+            <a:schemeClr val="accent1"/>
+          </a:fillRef>
+          <a:effectRef idx="0">
+            <a:schemeClr val="accent1"/>
+          </a:effectRef>
+          <a:fontRef idx="minor">
+            <a:schemeClr val="lt1"/>
+          </a:fontRef>
+        </p:style>
+        <p:txBody>
+          <a:bodyPr rtlCol="0" anchor="ctr"/>
+          <a:lstStyle/>
+          <a:p>
+            <a:pPr algn="ctr"/>
+            <a:r>
+              <a:rPr lang="en-US" altLang="ko-KR" sz="1400" dirty="0">
+                <a:solidFill>
+                  <a:schemeClr val="bg1"/>
+                </a:solidFill>
+              </a:rPr>
+              <a:t>4</a:t>
+            </a:r>
+            <a:endParaRPr lang="ko-KR" altLang="en-US" sz="1400" dirty="0">
+              <a:solidFill>
+                <a:schemeClr val="bg1"/>
+              </a:solidFill>
+            </a:endParaRPr>
+          </a:p>
+        </p:txBody>
+      </p:sp>
     </p:spTree>
     <p:extLst>
       <p:ext uri="{BB962C8B-B14F-4D97-AF65-F5344CB8AC3E}">
-        <p14:creationId xmlns:p14="http://schemas.microsoft.com/office/powerpoint/2010/main" val="57076892"/>
+        <p14:creationId xmlns:p14="http://schemas.microsoft.com/office/powerpoint/2010/main" val="2028902872"/>
       </p:ext>
     </p:extLst>
   </p:cSld>
@@ -14379,14 +14512,14 @@
           <p:nvPr>
             <p:extLst>
               <p:ext uri="{D42A27DB-BD31-4B8C-83A1-F6EECF244321}">
-                <p14:modId xmlns:p14="http://schemas.microsoft.com/office/powerpoint/2010/main" val="272811152"/>
+                <p14:modId xmlns:p14="http://schemas.microsoft.com/office/powerpoint/2010/main" val="522406056"/>
               </p:ext>
             </p:extLst>
           </p:nvPr>
         </p:nvGraphicFramePr>
         <p:xfrm>
           <a:off x="5381263" y="1048411"/>
-          <a:ext cx="6187346" cy="3869679"/>
+          <a:ext cx="6187346" cy="4083039"/>
         </p:xfrm>
         <a:graphic>
           <a:graphicData uri="http://schemas.openxmlformats.org/drawingml/2006/table">
@@ -14877,15 +15010,7 @@
                       <a:pPr algn="l" latinLnBrk="1"/>
                       <a:r>
                         <a:rPr lang="ko-KR" altLang="en-US" sz="1400" dirty="0"/>
-                        <a:t>주문하기 부분을 위로 </a:t>
-                      </a:r>
-                      <a:r>
-                        <a:rPr lang="ko-KR" altLang="en-US" sz="1400" dirty="0" err="1"/>
-                        <a:t>스와이프</a:t>
-                      </a:r>
-                      <a:r>
-                        <a:rPr lang="ko-KR" altLang="en-US" sz="1400" dirty="0"/>
-                        <a:t> 시 주문화면 노출</a:t>
+                        <a:t>위로 스크롤 시 주문화면 노출</a:t>
                       </a:r>
                       <a:endParaRPr lang="en-US" altLang="ko-KR" sz="1400" dirty="0"/>
                     </a:p>
@@ -14893,24 +15018,33 @@
                       <a:pPr algn="l" latinLnBrk="1"/>
                       <a:r>
                         <a:rPr lang="ko-KR" altLang="en-US" sz="1400" dirty="0"/>
-                        <a:t>추가</a:t>
+                        <a:t>주문하기와 화살표 부분 클릭 시에도 주문화면 노출</a:t>
+                      </a:r>
+                      <a:endParaRPr lang="en-US" altLang="ko-KR" sz="1400" dirty="0"/>
+                    </a:p>
+                    <a:p>
+                      <a:pPr algn="l" latinLnBrk="1"/>
+                      <a:r>
+                        <a:rPr lang="ko-KR" altLang="en-US" sz="1400" dirty="0"/>
+                        <a:t>클릭 범위 </a:t>
                       </a:r>
                       <a:r>
                         <a:rPr lang="en-US" altLang="ko-KR" sz="1400" dirty="0"/>
-                        <a:t>) </a:t>
+                        <a:t>: </a:t>
                       </a:r>
                       <a:r>
                         <a:rPr lang="ko-KR" altLang="en-US" sz="1400" dirty="0"/>
-                        <a:t>화살표 부분 클릭 시에도</a:t>
-                      </a:r>
-                      <a:r>
-                        <a:rPr lang="en-US" altLang="ko-KR" sz="1400" dirty="0"/>
-                        <a:t> </a:t>
-                      </a:r>
-                      <a:r>
-                        <a:rPr lang="ko-KR" altLang="en-US" sz="1400" dirty="0"/>
-                        <a:t>주문화면 노출</a:t>
-                      </a:r>
+                        <a:t>주문하기와 </a:t>
+                      </a:r>
+                      <a:r>
+                        <a:rPr lang="ko-KR" altLang="en-US" sz="1400" dirty="0" err="1"/>
+                        <a:t>아래화살표</a:t>
+                      </a:r>
+                      <a:r>
+                        <a:rPr lang="ko-KR" altLang="en-US" sz="1400"/>
+                        <a:t> 범위</a:t>
+                      </a:r>
+                      <a:endParaRPr lang="ko-KR" altLang="en-US" sz="1400" dirty="0"/>
                     </a:p>
                   </a:txBody>
                   <a:tcPr anchor="ctr">
@@ -18724,172 +18858,197 @@
           <a:chExt cx="0" cy="0"/>
         </a:xfrm>
       </p:grpSpPr>
-      <p:sp>
-        <p:nvSpPr>
-          <p:cNvPr id="4" name="TextBox 3">
-            <a:extLst>
-              <a:ext uri="{FF2B5EF4-FFF2-40B4-BE49-F238E27FC236}">
-                <a16:creationId xmlns:a16="http://schemas.microsoft.com/office/drawing/2014/main" id="{12BED0F1-8C50-4A39-B31B-6403F489CC51}"/>
-              </a:ext>
-            </a:extLst>
-          </p:cNvPr>
-          <p:cNvSpPr txBox="1"/>
+      <p:grpSp>
+        <p:nvGrpSpPr>
+          <p:cNvPr id="2" name="그룹 1">
+            <a:extLst>
+              <a:ext uri="{FF2B5EF4-FFF2-40B4-BE49-F238E27FC236}">
+                <a16:creationId xmlns:a16="http://schemas.microsoft.com/office/drawing/2014/main" id="{B3356CC5-6B4F-4FDF-972D-E9F4EE158EDD}"/>
+              </a:ext>
+            </a:extLst>
+          </p:cNvPr>
+          <p:cNvGrpSpPr/>
           <p:nvPr/>
-        </p:nvSpPr>
-        <p:spPr>
+        </p:nvGrpSpPr>
+        <p:grpSpPr>
           <a:xfrm>
-            <a:off x="6071616" y="2841027"/>
-            <a:ext cx="3892297" cy="1200329"/>
+            <a:off x="2862210" y="2633472"/>
+            <a:ext cx="7101703" cy="1656000"/>
+            <a:chOff x="2862210" y="2633472"/>
+            <a:chExt cx="7101703" cy="1656000"/>
           </a:xfrm>
-          <a:prstGeom prst="rect">
-            <a:avLst/>
-          </a:prstGeom>
-          <a:noFill/>
-        </p:spPr>
-        <p:txBody>
-          <a:bodyPr wrap="square" rtlCol="0">
-            <a:spAutoFit/>
-          </a:bodyPr>
-          <a:lstStyle/>
-          <a:p>
-            <a:pPr algn="ctr"/>
-            <a:r>
-              <a:rPr lang="en-US" altLang="ko-KR" sz="3600" spc="400" dirty="0">
+        </p:grpSpPr>
+        <p:sp>
+          <p:nvSpPr>
+            <p:cNvPr id="4" name="TextBox 3">
+              <a:extLst>
+                <a:ext uri="{FF2B5EF4-FFF2-40B4-BE49-F238E27FC236}">
+                  <a16:creationId xmlns:a16="http://schemas.microsoft.com/office/drawing/2014/main" id="{12BED0F1-8C50-4A39-B31B-6403F489CC51}"/>
+                </a:ext>
+              </a:extLst>
+            </p:cNvPr>
+            <p:cNvSpPr txBox="1"/>
+            <p:nvPr/>
+          </p:nvSpPr>
+          <p:spPr>
+            <a:xfrm>
+              <a:off x="6071616" y="2841027"/>
+              <a:ext cx="3892297" cy="1200329"/>
+            </a:xfrm>
+            <a:prstGeom prst="rect">
+              <a:avLst/>
+            </a:prstGeom>
+            <a:noFill/>
+          </p:spPr>
+          <p:txBody>
+            <a:bodyPr wrap="square" rtlCol="0">
+              <a:spAutoFit/>
+            </a:bodyPr>
+            <a:lstStyle/>
+            <a:p>
+              <a:pPr algn="ctr"/>
+              <a:r>
+                <a:rPr lang="en-US" altLang="ko-KR" sz="3600" spc="400" dirty="0">
+                  <a:solidFill>
+                    <a:srgbClr val="0047BB"/>
+                  </a:solidFill>
+                  <a:latin typeface="DIN 2014" panose="020B0404020202020204" pitchFamily="34" charset="0"/>
+                  <a:ea typeface="DIN 2014" panose="020B0404020202020204" pitchFamily="34" charset="0"/>
+                </a:rPr>
+                <a:t>S T R A D A</a:t>
+              </a:r>
+            </a:p>
+            <a:p>
+              <a:pPr algn="ctr"/>
+              <a:r>
+                <a:rPr lang="en-US" altLang="ko-KR" sz="3600" spc="400" dirty="0">
+                  <a:solidFill>
+                    <a:srgbClr val="0047BB"/>
+                  </a:solidFill>
+                  <a:latin typeface="DIN 2014" panose="020B0404020202020204" pitchFamily="34" charset="0"/>
+                  <a:ea typeface="DIN 2014" panose="020B0404020202020204" pitchFamily="34" charset="0"/>
+                </a:rPr>
+                <a:t>C O F </a:t>
+              </a:r>
+              <a:r>
+                <a:rPr lang="en-US" altLang="ko-KR" sz="3600" spc="400" dirty="0" err="1">
+                  <a:solidFill>
+                    <a:srgbClr val="0047BB"/>
+                  </a:solidFill>
+                  <a:latin typeface="DIN 2014" panose="020B0404020202020204" pitchFamily="34" charset="0"/>
+                  <a:ea typeface="DIN 2014" panose="020B0404020202020204" pitchFamily="34" charset="0"/>
+                </a:rPr>
+                <a:t>F</a:t>
+              </a:r>
+              <a:r>
+                <a:rPr lang="en-US" altLang="ko-KR" sz="3600" spc="400" dirty="0">
+                  <a:solidFill>
+                    <a:srgbClr val="0047BB"/>
+                  </a:solidFill>
+                  <a:latin typeface="DIN 2014" panose="020B0404020202020204" pitchFamily="34" charset="0"/>
+                  <a:ea typeface="DIN 2014" panose="020B0404020202020204" pitchFamily="34" charset="0"/>
+                </a:rPr>
+                <a:t> E </a:t>
+              </a:r>
+              <a:r>
+                <a:rPr lang="en-US" altLang="ko-KR" sz="3600" spc="400" dirty="0" err="1">
+                  <a:solidFill>
+                    <a:srgbClr val="0047BB"/>
+                  </a:solidFill>
+                  <a:latin typeface="DIN 2014" panose="020B0404020202020204" pitchFamily="34" charset="0"/>
+                  <a:ea typeface="DIN 2014" panose="020B0404020202020204" pitchFamily="34" charset="0"/>
+                </a:rPr>
+                <a:t>E</a:t>
+              </a:r>
+              <a:endParaRPr lang="ko-KR" altLang="en-US" sz="3600" spc="400" dirty="0">
                 <a:solidFill>
                   <a:srgbClr val="0047BB"/>
                 </a:solidFill>
                 <a:latin typeface="DIN 2014" panose="020B0404020202020204" pitchFamily="34" charset="0"/>
-                <a:ea typeface="DIN 2014" panose="020B0404020202020204" pitchFamily="34" charset="0"/>
-              </a:rPr>
-              <a:t>S T R A D A</a:t>
-            </a:r>
-          </a:p>
-          <a:p>
-            <a:pPr algn="ctr"/>
-            <a:r>
-              <a:rPr lang="en-US" altLang="ko-KR" sz="3600" spc="400" dirty="0">
-                <a:solidFill>
-                  <a:srgbClr val="0047BB"/>
-                </a:solidFill>
-                <a:latin typeface="DIN 2014" panose="020B0404020202020204" pitchFamily="34" charset="0"/>
-                <a:ea typeface="DIN 2014" panose="020B0404020202020204" pitchFamily="34" charset="0"/>
-              </a:rPr>
-              <a:t>C O F </a:t>
-            </a:r>
-            <a:r>
-              <a:rPr lang="en-US" altLang="ko-KR" sz="3600" spc="400" dirty="0" err="1">
-                <a:solidFill>
-                  <a:srgbClr val="0047BB"/>
-                </a:solidFill>
-                <a:latin typeface="DIN 2014" panose="020B0404020202020204" pitchFamily="34" charset="0"/>
-                <a:ea typeface="DIN 2014" panose="020B0404020202020204" pitchFamily="34" charset="0"/>
-              </a:rPr>
-              <a:t>F</a:t>
-            </a:r>
-            <a:r>
-              <a:rPr lang="en-US" altLang="ko-KR" sz="3600" spc="400" dirty="0">
-                <a:solidFill>
-                  <a:srgbClr val="0047BB"/>
-                </a:solidFill>
-                <a:latin typeface="DIN 2014" panose="020B0404020202020204" pitchFamily="34" charset="0"/>
-                <a:ea typeface="DIN 2014" panose="020B0404020202020204" pitchFamily="34" charset="0"/>
-              </a:rPr>
-              <a:t> E </a:t>
-            </a:r>
-            <a:r>
-              <a:rPr lang="en-US" altLang="ko-KR" sz="3600" spc="400" dirty="0" err="1">
-                <a:solidFill>
-                  <a:srgbClr val="0047BB"/>
-                </a:solidFill>
-                <a:latin typeface="DIN 2014" panose="020B0404020202020204" pitchFamily="34" charset="0"/>
-                <a:ea typeface="DIN 2014" panose="020B0404020202020204" pitchFamily="34" charset="0"/>
-              </a:rPr>
-              <a:t>E</a:t>
-            </a:r>
-            <a:endParaRPr lang="ko-KR" altLang="en-US" sz="3600" spc="400" dirty="0">
+              </a:endParaRPr>
+            </a:p>
+          </p:txBody>
+        </p:sp>
+        <p:pic>
+          <p:nvPicPr>
+            <p:cNvPr id="5" name="그래픽 4">
+              <a:extLst>
+                <a:ext uri="{FF2B5EF4-FFF2-40B4-BE49-F238E27FC236}">
+                  <a16:creationId xmlns:a16="http://schemas.microsoft.com/office/drawing/2014/main" id="{6A7CD6EA-FF10-40A3-AC0A-BBB259F7070A}"/>
+                </a:ext>
+              </a:extLst>
+            </p:cNvPr>
+            <p:cNvPicPr>
+              <a:picLocks noChangeAspect="1"/>
+            </p:cNvPicPr>
+            <p:nvPr/>
+          </p:nvPicPr>
+          <p:blipFill>
+            <a:blip r:embed="rId2">
+              <a:extLst>
+                <a:ext uri="{96DAC541-7B7A-43D3-8B79-37D633B846F1}">
+                  <asvg:svgBlip xmlns:asvg="http://schemas.microsoft.com/office/drawing/2016/SVG/main" r:embed="rId3"/>
+                </a:ext>
+              </a:extLst>
+            </a:blip>
+            <a:stretch>
+              <a:fillRect/>
+            </a:stretch>
+          </p:blipFill>
+          <p:spPr>
+            <a:xfrm>
+              <a:off x="2862210" y="2819915"/>
+              <a:ext cx="1825474" cy="1242550"/>
+            </a:xfrm>
+            <a:prstGeom prst="rect">
+              <a:avLst/>
+            </a:prstGeom>
+          </p:spPr>
+        </p:pic>
+        <p:cxnSp>
+          <p:nvCxnSpPr>
+            <p:cNvPr id="7" name="직선 연결선 6">
+              <a:extLst>
+                <a:ext uri="{FF2B5EF4-FFF2-40B4-BE49-F238E27FC236}">
+                  <a16:creationId xmlns:a16="http://schemas.microsoft.com/office/drawing/2014/main" id="{ADAEDF7E-FA32-4B5D-BA1A-D9397F88E1DD}"/>
+                </a:ext>
+              </a:extLst>
+            </p:cNvPr>
+            <p:cNvCxnSpPr>
+              <a:cxnSpLocks/>
+            </p:cNvCxnSpPr>
+            <p:nvPr/>
+          </p:nvCxnSpPr>
+          <p:spPr>
+            <a:xfrm>
+              <a:off x="5640543" y="2633472"/>
+              <a:ext cx="0" cy="1656000"/>
+            </a:xfrm>
+            <a:prstGeom prst="line">
+              <a:avLst/>
+            </a:prstGeom>
+            <a:ln w="38100">
               <a:solidFill>
                 <a:srgbClr val="0047BB"/>
               </a:solidFill>
-              <a:latin typeface="DIN 2014" panose="020B0404020202020204" pitchFamily="34" charset="0"/>
-            </a:endParaRPr>
-          </a:p>
-        </p:txBody>
-      </p:sp>
-      <p:pic>
-        <p:nvPicPr>
-          <p:cNvPr id="5" name="그래픽 4">
-            <a:extLst>
-              <a:ext uri="{FF2B5EF4-FFF2-40B4-BE49-F238E27FC236}">
-                <a16:creationId xmlns:a16="http://schemas.microsoft.com/office/drawing/2014/main" id="{6A7CD6EA-FF10-40A3-AC0A-BBB259F7070A}"/>
-              </a:ext>
-            </a:extLst>
-          </p:cNvPr>
-          <p:cNvPicPr>
-            <a:picLocks noChangeAspect="1"/>
-          </p:cNvPicPr>
-          <p:nvPr/>
-        </p:nvPicPr>
-        <p:blipFill>
-          <a:blip r:embed="rId2">
-            <a:extLst>
-              <a:ext uri="{96DAC541-7B7A-43D3-8B79-37D633B846F1}">
-                <asvg:svgBlip xmlns:asvg="http://schemas.microsoft.com/office/drawing/2016/SVG/main" r:embed="rId3"/>
-              </a:ext>
-            </a:extLst>
-          </a:blip>
-          <a:stretch>
-            <a:fillRect/>
-          </a:stretch>
-        </p:blipFill>
-        <p:spPr>
-          <a:xfrm>
-            <a:off x="2862210" y="2819915"/>
-            <a:ext cx="1825474" cy="1242550"/>
-          </a:xfrm>
-          <a:prstGeom prst="rect">
-            <a:avLst/>
-          </a:prstGeom>
-        </p:spPr>
-      </p:pic>
-      <p:cxnSp>
-        <p:nvCxnSpPr>
-          <p:cNvPr id="7" name="직선 연결선 6">
-            <a:extLst>
-              <a:ext uri="{FF2B5EF4-FFF2-40B4-BE49-F238E27FC236}">
-                <a16:creationId xmlns:a16="http://schemas.microsoft.com/office/drawing/2014/main" id="{ADAEDF7E-FA32-4B5D-BA1A-D9397F88E1DD}"/>
-              </a:ext>
-            </a:extLst>
-          </p:cNvPr>
-          <p:cNvCxnSpPr>
-            <a:cxnSpLocks/>
-          </p:cNvCxnSpPr>
-          <p:nvPr/>
-        </p:nvCxnSpPr>
-        <p:spPr>
-          <a:xfrm>
-            <a:off x="5640543" y="2633472"/>
-            <a:ext cx="0" cy="1656000"/>
-          </a:xfrm>
-          <a:prstGeom prst="line">
-            <a:avLst/>
-          </a:prstGeom>
-          <a:ln w="38100"/>
-        </p:spPr>
-        <p:style>
-          <a:lnRef idx="1">
-            <a:schemeClr val="accent1"/>
-          </a:lnRef>
-          <a:fillRef idx="0">
-            <a:schemeClr val="accent1"/>
-          </a:fillRef>
-          <a:effectRef idx="0">
-            <a:schemeClr val="accent1"/>
-          </a:effectRef>
-          <a:fontRef idx="minor">
-            <a:schemeClr val="tx1"/>
-          </a:fontRef>
-        </p:style>
-      </p:cxnSp>
+            </a:ln>
+          </p:spPr>
+          <p:style>
+            <a:lnRef idx="1">
+              <a:schemeClr val="accent1"/>
+            </a:lnRef>
+            <a:fillRef idx="0">
+              <a:schemeClr val="accent1"/>
+            </a:fillRef>
+            <a:effectRef idx="0">
+              <a:schemeClr val="accent1"/>
+            </a:effectRef>
+            <a:fontRef idx="minor">
+              <a:schemeClr val="tx1"/>
+            </a:fontRef>
+          </p:style>
+        </p:cxnSp>
+      </p:grpSp>
     </p:spTree>
     <p:extLst>
       <p:ext uri="{BB962C8B-B14F-4D97-AF65-F5344CB8AC3E}">
